--- a/presentation/design figure.pptx
+++ b/presentation/design figure.pptx
@@ -270,7 +270,7 @@
           <a:p>
             <a:fld id="{A1208381-D324-4E16-878A-260944863543}" type="datetimeFigureOut">
               <a:rPr lang="he-IL" smtClean="0"/>
-              <a:t>כ"א/אדר א/תשפ"ב</a:t>
+              <a:t>ט"ז/סיון/תשפ"ב</a:t>
             </a:fld>
             <a:endParaRPr lang="he-IL"/>
           </a:p>
@@ -470,7 +470,7 @@
           <a:p>
             <a:fld id="{A1208381-D324-4E16-878A-260944863543}" type="datetimeFigureOut">
               <a:rPr lang="he-IL" smtClean="0"/>
-              <a:t>כ"א/אדר א/תשפ"ב</a:t>
+              <a:t>ט"ז/סיון/תשפ"ב</a:t>
             </a:fld>
             <a:endParaRPr lang="he-IL"/>
           </a:p>
@@ -680,7 +680,7 @@
           <a:p>
             <a:fld id="{A1208381-D324-4E16-878A-260944863543}" type="datetimeFigureOut">
               <a:rPr lang="he-IL" smtClean="0"/>
-              <a:t>כ"א/אדר א/תשפ"ב</a:t>
+              <a:t>ט"ז/סיון/תשפ"ב</a:t>
             </a:fld>
             <a:endParaRPr lang="he-IL"/>
           </a:p>
@@ -880,7 +880,7 @@
           <a:p>
             <a:fld id="{A1208381-D324-4E16-878A-260944863543}" type="datetimeFigureOut">
               <a:rPr lang="he-IL" smtClean="0"/>
-              <a:t>כ"א/אדר א/תשפ"ב</a:t>
+              <a:t>ט"ז/סיון/תשפ"ב</a:t>
             </a:fld>
             <a:endParaRPr lang="he-IL"/>
           </a:p>
@@ -1156,7 +1156,7 @@
           <a:p>
             <a:fld id="{A1208381-D324-4E16-878A-260944863543}" type="datetimeFigureOut">
               <a:rPr lang="he-IL" smtClean="0"/>
-              <a:t>כ"א/אדר א/תשפ"ב</a:t>
+              <a:t>ט"ז/סיון/תשפ"ב</a:t>
             </a:fld>
             <a:endParaRPr lang="he-IL"/>
           </a:p>
@@ -1424,7 +1424,7 @@
           <a:p>
             <a:fld id="{A1208381-D324-4E16-878A-260944863543}" type="datetimeFigureOut">
               <a:rPr lang="he-IL" smtClean="0"/>
-              <a:t>כ"א/אדר א/תשפ"ב</a:t>
+              <a:t>ט"ז/סיון/תשפ"ב</a:t>
             </a:fld>
             <a:endParaRPr lang="he-IL"/>
           </a:p>
@@ -1839,7 +1839,7 @@
           <a:p>
             <a:fld id="{A1208381-D324-4E16-878A-260944863543}" type="datetimeFigureOut">
               <a:rPr lang="he-IL" smtClean="0"/>
-              <a:t>כ"א/אדר א/תשפ"ב</a:t>
+              <a:t>ט"ז/סיון/תשפ"ב</a:t>
             </a:fld>
             <a:endParaRPr lang="he-IL"/>
           </a:p>
@@ -1981,7 +1981,7 @@
           <a:p>
             <a:fld id="{A1208381-D324-4E16-878A-260944863543}" type="datetimeFigureOut">
               <a:rPr lang="he-IL" smtClean="0"/>
-              <a:t>כ"א/אדר א/תשפ"ב</a:t>
+              <a:t>ט"ז/סיון/תשפ"ב</a:t>
             </a:fld>
             <a:endParaRPr lang="he-IL"/>
           </a:p>
@@ -2094,7 +2094,7 @@
           <a:p>
             <a:fld id="{A1208381-D324-4E16-878A-260944863543}" type="datetimeFigureOut">
               <a:rPr lang="he-IL" smtClean="0"/>
-              <a:t>כ"א/אדר א/תשפ"ב</a:t>
+              <a:t>ט"ז/סיון/תשפ"ב</a:t>
             </a:fld>
             <a:endParaRPr lang="he-IL"/>
           </a:p>
@@ -2407,7 +2407,7 @@
           <a:p>
             <a:fld id="{A1208381-D324-4E16-878A-260944863543}" type="datetimeFigureOut">
               <a:rPr lang="he-IL" smtClean="0"/>
-              <a:t>כ"א/אדר א/תשפ"ב</a:t>
+              <a:t>ט"ז/סיון/תשפ"ב</a:t>
             </a:fld>
             <a:endParaRPr lang="he-IL"/>
           </a:p>
@@ -2696,7 +2696,7 @@
           <a:p>
             <a:fld id="{A1208381-D324-4E16-878A-260944863543}" type="datetimeFigureOut">
               <a:rPr lang="he-IL" smtClean="0"/>
-              <a:t>כ"א/אדר א/תשפ"ב</a:t>
+              <a:t>ט"ז/סיון/תשפ"ב</a:t>
             </a:fld>
             <a:endParaRPr lang="he-IL"/>
           </a:p>
@@ -2939,7 +2939,7 @@
           <a:p>
             <a:fld id="{A1208381-D324-4E16-878A-260944863543}" type="datetimeFigureOut">
               <a:rPr lang="he-IL" smtClean="0"/>
-              <a:t>כ"א/אדר א/תשפ"ב</a:t>
+              <a:t>ט"ז/סיון/תשפ"ב</a:t>
             </a:fld>
             <a:endParaRPr lang="he-IL"/>
           </a:p>
@@ -12260,7 +12260,7 @@
         </p:nvGrpSpPr>
         <p:grpSpPr>
           <a:xfrm>
-            <a:off x="768480" y="1621106"/>
+            <a:off x="678649" y="1621106"/>
             <a:ext cx="4899980" cy="4446257"/>
             <a:chOff x="1013614" y="2567216"/>
             <a:chExt cx="3718511" cy="3374188"/>
@@ -12505,8 +12505,8 @@
         </p:nvSpPr>
         <p:spPr>
           <a:xfrm>
-            <a:off x="3673562" y="3983912"/>
-            <a:ext cx="3059898" cy="369332"/>
+            <a:off x="3961627" y="3983912"/>
+            <a:ext cx="2944980" cy="615553"/>
           </a:xfrm>
           <a:prstGeom prst="rect">
             <a:avLst/>
@@ -12521,9 +12521,15 @@
           <a:p>
             <a:r>
               <a:rPr lang="en-US" dirty="0"/>
-              <a:t>Target + Categorization  500ms</a:t>
+              <a:t>Categorization   100-740ms</a:t>
             </a:r>
-            <a:endParaRPr lang="he-IL" dirty="0"/>
+          </a:p>
+          <a:p>
+            <a:r>
+              <a:rPr lang="en-US" sz="1600" dirty="0"/>
+              <a:t>   (Target present for 500ms)</a:t>
+            </a:r>
+            <a:endParaRPr lang="he-IL" sz="1600" dirty="0"/>
           </a:p>
         </p:txBody>
       </p:sp>

--- a/presentation/design figure.pptx
+++ b/presentation/design figure.pptx
@@ -8,7 +8,7 @@
     <p:sldId id="361" r:id="rId2"/>
     <p:sldId id="371" r:id="rId3"/>
     <p:sldId id="362" r:id="rId4"/>
-    <p:sldId id="372" r:id="rId5"/>
+    <p:sldId id="375" r:id="rId5"/>
     <p:sldId id="373" r:id="rId6"/>
     <p:sldId id="374" r:id="rId7"/>
     <p:sldId id="370" r:id="rId8"/>
@@ -273,7 +273,7 @@
           <a:p>
             <a:fld id="{A1208381-D324-4E16-878A-260944863543}" type="datetimeFigureOut">
               <a:rPr lang="he-IL" smtClean="0"/>
-              <a:t>ה'/תמוז/תשפ"ב</a:t>
+              <a:t>כ'/תמוז/תשפ"ב</a:t>
             </a:fld>
             <a:endParaRPr lang="he-IL"/>
           </a:p>
@@ -473,7 +473,7 @@
           <a:p>
             <a:fld id="{A1208381-D324-4E16-878A-260944863543}" type="datetimeFigureOut">
               <a:rPr lang="he-IL" smtClean="0"/>
-              <a:t>ה'/תמוז/תשפ"ב</a:t>
+              <a:t>כ'/תמוז/תשפ"ב</a:t>
             </a:fld>
             <a:endParaRPr lang="he-IL"/>
           </a:p>
@@ -683,7 +683,7 @@
           <a:p>
             <a:fld id="{A1208381-D324-4E16-878A-260944863543}" type="datetimeFigureOut">
               <a:rPr lang="he-IL" smtClean="0"/>
-              <a:t>ה'/תמוז/תשפ"ב</a:t>
+              <a:t>כ'/תמוז/תשפ"ב</a:t>
             </a:fld>
             <a:endParaRPr lang="he-IL"/>
           </a:p>
@@ -883,7 +883,7 @@
           <a:p>
             <a:fld id="{A1208381-D324-4E16-878A-260944863543}" type="datetimeFigureOut">
               <a:rPr lang="he-IL" smtClean="0"/>
-              <a:t>ה'/תמוז/תשפ"ב</a:t>
+              <a:t>כ'/תמוז/תשפ"ב</a:t>
             </a:fld>
             <a:endParaRPr lang="he-IL"/>
           </a:p>
@@ -1159,7 +1159,7 @@
           <a:p>
             <a:fld id="{A1208381-D324-4E16-878A-260944863543}" type="datetimeFigureOut">
               <a:rPr lang="he-IL" smtClean="0"/>
-              <a:t>ה'/תמוז/תשפ"ב</a:t>
+              <a:t>כ'/תמוז/תשפ"ב</a:t>
             </a:fld>
             <a:endParaRPr lang="he-IL"/>
           </a:p>
@@ -1427,7 +1427,7 @@
           <a:p>
             <a:fld id="{A1208381-D324-4E16-878A-260944863543}" type="datetimeFigureOut">
               <a:rPr lang="he-IL" smtClean="0"/>
-              <a:t>ה'/תמוז/תשפ"ב</a:t>
+              <a:t>כ'/תמוז/תשפ"ב</a:t>
             </a:fld>
             <a:endParaRPr lang="he-IL"/>
           </a:p>
@@ -1842,7 +1842,7 @@
           <a:p>
             <a:fld id="{A1208381-D324-4E16-878A-260944863543}" type="datetimeFigureOut">
               <a:rPr lang="he-IL" smtClean="0"/>
-              <a:t>ה'/תמוז/תשפ"ב</a:t>
+              <a:t>כ'/תמוז/תשפ"ב</a:t>
             </a:fld>
             <a:endParaRPr lang="he-IL"/>
           </a:p>
@@ -1984,7 +1984,7 @@
           <a:p>
             <a:fld id="{A1208381-D324-4E16-878A-260944863543}" type="datetimeFigureOut">
               <a:rPr lang="he-IL" smtClean="0"/>
-              <a:t>ה'/תמוז/תשפ"ב</a:t>
+              <a:t>כ'/תמוז/תשפ"ב</a:t>
             </a:fld>
             <a:endParaRPr lang="he-IL"/>
           </a:p>
@@ -2097,7 +2097,7 @@
           <a:p>
             <a:fld id="{A1208381-D324-4E16-878A-260944863543}" type="datetimeFigureOut">
               <a:rPr lang="he-IL" smtClean="0"/>
-              <a:t>ה'/תמוז/תשפ"ב</a:t>
+              <a:t>כ'/תמוז/תשפ"ב</a:t>
             </a:fld>
             <a:endParaRPr lang="he-IL"/>
           </a:p>
@@ -2410,7 +2410,7 @@
           <a:p>
             <a:fld id="{A1208381-D324-4E16-878A-260944863543}" type="datetimeFigureOut">
               <a:rPr lang="he-IL" smtClean="0"/>
-              <a:t>ה'/תמוז/תשפ"ב</a:t>
+              <a:t>כ'/תמוז/תשפ"ב</a:t>
             </a:fld>
             <a:endParaRPr lang="he-IL"/>
           </a:p>
@@ -2699,7 +2699,7 @@
           <a:p>
             <a:fld id="{A1208381-D324-4E16-878A-260944863543}" type="datetimeFigureOut">
               <a:rPr lang="he-IL" smtClean="0"/>
-              <a:t>ה'/תמוז/תשפ"ב</a:t>
+              <a:t>כ'/תמוז/תשפ"ב</a:t>
             </a:fld>
             <a:endParaRPr lang="he-IL"/>
           </a:p>
@@ -2942,7 +2942,7 @@
           <a:p>
             <a:fld id="{A1208381-D324-4E16-878A-260944863543}" type="datetimeFigureOut">
               <a:rPr lang="he-IL" smtClean="0"/>
-              <a:t>ה'/תמוז/תשפ"ב</a:t>
+              <a:t>כ'/תמוז/תשפ"ב</a:t>
             </a:fld>
             <a:endParaRPr lang="he-IL"/>
           </a:p>
@@ -29996,6 +29996,4303 @@
         </p:nvGrpSpPr>
         <p:grpSpPr>
           <a:xfrm>
+            <a:off x="678649" y="1876791"/>
+            <a:ext cx="4899980" cy="4446257"/>
+            <a:chOff x="1013614" y="2567216"/>
+            <a:chExt cx="3718511" cy="3374188"/>
+          </a:xfrm>
+        </p:grpSpPr>
+        <p:cxnSp>
+          <p:nvCxnSpPr>
+            <p:cNvPr id="103" name="Straight Arrow Connector 102">
+              <a:extLst>
+                <a:ext uri="{FF2B5EF4-FFF2-40B4-BE49-F238E27FC236}">
+                  <a16:creationId xmlns:a16="http://schemas.microsoft.com/office/drawing/2014/main" id="{F8C963A5-EE20-4A0C-977D-F7C543B943D5}"/>
+                </a:ext>
+              </a:extLst>
+            </p:cNvPr>
+            <p:cNvCxnSpPr>
+              <a:cxnSpLocks/>
+            </p:cNvCxnSpPr>
+            <p:nvPr/>
+          </p:nvCxnSpPr>
+          <p:spPr>
+            <a:xfrm>
+              <a:off x="1013614" y="2567216"/>
+              <a:ext cx="3718511" cy="3374188"/>
+            </a:xfrm>
+            <a:prstGeom prst="straightConnector1">
+              <a:avLst/>
+            </a:prstGeom>
+            <a:ln w="38100">
+              <a:solidFill>
+                <a:schemeClr val="tx1"/>
+              </a:solidFill>
+              <a:tailEnd type="triangle" w="lg" len="lg"/>
+            </a:ln>
+          </p:spPr>
+          <p:style>
+            <a:lnRef idx="1">
+              <a:schemeClr val="accent1"/>
+            </a:lnRef>
+            <a:fillRef idx="0">
+              <a:schemeClr val="accent1"/>
+            </a:fillRef>
+            <a:effectRef idx="0">
+              <a:schemeClr val="accent1"/>
+            </a:effectRef>
+            <a:fontRef idx="minor">
+              <a:schemeClr val="tx1"/>
+            </a:fontRef>
+          </p:style>
+        </p:cxnSp>
+        <p:sp>
+          <p:nvSpPr>
+            <p:cNvPr id="104" name="TextBox 103">
+              <a:extLst>
+                <a:ext uri="{FF2B5EF4-FFF2-40B4-BE49-F238E27FC236}">
+                  <a16:creationId xmlns:a16="http://schemas.microsoft.com/office/drawing/2014/main" id="{F03DCFB5-CE5B-42BE-9CB9-35E1C3F7539B}"/>
+                </a:ext>
+              </a:extLst>
+            </p:cNvPr>
+            <p:cNvSpPr txBox="1"/>
+            <p:nvPr/>
+          </p:nvSpPr>
+          <p:spPr>
+            <a:xfrm rot="2569911">
+              <a:off x="2571118" y="4064150"/>
+              <a:ext cx="1190932" cy="369332"/>
+            </a:xfrm>
+            <a:prstGeom prst="rect">
+              <a:avLst/>
+            </a:prstGeom>
+            <a:noFill/>
+          </p:spPr>
+          <p:txBody>
+            <a:bodyPr wrap="square" rtlCol="1">
+              <a:spAutoFit/>
+            </a:bodyPr>
+            <a:lstStyle/>
+            <a:p>
+              <a:r>
+                <a:rPr lang="en-US" b="1" dirty="0"/>
+                <a:t>Time</a:t>
+              </a:r>
+              <a:endParaRPr lang="he-IL" b="1" dirty="0"/>
+            </a:p>
+          </p:txBody>
+        </p:sp>
+      </p:grpSp>
+      <p:sp>
+        <p:nvSpPr>
+          <p:cNvPr id="105" name="TextBox 104">
+            <a:extLst>
+              <a:ext uri="{FF2B5EF4-FFF2-40B4-BE49-F238E27FC236}">
+                <a16:creationId xmlns:a16="http://schemas.microsoft.com/office/drawing/2014/main" id="{18430AD1-15DD-4C13-AE38-DF9C97CF7844}"/>
+              </a:ext>
+            </a:extLst>
+          </p:cNvPr>
+          <p:cNvSpPr txBox="1"/>
+          <p:nvPr/>
+        </p:nvSpPr>
+        <p:spPr>
+          <a:xfrm>
+            <a:off x="1788674" y="1580479"/>
+            <a:ext cx="1679951" cy="369332"/>
+          </a:xfrm>
+          <a:prstGeom prst="rect">
+            <a:avLst/>
+          </a:prstGeom>
+          <a:noFill/>
+        </p:spPr>
+        <p:txBody>
+          <a:bodyPr wrap="square" rtlCol="1">
+            <a:spAutoFit/>
+          </a:bodyPr>
+          <a:lstStyle/>
+          <a:p>
+            <a:r>
+              <a:rPr lang="en-US" dirty="0"/>
+              <a:t>Mask   270ms</a:t>
+            </a:r>
+            <a:endParaRPr lang="he-IL" dirty="0"/>
+          </a:p>
+        </p:txBody>
+      </p:sp>
+      <p:sp>
+        <p:nvSpPr>
+          <p:cNvPr id="106" name="TextBox 105">
+            <a:extLst>
+              <a:ext uri="{FF2B5EF4-FFF2-40B4-BE49-F238E27FC236}">
+                <a16:creationId xmlns:a16="http://schemas.microsoft.com/office/drawing/2014/main" id="{37EB446E-998E-4933-983B-CDB4B9CEECAA}"/>
+              </a:ext>
+            </a:extLst>
+          </p:cNvPr>
+          <p:cNvSpPr txBox="1"/>
+          <p:nvPr/>
+        </p:nvSpPr>
+        <p:spPr>
+          <a:xfrm>
+            <a:off x="2838036" y="2234066"/>
+            <a:ext cx="1489165" cy="369332"/>
+          </a:xfrm>
+          <a:prstGeom prst="rect">
+            <a:avLst/>
+          </a:prstGeom>
+          <a:noFill/>
+        </p:spPr>
+        <p:txBody>
+          <a:bodyPr wrap="square" rtlCol="1">
+            <a:spAutoFit/>
+          </a:bodyPr>
+          <a:lstStyle/>
+          <a:p>
+            <a:r>
+              <a:rPr lang="en-US" dirty="0"/>
+              <a:t>Mask   30ms</a:t>
+            </a:r>
+            <a:endParaRPr lang="he-IL" dirty="0"/>
+          </a:p>
+        </p:txBody>
+      </p:sp>
+      <p:sp>
+        <p:nvSpPr>
+          <p:cNvPr id="107" name="TextBox 106">
+            <a:extLst>
+              <a:ext uri="{FF2B5EF4-FFF2-40B4-BE49-F238E27FC236}">
+                <a16:creationId xmlns:a16="http://schemas.microsoft.com/office/drawing/2014/main" id="{47C23824-464D-4C07-819F-3F9BA1297E0C}"/>
+              </a:ext>
+            </a:extLst>
+          </p:cNvPr>
+          <p:cNvSpPr txBox="1"/>
+          <p:nvPr/>
+        </p:nvSpPr>
+        <p:spPr>
+          <a:xfrm>
+            <a:off x="3549694" y="2887653"/>
+            <a:ext cx="1568045" cy="369332"/>
+          </a:xfrm>
+          <a:prstGeom prst="rect">
+            <a:avLst/>
+          </a:prstGeom>
+          <a:noFill/>
+        </p:spPr>
+        <p:txBody>
+          <a:bodyPr wrap="square" rtlCol="1">
+            <a:spAutoFit/>
+          </a:bodyPr>
+          <a:lstStyle/>
+          <a:p>
+            <a:r>
+              <a:rPr lang="en-US" dirty="0"/>
+              <a:t>Prime   30ms</a:t>
+            </a:r>
+            <a:endParaRPr lang="he-IL" dirty="0"/>
+          </a:p>
+        </p:txBody>
+      </p:sp>
+      <p:sp>
+        <p:nvSpPr>
+          <p:cNvPr id="108" name="TextBox 107">
+            <a:extLst>
+              <a:ext uri="{FF2B5EF4-FFF2-40B4-BE49-F238E27FC236}">
+                <a16:creationId xmlns:a16="http://schemas.microsoft.com/office/drawing/2014/main" id="{603A9AB7-8372-4F0C-A1F5-CA8F14C7D17B}"/>
+              </a:ext>
+            </a:extLst>
+          </p:cNvPr>
+          <p:cNvSpPr txBox="1"/>
+          <p:nvPr/>
+        </p:nvSpPr>
+        <p:spPr>
+          <a:xfrm>
+            <a:off x="4519787" y="3571156"/>
+            <a:ext cx="1517211" cy="369332"/>
+          </a:xfrm>
+          <a:prstGeom prst="rect">
+            <a:avLst/>
+          </a:prstGeom>
+          <a:noFill/>
+        </p:spPr>
+        <p:txBody>
+          <a:bodyPr wrap="square" rtlCol="1">
+            <a:spAutoFit/>
+          </a:bodyPr>
+          <a:lstStyle/>
+          <a:p>
+            <a:r>
+              <a:rPr lang="en-US" dirty="0"/>
+              <a:t>Mask   30ms</a:t>
+            </a:r>
+            <a:endParaRPr lang="he-IL" dirty="0"/>
+          </a:p>
+        </p:txBody>
+      </p:sp>
+      <p:sp>
+        <p:nvSpPr>
+          <p:cNvPr id="109" name="TextBox 108">
+            <a:extLst>
+              <a:ext uri="{FF2B5EF4-FFF2-40B4-BE49-F238E27FC236}">
+                <a16:creationId xmlns:a16="http://schemas.microsoft.com/office/drawing/2014/main" id="{159CFCC0-EA39-43D3-B89E-88D6EAB879A6}"/>
+              </a:ext>
+            </a:extLst>
+          </p:cNvPr>
+          <p:cNvSpPr txBox="1"/>
+          <p:nvPr/>
+        </p:nvSpPr>
+        <p:spPr>
+          <a:xfrm>
+            <a:off x="3961627" y="4239597"/>
+            <a:ext cx="2944980" cy="615553"/>
+          </a:xfrm>
+          <a:prstGeom prst="rect">
+            <a:avLst/>
+          </a:prstGeom>
+          <a:noFill/>
+        </p:spPr>
+        <p:txBody>
+          <a:bodyPr wrap="square" rtlCol="1">
+            <a:spAutoFit/>
+          </a:bodyPr>
+          <a:lstStyle/>
+          <a:p>
+            <a:r>
+              <a:rPr lang="en-US" dirty="0"/>
+              <a:t>Categorization   0-760ms</a:t>
+            </a:r>
+          </a:p>
+          <a:p>
+            <a:r>
+              <a:rPr lang="en-US" sz="1600" dirty="0"/>
+              <a:t>   (Target present for 500ms)</a:t>
+            </a:r>
+            <a:endParaRPr lang="he-IL" sz="1600" dirty="0"/>
+          </a:p>
+        </p:txBody>
+      </p:sp>
+      <p:sp>
+        <p:nvSpPr>
+          <p:cNvPr id="131" name="TextBox 130">
+            <a:extLst>
+              <a:ext uri="{FF2B5EF4-FFF2-40B4-BE49-F238E27FC236}">
+                <a16:creationId xmlns:a16="http://schemas.microsoft.com/office/drawing/2014/main" id="{3187A327-B2B9-46C7-B590-0666588609F9}"/>
+              </a:ext>
+            </a:extLst>
+          </p:cNvPr>
+          <p:cNvSpPr txBox="1"/>
+          <p:nvPr/>
+        </p:nvSpPr>
+        <p:spPr>
+          <a:xfrm>
+            <a:off x="471055" y="839906"/>
+            <a:ext cx="2017842" cy="369332"/>
+          </a:xfrm>
+          <a:prstGeom prst="rect">
+            <a:avLst/>
+          </a:prstGeom>
+          <a:noFill/>
+        </p:spPr>
+        <p:txBody>
+          <a:bodyPr wrap="square" rtlCol="1">
+            <a:spAutoFit/>
+          </a:bodyPr>
+          <a:lstStyle/>
+          <a:p>
+            <a:r>
+              <a:rPr lang="en-US" dirty="0"/>
+              <a:t>Fixation   1000ms</a:t>
+            </a:r>
+            <a:endParaRPr lang="he-IL" dirty="0"/>
+          </a:p>
+        </p:txBody>
+      </p:sp>
+      <p:sp>
+        <p:nvSpPr>
+          <p:cNvPr id="133" name="TextBox 132">
+            <a:extLst>
+              <a:ext uri="{FF2B5EF4-FFF2-40B4-BE49-F238E27FC236}">
+                <a16:creationId xmlns:a16="http://schemas.microsoft.com/office/drawing/2014/main" id="{3921EB6B-9381-4EEA-90D2-A1998FC14349}"/>
+              </a:ext>
+            </a:extLst>
+          </p:cNvPr>
+          <p:cNvSpPr txBox="1"/>
+          <p:nvPr/>
+        </p:nvSpPr>
+        <p:spPr>
+          <a:xfrm>
+            <a:off x="6042614" y="4983517"/>
+            <a:ext cx="1576390" cy="369332"/>
+          </a:xfrm>
+          <a:prstGeom prst="rect">
+            <a:avLst/>
+          </a:prstGeom>
+          <a:noFill/>
+        </p:spPr>
+        <p:txBody>
+          <a:bodyPr wrap="square" rtlCol="1">
+            <a:spAutoFit/>
+          </a:bodyPr>
+          <a:lstStyle/>
+          <a:p>
+            <a:r>
+              <a:rPr lang="en-US" dirty="0"/>
+              <a:t>Recognition</a:t>
+            </a:r>
+            <a:endParaRPr lang="he-IL" dirty="0"/>
+          </a:p>
+        </p:txBody>
+      </p:sp>
+      <p:sp>
+        <p:nvSpPr>
+          <p:cNvPr id="134" name="TextBox 133">
+            <a:extLst>
+              <a:ext uri="{FF2B5EF4-FFF2-40B4-BE49-F238E27FC236}">
+                <a16:creationId xmlns:a16="http://schemas.microsoft.com/office/drawing/2014/main" id="{C87D6AEC-4FAE-4A5E-BAE7-5A259C39B038}"/>
+              </a:ext>
+            </a:extLst>
+          </p:cNvPr>
+          <p:cNvSpPr txBox="1"/>
+          <p:nvPr/>
+        </p:nvSpPr>
+        <p:spPr>
+          <a:xfrm>
+            <a:off x="7440113" y="5753267"/>
+            <a:ext cx="690818" cy="369332"/>
+          </a:xfrm>
+          <a:prstGeom prst="rect">
+            <a:avLst/>
+          </a:prstGeom>
+          <a:noFill/>
+        </p:spPr>
+        <p:txBody>
+          <a:bodyPr wrap="square" rtlCol="1">
+            <a:spAutoFit/>
+          </a:bodyPr>
+          <a:lstStyle/>
+          <a:p>
+            <a:r>
+              <a:rPr lang="en-US" dirty="0"/>
+              <a:t>PAS</a:t>
+            </a:r>
+            <a:endParaRPr lang="he-IL" dirty="0"/>
+          </a:p>
+        </p:txBody>
+      </p:sp>
+      <p:sp>
+        <p:nvSpPr>
+          <p:cNvPr id="102" name="TextBox 101">
+            <a:extLst>
+              <a:ext uri="{FF2B5EF4-FFF2-40B4-BE49-F238E27FC236}">
+                <a16:creationId xmlns:a16="http://schemas.microsoft.com/office/drawing/2014/main" id="{9EA63DD7-81D5-4617-88AF-36498FEEEC8D}"/>
+              </a:ext>
+            </a:extLst>
+          </p:cNvPr>
+          <p:cNvSpPr txBox="1"/>
+          <p:nvPr/>
+        </p:nvSpPr>
+        <p:spPr>
+          <a:xfrm>
+            <a:off x="7293691" y="516740"/>
+            <a:ext cx="3392227" cy="646331"/>
+          </a:xfrm>
+          <a:prstGeom prst="rect">
+            <a:avLst/>
+          </a:prstGeom>
+          <a:noFill/>
+        </p:spPr>
+        <p:txBody>
+          <a:bodyPr wrap="square" rtlCol="1">
+            <a:spAutoFit/>
+          </a:bodyPr>
+          <a:lstStyle/>
+          <a:p>
+            <a:pPr algn="ctr"/>
+            <a:r>
+              <a:rPr lang="en-US" b="1" u="sng" dirty="0"/>
+              <a:t>Exp 2</a:t>
+            </a:r>
+          </a:p>
+          <a:p>
+            <a:r>
+              <a:rPr lang="en-US" b="1" dirty="0"/>
+              <a:t>Prime-target relation: </a:t>
+            </a:r>
+            <a:r>
+              <a:rPr lang="en-US" dirty="0"/>
+              <a:t>Same word</a:t>
+            </a:r>
+          </a:p>
+        </p:txBody>
+      </p:sp>
+      <p:grpSp>
+        <p:nvGrpSpPr>
+          <p:cNvPr id="11" name="Group 10">
+            <a:extLst>
+              <a:ext uri="{FF2B5EF4-FFF2-40B4-BE49-F238E27FC236}">
+                <a16:creationId xmlns:a16="http://schemas.microsoft.com/office/drawing/2014/main" id="{7496C031-11D2-4C9C-91FC-63527B1A7B48}"/>
+              </a:ext>
+            </a:extLst>
+          </p:cNvPr>
+          <p:cNvGrpSpPr/>
+          <p:nvPr/>
+        </p:nvGrpSpPr>
+        <p:grpSpPr>
+          <a:xfrm>
+            <a:off x="2543361" y="263906"/>
+            <a:ext cx="2290619" cy="1182255"/>
+            <a:chOff x="7075587" y="1548348"/>
+            <a:chExt cx="2290619" cy="1182255"/>
+          </a:xfrm>
+        </p:grpSpPr>
+        <p:sp>
+          <p:nvSpPr>
+            <p:cNvPr id="110" name="Rectangle: Rounded Corners 109">
+              <a:extLst>
+                <a:ext uri="{FF2B5EF4-FFF2-40B4-BE49-F238E27FC236}">
+                  <a16:creationId xmlns:a16="http://schemas.microsoft.com/office/drawing/2014/main" id="{1D1CC551-9147-4317-86CF-F341AC25F5DE}"/>
+                </a:ext>
+              </a:extLst>
+            </p:cNvPr>
+            <p:cNvSpPr/>
+            <p:nvPr/>
+          </p:nvSpPr>
+          <p:spPr>
+            <a:xfrm>
+              <a:off x="7075587" y="1548348"/>
+              <a:ext cx="2290619" cy="1182255"/>
+            </a:xfrm>
+            <a:prstGeom prst="roundRect">
+              <a:avLst/>
+            </a:prstGeom>
+            <a:solidFill>
+              <a:schemeClr val="bg1"/>
+            </a:solidFill>
+            <a:ln w="28575">
+              <a:solidFill>
+                <a:schemeClr val="tx1"/>
+              </a:solidFill>
+            </a:ln>
+          </p:spPr>
+          <p:style>
+            <a:lnRef idx="2">
+              <a:schemeClr val="accent1">
+                <a:shade val="50000"/>
+              </a:schemeClr>
+            </a:lnRef>
+            <a:fillRef idx="1">
+              <a:schemeClr val="accent1"/>
+            </a:fillRef>
+            <a:effectRef idx="0">
+              <a:schemeClr val="accent1"/>
+            </a:effectRef>
+            <a:fontRef idx="minor">
+              <a:schemeClr val="lt1"/>
+            </a:fontRef>
+          </p:style>
+          <p:txBody>
+            <a:bodyPr rtlCol="1" anchor="ctr"/>
+            <a:lstStyle/>
+            <a:p>
+              <a:pPr algn="ctr"/>
+              <a:endParaRPr lang="he-IL" dirty="0"/>
+            </a:p>
+          </p:txBody>
+        </p:sp>
+        <p:grpSp>
+          <p:nvGrpSpPr>
+            <p:cNvPr id="10" name="Group 9">
+              <a:extLst>
+                <a:ext uri="{FF2B5EF4-FFF2-40B4-BE49-F238E27FC236}">
+                  <a16:creationId xmlns:a16="http://schemas.microsoft.com/office/drawing/2014/main" id="{3982F76A-E2A8-47E0-9936-EB7B6E9D3B9A}"/>
+                </a:ext>
+              </a:extLst>
+            </p:cNvPr>
+            <p:cNvGrpSpPr/>
+            <p:nvPr/>
+          </p:nvGrpSpPr>
+          <p:grpSpPr>
+            <a:xfrm>
+              <a:off x="8081920" y="2028825"/>
+              <a:ext cx="238785" cy="238785"/>
+              <a:chOff x="8081920" y="2028825"/>
+              <a:chExt cx="238785" cy="238785"/>
+            </a:xfrm>
+          </p:grpSpPr>
+          <p:cxnSp>
+            <p:nvCxnSpPr>
+              <p:cNvPr id="8" name="Straight Connector 7">
+                <a:extLst>
+                  <a:ext uri="{FF2B5EF4-FFF2-40B4-BE49-F238E27FC236}">
+                    <a16:creationId xmlns:a16="http://schemas.microsoft.com/office/drawing/2014/main" id="{329C8DE8-9EFA-4987-9956-FAD88815EC0E}"/>
+                  </a:ext>
+                </a:extLst>
+              </p:cNvPr>
+              <p:cNvCxnSpPr/>
+              <p:nvPr/>
+            </p:nvCxnSpPr>
+            <p:spPr>
+              <a:xfrm>
+                <a:off x="8205788" y="2028825"/>
+                <a:ext cx="0" cy="238785"/>
+              </a:xfrm>
+              <a:prstGeom prst="line">
+                <a:avLst/>
+              </a:prstGeom>
+              <a:ln w="38100">
+                <a:solidFill>
+                  <a:schemeClr val="tx1"/>
+                </a:solidFill>
+              </a:ln>
+            </p:spPr>
+            <p:style>
+              <a:lnRef idx="1">
+                <a:schemeClr val="accent1"/>
+              </a:lnRef>
+              <a:fillRef idx="0">
+                <a:schemeClr val="accent1"/>
+              </a:fillRef>
+              <a:effectRef idx="0">
+                <a:schemeClr val="accent1"/>
+              </a:effectRef>
+              <a:fontRef idx="minor">
+                <a:schemeClr val="tx1"/>
+              </a:fontRef>
+            </p:style>
+          </p:cxnSp>
+          <p:cxnSp>
+            <p:nvCxnSpPr>
+              <p:cNvPr id="130" name="Straight Connector 129">
+                <a:extLst>
+                  <a:ext uri="{FF2B5EF4-FFF2-40B4-BE49-F238E27FC236}">
+                    <a16:creationId xmlns:a16="http://schemas.microsoft.com/office/drawing/2014/main" id="{1AAE2DBA-36FF-4DF6-BFCA-1A405E72E2A7}"/>
+                  </a:ext>
+                </a:extLst>
+              </p:cNvPr>
+              <p:cNvCxnSpPr>
+                <a:cxnSpLocks/>
+              </p:cNvCxnSpPr>
+              <p:nvPr/>
+            </p:nvCxnSpPr>
+            <p:spPr>
+              <a:xfrm rot="5400000">
+                <a:off x="8201313" y="2034417"/>
+                <a:ext cx="0" cy="238785"/>
+              </a:xfrm>
+              <a:prstGeom prst="line">
+                <a:avLst/>
+              </a:prstGeom>
+              <a:ln w="38100">
+                <a:solidFill>
+                  <a:schemeClr val="tx1"/>
+                </a:solidFill>
+              </a:ln>
+            </p:spPr>
+            <p:style>
+              <a:lnRef idx="1">
+                <a:schemeClr val="accent1"/>
+              </a:lnRef>
+              <a:fillRef idx="0">
+                <a:schemeClr val="accent1"/>
+              </a:fillRef>
+              <a:effectRef idx="0">
+                <a:schemeClr val="accent1"/>
+              </a:effectRef>
+              <a:fontRef idx="minor">
+                <a:schemeClr val="tx1"/>
+              </a:fontRef>
+            </p:style>
+          </p:cxnSp>
+        </p:grpSp>
+      </p:grpSp>
+      <p:grpSp>
+        <p:nvGrpSpPr>
+          <p:cNvPr id="44" name="Group 43">
+            <a:extLst>
+              <a:ext uri="{FF2B5EF4-FFF2-40B4-BE49-F238E27FC236}">
+                <a16:creationId xmlns:a16="http://schemas.microsoft.com/office/drawing/2014/main" id="{3AF95988-D8FC-4B58-B8BC-9B0E4AF018F0}"/>
+              </a:ext>
+            </a:extLst>
+          </p:cNvPr>
+          <p:cNvGrpSpPr/>
+          <p:nvPr/>
+        </p:nvGrpSpPr>
+        <p:grpSpPr>
+          <a:xfrm>
+            <a:off x="3419724" y="923341"/>
+            <a:ext cx="2290619" cy="1182255"/>
+            <a:chOff x="1472498" y="2452128"/>
+            <a:chExt cx="2290619" cy="1182255"/>
+          </a:xfrm>
+        </p:grpSpPr>
+        <p:sp>
+          <p:nvSpPr>
+            <p:cNvPr id="16" name="Rectangle: Rounded Corners 15">
+              <a:extLst>
+                <a:ext uri="{FF2B5EF4-FFF2-40B4-BE49-F238E27FC236}">
+                  <a16:creationId xmlns:a16="http://schemas.microsoft.com/office/drawing/2014/main" id="{EE03A158-CBB5-431D-AF38-87047E6FB136}"/>
+                </a:ext>
+              </a:extLst>
+            </p:cNvPr>
+            <p:cNvSpPr/>
+            <p:nvPr/>
+          </p:nvSpPr>
+          <p:spPr>
+            <a:xfrm>
+              <a:off x="1472498" y="2452128"/>
+              <a:ext cx="2290619" cy="1182255"/>
+            </a:xfrm>
+            <a:prstGeom prst="roundRect">
+              <a:avLst/>
+            </a:prstGeom>
+            <a:solidFill>
+              <a:schemeClr val="bg1"/>
+            </a:solidFill>
+            <a:ln w="28575">
+              <a:solidFill>
+                <a:schemeClr val="tx1"/>
+              </a:solidFill>
+            </a:ln>
+          </p:spPr>
+          <p:style>
+            <a:lnRef idx="2">
+              <a:schemeClr val="accent1">
+                <a:shade val="50000"/>
+              </a:schemeClr>
+            </a:lnRef>
+            <a:fillRef idx="1">
+              <a:schemeClr val="accent1"/>
+            </a:fillRef>
+            <a:effectRef idx="0">
+              <a:schemeClr val="accent1"/>
+            </a:effectRef>
+            <a:fontRef idx="minor">
+              <a:schemeClr val="lt1"/>
+            </a:fontRef>
+          </p:style>
+          <p:txBody>
+            <a:bodyPr rtlCol="1" anchor="ctr"/>
+            <a:lstStyle/>
+            <a:p>
+              <a:pPr algn="ctr"/>
+              <a:endParaRPr lang="he-IL"/>
+            </a:p>
+          </p:txBody>
+        </p:sp>
+        <p:sp>
+          <p:nvSpPr>
+            <p:cNvPr id="20" name="Rectangle 19">
+              <a:extLst>
+                <a:ext uri="{FF2B5EF4-FFF2-40B4-BE49-F238E27FC236}">
+                  <a16:creationId xmlns:a16="http://schemas.microsoft.com/office/drawing/2014/main" id="{A7300674-1D92-481E-9A18-D84EEDDAAF68}"/>
+                </a:ext>
+              </a:extLst>
+            </p:cNvPr>
+            <p:cNvSpPr/>
+            <p:nvPr/>
+          </p:nvSpPr>
+          <p:spPr>
+            <a:xfrm>
+              <a:off x="1959700" y="2855911"/>
+              <a:ext cx="192088" cy="192088"/>
+            </a:xfrm>
+            <a:prstGeom prst="rect">
+              <a:avLst/>
+            </a:prstGeom>
+            <a:noFill/>
+            <a:ln w="28575">
+              <a:solidFill>
+                <a:schemeClr val="tx1"/>
+              </a:solidFill>
+            </a:ln>
+          </p:spPr>
+          <p:style>
+            <a:lnRef idx="2">
+              <a:schemeClr val="accent1">
+                <a:shade val="50000"/>
+              </a:schemeClr>
+            </a:lnRef>
+            <a:fillRef idx="1">
+              <a:schemeClr val="accent1"/>
+            </a:fillRef>
+            <a:effectRef idx="0">
+              <a:schemeClr val="accent1"/>
+            </a:effectRef>
+            <a:fontRef idx="minor">
+              <a:schemeClr val="lt1"/>
+            </a:fontRef>
+          </p:style>
+          <p:txBody>
+            <a:bodyPr rtlCol="1" anchor="ctr"/>
+            <a:lstStyle/>
+            <a:p>
+              <a:pPr algn="ctr"/>
+              <a:endParaRPr lang="he-IL"/>
+            </a:p>
+          </p:txBody>
+        </p:sp>
+        <p:sp>
+          <p:nvSpPr>
+            <p:cNvPr id="21" name="Rectangle 20">
+              <a:extLst>
+                <a:ext uri="{FF2B5EF4-FFF2-40B4-BE49-F238E27FC236}">
+                  <a16:creationId xmlns:a16="http://schemas.microsoft.com/office/drawing/2014/main" id="{467CD0BA-4A75-4975-8ED2-BE4F2454023C}"/>
+                </a:ext>
+              </a:extLst>
+            </p:cNvPr>
+            <p:cNvSpPr/>
+            <p:nvPr/>
+          </p:nvSpPr>
+          <p:spPr>
+            <a:xfrm>
+              <a:off x="2296250" y="2951955"/>
+              <a:ext cx="192088" cy="192088"/>
+            </a:xfrm>
+            <a:prstGeom prst="rect">
+              <a:avLst/>
+            </a:prstGeom>
+            <a:noFill/>
+            <a:ln w="28575">
+              <a:solidFill>
+                <a:schemeClr val="tx1"/>
+              </a:solidFill>
+            </a:ln>
+          </p:spPr>
+          <p:style>
+            <a:lnRef idx="2">
+              <a:schemeClr val="accent1">
+                <a:shade val="50000"/>
+              </a:schemeClr>
+            </a:lnRef>
+            <a:fillRef idx="1">
+              <a:schemeClr val="accent1"/>
+            </a:fillRef>
+            <a:effectRef idx="0">
+              <a:schemeClr val="accent1"/>
+            </a:effectRef>
+            <a:fontRef idx="minor">
+              <a:schemeClr val="lt1"/>
+            </a:fontRef>
+          </p:style>
+          <p:txBody>
+            <a:bodyPr rtlCol="1" anchor="ctr"/>
+            <a:lstStyle/>
+            <a:p>
+              <a:pPr algn="ctr"/>
+              <a:endParaRPr lang="he-IL"/>
+            </a:p>
+          </p:txBody>
+        </p:sp>
+        <p:sp>
+          <p:nvSpPr>
+            <p:cNvPr id="22" name="Rectangle 21">
+              <a:extLst>
+                <a:ext uri="{FF2B5EF4-FFF2-40B4-BE49-F238E27FC236}">
+                  <a16:creationId xmlns:a16="http://schemas.microsoft.com/office/drawing/2014/main" id="{29CAABD7-0362-4028-8F19-193AB43EC79A}"/>
+                </a:ext>
+              </a:extLst>
+            </p:cNvPr>
+            <p:cNvSpPr/>
+            <p:nvPr/>
+          </p:nvSpPr>
+          <p:spPr>
+            <a:xfrm>
+              <a:off x="2604367" y="2818605"/>
+              <a:ext cx="192088" cy="192088"/>
+            </a:xfrm>
+            <a:prstGeom prst="rect">
+              <a:avLst/>
+            </a:prstGeom>
+            <a:noFill/>
+            <a:ln w="28575">
+              <a:solidFill>
+                <a:schemeClr val="tx1"/>
+              </a:solidFill>
+            </a:ln>
+          </p:spPr>
+          <p:style>
+            <a:lnRef idx="2">
+              <a:schemeClr val="accent1">
+                <a:shade val="50000"/>
+              </a:schemeClr>
+            </a:lnRef>
+            <a:fillRef idx="1">
+              <a:schemeClr val="accent1"/>
+            </a:fillRef>
+            <a:effectRef idx="0">
+              <a:schemeClr val="accent1"/>
+            </a:effectRef>
+            <a:fontRef idx="minor">
+              <a:schemeClr val="lt1"/>
+            </a:fontRef>
+          </p:style>
+          <p:txBody>
+            <a:bodyPr rtlCol="1" anchor="ctr"/>
+            <a:lstStyle/>
+            <a:p>
+              <a:pPr algn="ctr"/>
+              <a:endParaRPr lang="he-IL"/>
+            </a:p>
+          </p:txBody>
+        </p:sp>
+        <p:sp>
+          <p:nvSpPr>
+            <p:cNvPr id="24" name="Rectangle 23">
+              <a:extLst>
+                <a:ext uri="{FF2B5EF4-FFF2-40B4-BE49-F238E27FC236}">
+                  <a16:creationId xmlns:a16="http://schemas.microsoft.com/office/drawing/2014/main" id="{6835791F-56FD-4298-80B5-A88C4370A92A}"/>
+                </a:ext>
+              </a:extLst>
+            </p:cNvPr>
+            <p:cNvSpPr/>
+            <p:nvPr/>
+          </p:nvSpPr>
+          <p:spPr>
+            <a:xfrm>
+              <a:off x="2546352" y="2977355"/>
+              <a:ext cx="192088" cy="192088"/>
+            </a:xfrm>
+            <a:prstGeom prst="rect">
+              <a:avLst/>
+            </a:prstGeom>
+            <a:noFill/>
+            <a:ln w="28575">
+              <a:solidFill>
+                <a:schemeClr val="tx1"/>
+              </a:solidFill>
+            </a:ln>
+          </p:spPr>
+          <p:style>
+            <a:lnRef idx="2">
+              <a:schemeClr val="accent1">
+                <a:shade val="50000"/>
+              </a:schemeClr>
+            </a:lnRef>
+            <a:fillRef idx="1">
+              <a:schemeClr val="accent1"/>
+            </a:fillRef>
+            <a:effectRef idx="0">
+              <a:schemeClr val="accent1"/>
+            </a:effectRef>
+            <a:fontRef idx="minor">
+              <a:schemeClr val="lt1"/>
+            </a:fontRef>
+          </p:style>
+          <p:txBody>
+            <a:bodyPr rtlCol="1" anchor="ctr"/>
+            <a:lstStyle/>
+            <a:p>
+              <a:pPr algn="ctr"/>
+              <a:endParaRPr lang="he-IL"/>
+            </a:p>
+          </p:txBody>
+        </p:sp>
+        <p:sp>
+          <p:nvSpPr>
+            <p:cNvPr id="25" name="Rectangle 24">
+              <a:extLst>
+                <a:ext uri="{FF2B5EF4-FFF2-40B4-BE49-F238E27FC236}">
+                  <a16:creationId xmlns:a16="http://schemas.microsoft.com/office/drawing/2014/main" id="{3F4DC10A-3C74-4635-ABEA-EFBD82C760CF}"/>
+                </a:ext>
+              </a:extLst>
+            </p:cNvPr>
+            <p:cNvSpPr/>
+            <p:nvPr/>
+          </p:nvSpPr>
+          <p:spPr>
+            <a:xfrm>
+              <a:off x="2903975" y="3047999"/>
+              <a:ext cx="192088" cy="192088"/>
+            </a:xfrm>
+            <a:prstGeom prst="rect">
+              <a:avLst/>
+            </a:prstGeom>
+            <a:noFill/>
+            <a:ln w="28575">
+              <a:solidFill>
+                <a:schemeClr val="tx1"/>
+              </a:solidFill>
+            </a:ln>
+          </p:spPr>
+          <p:style>
+            <a:lnRef idx="2">
+              <a:schemeClr val="accent1">
+                <a:shade val="50000"/>
+              </a:schemeClr>
+            </a:lnRef>
+            <a:fillRef idx="1">
+              <a:schemeClr val="accent1"/>
+            </a:fillRef>
+            <a:effectRef idx="0">
+              <a:schemeClr val="accent1"/>
+            </a:effectRef>
+            <a:fontRef idx="minor">
+              <a:schemeClr val="lt1"/>
+            </a:fontRef>
+          </p:style>
+          <p:txBody>
+            <a:bodyPr rtlCol="1" anchor="ctr"/>
+            <a:lstStyle/>
+            <a:p>
+              <a:pPr algn="ctr"/>
+              <a:endParaRPr lang="he-IL"/>
+            </a:p>
+          </p:txBody>
+        </p:sp>
+        <p:sp>
+          <p:nvSpPr>
+            <p:cNvPr id="26" name="Rectangle 25">
+              <a:extLst>
+                <a:ext uri="{FF2B5EF4-FFF2-40B4-BE49-F238E27FC236}">
+                  <a16:creationId xmlns:a16="http://schemas.microsoft.com/office/drawing/2014/main" id="{09003908-B167-4419-B89E-7D1F674DAA7E}"/>
+                </a:ext>
+              </a:extLst>
+            </p:cNvPr>
+            <p:cNvSpPr/>
+            <p:nvPr/>
+          </p:nvSpPr>
+          <p:spPr>
+            <a:xfrm>
+              <a:off x="2960985" y="2831304"/>
+              <a:ext cx="192088" cy="192088"/>
+            </a:xfrm>
+            <a:prstGeom prst="rect">
+              <a:avLst/>
+            </a:prstGeom>
+            <a:noFill/>
+            <a:ln w="28575">
+              <a:solidFill>
+                <a:schemeClr val="tx1"/>
+              </a:solidFill>
+            </a:ln>
+          </p:spPr>
+          <p:style>
+            <a:lnRef idx="2">
+              <a:schemeClr val="accent1">
+                <a:shade val="50000"/>
+              </a:schemeClr>
+            </a:lnRef>
+            <a:fillRef idx="1">
+              <a:schemeClr val="accent1"/>
+            </a:fillRef>
+            <a:effectRef idx="0">
+              <a:schemeClr val="accent1"/>
+            </a:effectRef>
+            <a:fontRef idx="minor">
+              <a:schemeClr val="lt1"/>
+            </a:fontRef>
+          </p:style>
+          <p:txBody>
+            <a:bodyPr rtlCol="1" anchor="ctr"/>
+            <a:lstStyle/>
+            <a:p>
+              <a:pPr algn="ctr"/>
+              <a:endParaRPr lang="he-IL"/>
+            </a:p>
+          </p:txBody>
+        </p:sp>
+        <p:sp>
+          <p:nvSpPr>
+            <p:cNvPr id="27" name="Rectangle 26">
+              <a:extLst>
+                <a:ext uri="{FF2B5EF4-FFF2-40B4-BE49-F238E27FC236}">
+                  <a16:creationId xmlns:a16="http://schemas.microsoft.com/office/drawing/2014/main" id="{785E905F-EBBB-4319-9E34-5F2F624EEBB2}"/>
+                </a:ext>
+              </a:extLst>
+            </p:cNvPr>
+            <p:cNvSpPr/>
+            <p:nvPr/>
+          </p:nvSpPr>
+          <p:spPr>
+            <a:xfrm>
+              <a:off x="1991746" y="3144043"/>
+              <a:ext cx="192088" cy="192088"/>
+            </a:xfrm>
+            <a:prstGeom prst="rect">
+              <a:avLst/>
+            </a:prstGeom>
+            <a:noFill/>
+            <a:ln w="28575">
+              <a:solidFill>
+                <a:schemeClr val="tx1"/>
+              </a:solidFill>
+            </a:ln>
+          </p:spPr>
+          <p:style>
+            <a:lnRef idx="2">
+              <a:schemeClr val="accent1">
+                <a:shade val="50000"/>
+              </a:schemeClr>
+            </a:lnRef>
+            <a:fillRef idx="1">
+              <a:schemeClr val="accent1"/>
+            </a:fillRef>
+            <a:effectRef idx="0">
+              <a:schemeClr val="accent1"/>
+            </a:effectRef>
+            <a:fontRef idx="minor">
+              <a:schemeClr val="lt1"/>
+            </a:fontRef>
+          </p:style>
+          <p:txBody>
+            <a:bodyPr rtlCol="1" anchor="ctr"/>
+            <a:lstStyle/>
+            <a:p>
+              <a:pPr algn="ctr"/>
+              <a:endParaRPr lang="he-IL"/>
+            </a:p>
+          </p:txBody>
+        </p:sp>
+        <p:sp>
+          <p:nvSpPr>
+            <p:cNvPr id="28" name="Rectangle 27">
+              <a:extLst>
+                <a:ext uri="{FF2B5EF4-FFF2-40B4-BE49-F238E27FC236}">
+                  <a16:creationId xmlns:a16="http://schemas.microsoft.com/office/drawing/2014/main" id="{783AF7C7-6157-4D9A-BFBB-9277F0C64DE5}"/>
+                </a:ext>
+              </a:extLst>
+            </p:cNvPr>
+            <p:cNvSpPr/>
+            <p:nvPr/>
+          </p:nvSpPr>
+          <p:spPr>
+            <a:xfrm>
+              <a:off x="2414314" y="3132822"/>
+              <a:ext cx="192088" cy="192088"/>
+            </a:xfrm>
+            <a:prstGeom prst="rect">
+              <a:avLst/>
+            </a:prstGeom>
+            <a:noFill/>
+            <a:ln w="28575">
+              <a:solidFill>
+                <a:schemeClr val="tx1"/>
+              </a:solidFill>
+            </a:ln>
+          </p:spPr>
+          <p:style>
+            <a:lnRef idx="2">
+              <a:schemeClr val="accent1">
+                <a:shade val="50000"/>
+              </a:schemeClr>
+            </a:lnRef>
+            <a:fillRef idx="1">
+              <a:schemeClr val="accent1"/>
+            </a:fillRef>
+            <a:effectRef idx="0">
+              <a:schemeClr val="accent1"/>
+            </a:effectRef>
+            <a:fontRef idx="minor">
+              <a:schemeClr val="lt1"/>
+            </a:fontRef>
+          </p:style>
+          <p:txBody>
+            <a:bodyPr rtlCol="1" anchor="ctr"/>
+            <a:lstStyle/>
+            <a:p>
+              <a:pPr algn="ctr"/>
+              <a:endParaRPr lang="he-IL"/>
+            </a:p>
+          </p:txBody>
+        </p:sp>
+        <p:sp>
+          <p:nvSpPr>
+            <p:cNvPr id="29" name="Rectangle 28">
+              <a:extLst>
+                <a:ext uri="{FF2B5EF4-FFF2-40B4-BE49-F238E27FC236}">
+                  <a16:creationId xmlns:a16="http://schemas.microsoft.com/office/drawing/2014/main" id="{2266A37A-2ED7-446C-82C3-BF011B595564}"/>
+                </a:ext>
+              </a:extLst>
+            </p:cNvPr>
+            <p:cNvSpPr/>
+            <p:nvPr/>
+          </p:nvSpPr>
+          <p:spPr>
+            <a:xfrm rot="2700000">
+              <a:off x="2354265" y="2796488"/>
+              <a:ext cx="192088" cy="192088"/>
+            </a:xfrm>
+            <a:prstGeom prst="rect">
+              <a:avLst/>
+            </a:prstGeom>
+            <a:noFill/>
+            <a:ln w="28575">
+              <a:solidFill>
+                <a:schemeClr val="tx1"/>
+              </a:solidFill>
+            </a:ln>
+          </p:spPr>
+          <p:style>
+            <a:lnRef idx="2">
+              <a:schemeClr val="accent1">
+                <a:shade val="50000"/>
+              </a:schemeClr>
+            </a:lnRef>
+            <a:fillRef idx="1">
+              <a:schemeClr val="accent1"/>
+            </a:fillRef>
+            <a:effectRef idx="0">
+              <a:schemeClr val="accent1"/>
+            </a:effectRef>
+            <a:fontRef idx="minor">
+              <a:schemeClr val="lt1"/>
+            </a:fontRef>
+          </p:style>
+          <p:txBody>
+            <a:bodyPr rtlCol="1" anchor="ctr"/>
+            <a:lstStyle/>
+            <a:p>
+              <a:pPr algn="ctr"/>
+              <a:endParaRPr lang="he-IL"/>
+            </a:p>
+          </p:txBody>
+        </p:sp>
+        <p:sp>
+          <p:nvSpPr>
+            <p:cNvPr id="30" name="Rectangle 29">
+              <a:extLst>
+                <a:ext uri="{FF2B5EF4-FFF2-40B4-BE49-F238E27FC236}">
+                  <a16:creationId xmlns:a16="http://schemas.microsoft.com/office/drawing/2014/main" id="{17672995-DBA3-40E9-802F-286010C54CE8}"/>
+                </a:ext>
+              </a:extLst>
+            </p:cNvPr>
+            <p:cNvSpPr/>
+            <p:nvPr/>
+          </p:nvSpPr>
+          <p:spPr>
+            <a:xfrm rot="2700000">
+              <a:off x="2773043" y="2931714"/>
+              <a:ext cx="192088" cy="192088"/>
+            </a:xfrm>
+            <a:prstGeom prst="rect">
+              <a:avLst/>
+            </a:prstGeom>
+            <a:noFill/>
+            <a:ln w="28575">
+              <a:solidFill>
+                <a:schemeClr val="tx1"/>
+              </a:solidFill>
+            </a:ln>
+          </p:spPr>
+          <p:style>
+            <a:lnRef idx="2">
+              <a:schemeClr val="accent1">
+                <a:shade val="50000"/>
+              </a:schemeClr>
+            </a:lnRef>
+            <a:fillRef idx="1">
+              <a:schemeClr val="accent1"/>
+            </a:fillRef>
+            <a:effectRef idx="0">
+              <a:schemeClr val="accent1"/>
+            </a:effectRef>
+            <a:fontRef idx="minor">
+              <a:schemeClr val="lt1"/>
+            </a:fontRef>
+          </p:style>
+          <p:txBody>
+            <a:bodyPr rtlCol="1" anchor="ctr"/>
+            <a:lstStyle/>
+            <a:p>
+              <a:pPr algn="ctr"/>
+              <a:endParaRPr lang="he-IL"/>
+            </a:p>
+          </p:txBody>
+        </p:sp>
+        <p:sp>
+          <p:nvSpPr>
+            <p:cNvPr id="31" name="Rectangle 30">
+              <a:extLst>
+                <a:ext uri="{FF2B5EF4-FFF2-40B4-BE49-F238E27FC236}">
+                  <a16:creationId xmlns:a16="http://schemas.microsoft.com/office/drawing/2014/main" id="{A05294D9-A561-4805-B516-9294894EC1D9}"/>
+                </a:ext>
+              </a:extLst>
+            </p:cNvPr>
+            <p:cNvSpPr/>
+            <p:nvPr/>
+          </p:nvSpPr>
+          <p:spPr>
+            <a:xfrm>
+              <a:off x="2272448" y="2914450"/>
+              <a:ext cx="192088" cy="192088"/>
+            </a:xfrm>
+            <a:prstGeom prst="rect">
+              <a:avLst/>
+            </a:prstGeom>
+            <a:noFill/>
+            <a:ln w="28575">
+              <a:solidFill>
+                <a:schemeClr val="tx1"/>
+              </a:solidFill>
+            </a:ln>
+          </p:spPr>
+          <p:style>
+            <a:lnRef idx="2">
+              <a:schemeClr val="accent1">
+                <a:shade val="50000"/>
+              </a:schemeClr>
+            </a:lnRef>
+            <a:fillRef idx="1">
+              <a:schemeClr val="accent1"/>
+            </a:fillRef>
+            <a:effectRef idx="0">
+              <a:schemeClr val="accent1"/>
+            </a:effectRef>
+            <a:fontRef idx="minor">
+              <a:schemeClr val="lt1"/>
+            </a:fontRef>
+          </p:style>
+          <p:txBody>
+            <a:bodyPr rtlCol="1" anchor="ctr"/>
+            <a:lstStyle/>
+            <a:p>
+              <a:pPr algn="ctr"/>
+              <a:endParaRPr lang="he-IL"/>
+            </a:p>
+          </p:txBody>
+        </p:sp>
+        <p:sp>
+          <p:nvSpPr>
+            <p:cNvPr id="32" name="Rectangle 31">
+              <a:extLst>
+                <a:ext uri="{FF2B5EF4-FFF2-40B4-BE49-F238E27FC236}">
+                  <a16:creationId xmlns:a16="http://schemas.microsoft.com/office/drawing/2014/main" id="{ACCA50EB-4EB1-46B3-B716-276121C265DB}"/>
+                </a:ext>
+              </a:extLst>
+            </p:cNvPr>
+            <p:cNvSpPr/>
+            <p:nvPr/>
+          </p:nvSpPr>
+          <p:spPr>
+            <a:xfrm rot="2700000">
+              <a:off x="2084506" y="3014860"/>
+              <a:ext cx="192088" cy="192088"/>
+            </a:xfrm>
+            <a:prstGeom prst="rect">
+              <a:avLst/>
+            </a:prstGeom>
+            <a:noFill/>
+            <a:ln w="28575">
+              <a:solidFill>
+                <a:schemeClr val="tx1"/>
+              </a:solidFill>
+            </a:ln>
+          </p:spPr>
+          <p:style>
+            <a:lnRef idx="2">
+              <a:schemeClr val="accent1">
+                <a:shade val="50000"/>
+              </a:schemeClr>
+            </a:lnRef>
+            <a:fillRef idx="1">
+              <a:schemeClr val="accent1"/>
+            </a:fillRef>
+            <a:effectRef idx="0">
+              <a:schemeClr val="accent1"/>
+            </a:effectRef>
+            <a:fontRef idx="minor">
+              <a:schemeClr val="lt1"/>
+            </a:fontRef>
+          </p:style>
+          <p:txBody>
+            <a:bodyPr rtlCol="1" anchor="ctr"/>
+            <a:lstStyle/>
+            <a:p>
+              <a:pPr algn="ctr"/>
+              <a:endParaRPr lang="he-IL"/>
+            </a:p>
+          </p:txBody>
+        </p:sp>
+        <p:sp>
+          <p:nvSpPr>
+            <p:cNvPr id="35" name="Rectangle 34">
+              <a:extLst>
+                <a:ext uri="{FF2B5EF4-FFF2-40B4-BE49-F238E27FC236}">
+                  <a16:creationId xmlns:a16="http://schemas.microsoft.com/office/drawing/2014/main" id="{CCB06ABA-55AD-4322-A99C-E54438242876}"/>
+                </a:ext>
+              </a:extLst>
+            </p:cNvPr>
+            <p:cNvSpPr/>
+            <p:nvPr/>
+          </p:nvSpPr>
+          <p:spPr>
+            <a:xfrm rot="2700000">
+              <a:off x="2554040" y="3096323"/>
+              <a:ext cx="192088" cy="192088"/>
+            </a:xfrm>
+            <a:prstGeom prst="rect">
+              <a:avLst/>
+            </a:prstGeom>
+            <a:noFill/>
+            <a:ln w="28575">
+              <a:solidFill>
+                <a:schemeClr val="tx1"/>
+              </a:solidFill>
+            </a:ln>
+          </p:spPr>
+          <p:style>
+            <a:lnRef idx="2">
+              <a:schemeClr val="accent1">
+                <a:shade val="50000"/>
+              </a:schemeClr>
+            </a:lnRef>
+            <a:fillRef idx="1">
+              <a:schemeClr val="accent1"/>
+            </a:fillRef>
+            <a:effectRef idx="0">
+              <a:schemeClr val="accent1"/>
+            </a:effectRef>
+            <a:fontRef idx="minor">
+              <a:schemeClr val="lt1"/>
+            </a:fontRef>
+          </p:style>
+          <p:txBody>
+            <a:bodyPr rtlCol="1" anchor="ctr"/>
+            <a:lstStyle/>
+            <a:p>
+              <a:pPr algn="ctr"/>
+              <a:endParaRPr lang="he-IL"/>
+            </a:p>
+          </p:txBody>
+        </p:sp>
+        <p:sp>
+          <p:nvSpPr>
+            <p:cNvPr id="36" name="Rectangle 35">
+              <a:extLst>
+                <a:ext uri="{FF2B5EF4-FFF2-40B4-BE49-F238E27FC236}">
+                  <a16:creationId xmlns:a16="http://schemas.microsoft.com/office/drawing/2014/main" id="{13D3D8EF-8BB1-460F-AB16-0041E214A9C9}"/>
+                </a:ext>
+              </a:extLst>
+            </p:cNvPr>
+            <p:cNvSpPr/>
+            <p:nvPr/>
+          </p:nvSpPr>
+          <p:spPr>
+            <a:xfrm rot="2700000">
+              <a:off x="2972818" y="2987974"/>
+              <a:ext cx="192088" cy="192088"/>
+            </a:xfrm>
+            <a:prstGeom prst="rect">
+              <a:avLst/>
+            </a:prstGeom>
+            <a:noFill/>
+            <a:ln w="28575">
+              <a:solidFill>
+                <a:schemeClr val="tx1"/>
+              </a:solidFill>
+            </a:ln>
+          </p:spPr>
+          <p:style>
+            <a:lnRef idx="2">
+              <a:schemeClr val="accent1">
+                <a:shade val="50000"/>
+              </a:schemeClr>
+            </a:lnRef>
+            <a:fillRef idx="1">
+              <a:schemeClr val="accent1"/>
+            </a:fillRef>
+            <a:effectRef idx="0">
+              <a:schemeClr val="accent1"/>
+            </a:effectRef>
+            <a:fontRef idx="minor">
+              <a:schemeClr val="lt1"/>
+            </a:fontRef>
+          </p:style>
+          <p:txBody>
+            <a:bodyPr rtlCol="1" anchor="ctr"/>
+            <a:lstStyle/>
+            <a:p>
+              <a:pPr algn="ctr"/>
+              <a:endParaRPr lang="he-IL"/>
+            </a:p>
+          </p:txBody>
+        </p:sp>
+        <p:sp>
+          <p:nvSpPr>
+            <p:cNvPr id="37" name="Rectangle 36">
+              <a:extLst>
+                <a:ext uri="{FF2B5EF4-FFF2-40B4-BE49-F238E27FC236}">
+                  <a16:creationId xmlns:a16="http://schemas.microsoft.com/office/drawing/2014/main" id="{CF6B0F7E-E920-4C9D-9576-DEF20926DD14}"/>
+                </a:ext>
+              </a:extLst>
+            </p:cNvPr>
+            <p:cNvSpPr/>
+            <p:nvPr/>
+          </p:nvSpPr>
+          <p:spPr>
+            <a:xfrm rot="2700000">
+              <a:off x="2262148" y="3051481"/>
+              <a:ext cx="192088" cy="192088"/>
+            </a:xfrm>
+            <a:prstGeom prst="rect">
+              <a:avLst/>
+            </a:prstGeom>
+            <a:noFill/>
+            <a:ln w="28575">
+              <a:solidFill>
+                <a:schemeClr val="tx1"/>
+              </a:solidFill>
+            </a:ln>
+          </p:spPr>
+          <p:style>
+            <a:lnRef idx="2">
+              <a:schemeClr val="accent1">
+                <a:shade val="50000"/>
+              </a:schemeClr>
+            </a:lnRef>
+            <a:fillRef idx="1">
+              <a:schemeClr val="accent1"/>
+            </a:fillRef>
+            <a:effectRef idx="0">
+              <a:schemeClr val="accent1"/>
+            </a:effectRef>
+            <a:fontRef idx="minor">
+              <a:schemeClr val="lt1"/>
+            </a:fontRef>
+          </p:style>
+          <p:txBody>
+            <a:bodyPr rtlCol="1" anchor="ctr"/>
+            <a:lstStyle/>
+            <a:p>
+              <a:pPr algn="ctr"/>
+              <a:endParaRPr lang="he-IL"/>
+            </a:p>
+          </p:txBody>
+        </p:sp>
+        <p:sp>
+          <p:nvSpPr>
+            <p:cNvPr id="38" name="Rectangle 37">
+              <a:extLst>
+                <a:ext uri="{FF2B5EF4-FFF2-40B4-BE49-F238E27FC236}">
+                  <a16:creationId xmlns:a16="http://schemas.microsoft.com/office/drawing/2014/main" id="{5E3417D2-62CC-4AFF-8B1A-52FF4D258540}"/>
+                </a:ext>
+              </a:extLst>
+            </p:cNvPr>
+            <p:cNvSpPr/>
+            <p:nvPr/>
+          </p:nvSpPr>
+          <p:spPr>
+            <a:xfrm rot="2700000">
+              <a:off x="2612344" y="2901053"/>
+              <a:ext cx="192088" cy="192088"/>
+            </a:xfrm>
+            <a:prstGeom prst="rect">
+              <a:avLst/>
+            </a:prstGeom>
+            <a:noFill/>
+            <a:ln w="28575">
+              <a:solidFill>
+                <a:schemeClr val="tx1"/>
+              </a:solidFill>
+            </a:ln>
+          </p:spPr>
+          <p:style>
+            <a:lnRef idx="2">
+              <a:schemeClr val="accent1">
+                <a:shade val="50000"/>
+              </a:schemeClr>
+            </a:lnRef>
+            <a:fillRef idx="1">
+              <a:schemeClr val="accent1"/>
+            </a:fillRef>
+            <a:effectRef idx="0">
+              <a:schemeClr val="accent1"/>
+            </a:effectRef>
+            <a:fontRef idx="minor">
+              <a:schemeClr val="lt1"/>
+            </a:fontRef>
+          </p:style>
+          <p:txBody>
+            <a:bodyPr rtlCol="1" anchor="ctr"/>
+            <a:lstStyle/>
+            <a:p>
+              <a:pPr algn="ctr"/>
+              <a:endParaRPr lang="he-IL"/>
+            </a:p>
+          </p:txBody>
+        </p:sp>
+        <p:sp>
+          <p:nvSpPr>
+            <p:cNvPr id="41" name="Rectangle 40">
+              <a:extLst>
+                <a:ext uri="{FF2B5EF4-FFF2-40B4-BE49-F238E27FC236}">
+                  <a16:creationId xmlns:a16="http://schemas.microsoft.com/office/drawing/2014/main" id="{FF97C26D-7FD3-44EB-B928-91A8548E57AB}"/>
+                </a:ext>
+              </a:extLst>
+            </p:cNvPr>
+            <p:cNvSpPr/>
+            <p:nvPr/>
+          </p:nvSpPr>
+          <p:spPr>
+            <a:xfrm rot="2700000">
+              <a:off x="2742495" y="3077663"/>
+              <a:ext cx="192088" cy="192088"/>
+            </a:xfrm>
+            <a:prstGeom prst="rect">
+              <a:avLst/>
+            </a:prstGeom>
+            <a:noFill/>
+            <a:ln w="28575">
+              <a:solidFill>
+                <a:schemeClr val="tx1"/>
+              </a:solidFill>
+            </a:ln>
+          </p:spPr>
+          <p:style>
+            <a:lnRef idx="2">
+              <a:schemeClr val="accent1">
+                <a:shade val="50000"/>
+              </a:schemeClr>
+            </a:lnRef>
+            <a:fillRef idx="1">
+              <a:schemeClr val="accent1"/>
+            </a:fillRef>
+            <a:effectRef idx="0">
+              <a:schemeClr val="accent1"/>
+            </a:effectRef>
+            <a:fontRef idx="minor">
+              <a:schemeClr val="lt1"/>
+            </a:fontRef>
+          </p:style>
+          <p:txBody>
+            <a:bodyPr rtlCol="1" anchor="ctr"/>
+            <a:lstStyle/>
+            <a:p>
+              <a:pPr algn="ctr"/>
+              <a:endParaRPr lang="he-IL"/>
+            </a:p>
+          </p:txBody>
+        </p:sp>
+      </p:grpSp>
+      <p:grpSp>
+        <p:nvGrpSpPr>
+          <p:cNvPr id="61" name="Group 60">
+            <a:extLst>
+              <a:ext uri="{FF2B5EF4-FFF2-40B4-BE49-F238E27FC236}">
+                <a16:creationId xmlns:a16="http://schemas.microsoft.com/office/drawing/2014/main" id="{6B9C2F58-80B4-464D-9D38-7FD55292CA8D}"/>
+              </a:ext>
+            </a:extLst>
+          </p:cNvPr>
+          <p:cNvGrpSpPr/>
+          <p:nvPr/>
+        </p:nvGrpSpPr>
+        <p:grpSpPr>
+          <a:xfrm>
+            <a:off x="4320957" y="1520050"/>
+            <a:ext cx="2290619" cy="1182255"/>
+            <a:chOff x="1487053" y="2456872"/>
+            <a:chExt cx="2290619" cy="1182255"/>
+          </a:xfrm>
+        </p:grpSpPr>
+        <p:sp>
+          <p:nvSpPr>
+            <p:cNvPr id="62" name="Rectangle: Rounded Corners 61">
+              <a:extLst>
+                <a:ext uri="{FF2B5EF4-FFF2-40B4-BE49-F238E27FC236}">
+                  <a16:creationId xmlns:a16="http://schemas.microsoft.com/office/drawing/2014/main" id="{11EC7DEA-2500-4474-B029-983787E9D54E}"/>
+                </a:ext>
+              </a:extLst>
+            </p:cNvPr>
+            <p:cNvSpPr/>
+            <p:nvPr/>
+          </p:nvSpPr>
+          <p:spPr>
+            <a:xfrm>
+              <a:off x="1487053" y="2456872"/>
+              <a:ext cx="2290619" cy="1182255"/>
+            </a:xfrm>
+            <a:prstGeom prst="roundRect">
+              <a:avLst/>
+            </a:prstGeom>
+            <a:solidFill>
+              <a:schemeClr val="bg1"/>
+            </a:solidFill>
+            <a:ln w="28575">
+              <a:solidFill>
+                <a:schemeClr val="tx1"/>
+              </a:solidFill>
+            </a:ln>
+          </p:spPr>
+          <p:style>
+            <a:lnRef idx="2">
+              <a:schemeClr val="accent1">
+                <a:shade val="50000"/>
+              </a:schemeClr>
+            </a:lnRef>
+            <a:fillRef idx="1">
+              <a:schemeClr val="accent1"/>
+            </a:fillRef>
+            <a:effectRef idx="0">
+              <a:schemeClr val="accent1"/>
+            </a:effectRef>
+            <a:fontRef idx="minor">
+              <a:schemeClr val="lt1"/>
+            </a:fontRef>
+          </p:style>
+          <p:txBody>
+            <a:bodyPr rtlCol="1" anchor="ctr"/>
+            <a:lstStyle/>
+            <a:p>
+              <a:pPr algn="ctr"/>
+              <a:endParaRPr lang="he-IL"/>
+            </a:p>
+          </p:txBody>
+        </p:sp>
+        <p:sp>
+          <p:nvSpPr>
+            <p:cNvPr id="63" name="Rectangle 62">
+              <a:extLst>
+                <a:ext uri="{FF2B5EF4-FFF2-40B4-BE49-F238E27FC236}">
+                  <a16:creationId xmlns:a16="http://schemas.microsoft.com/office/drawing/2014/main" id="{1A9B822D-7676-4C65-A0A5-CD3D1CFECE7A}"/>
+                </a:ext>
+              </a:extLst>
+            </p:cNvPr>
+            <p:cNvSpPr/>
+            <p:nvPr/>
+          </p:nvSpPr>
+          <p:spPr>
+            <a:xfrm>
+              <a:off x="1959700" y="2855911"/>
+              <a:ext cx="192088" cy="192088"/>
+            </a:xfrm>
+            <a:prstGeom prst="rect">
+              <a:avLst/>
+            </a:prstGeom>
+            <a:noFill/>
+            <a:ln w="28575">
+              <a:solidFill>
+                <a:schemeClr val="tx1"/>
+              </a:solidFill>
+            </a:ln>
+          </p:spPr>
+          <p:style>
+            <a:lnRef idx="2">
+              <a:schemeClr val="accent1">
+                <a:shade val="50000"/>
+              </a:schemeClr>
+            </a:lnRef>
+            <a:fillRef idx="1">
+              <a:schemeClr val="accent1"/>
+            </a:fillRef>
+            <a:effectRef idx="0">
+              <a:schemeClr val="accent1"/>
+            </a:effectRef>
+            <a:fontRef idx="minor">
+              <a:schemeClr val="lt1"/>
+            </a:fontRef>
+          </p:style>
+          <p:txBody>
+            <a:bodyPr rtlCol="1" anchor="ctr"/>
+            <a:lstStyle/>
+            <a:p>
+              <a:pPr algn="ctr"/>
+              <a:endParaRPr lang="he-IL"/>
+            </a:p>
+          </p:txBody>
+        </p:sp>
+        <p:sp>
+          <p:nvSpPr>
+            <p:cNvPr id="64" name="Rectangle 63">
+              <a:extLst>
+                <a:ext uri="{FF2B5EF4-FFF2-40B4-BE49-F238E27FC236}">
+                  <a16:creationId xmlns:a16="http://schemas.microsoft.com/office/drawing/2014/main" id="{DC576779-2220-405F-8A27-60F0EE504F49}"/>
+                </a:ext>
+              </a:extLst>
+            </p:cNvPr>
+            <p:cNvSpPr/>
+            <p:nvPr/>
+          </p:nvSpPr>
+          <p:spPr>
+            <a:xfrm>
+              <a:off x="2296250" y="2951955"/>
+              <a:ext cx="192088" cy="192088"/>
+            </a:xfrm>
+            <a:prstGeom prst="rect">
+              <a:avLst/>
+            </a:prstGeom>
+            <a:noFill/>
+            <a:ln w="28575">
+              <a:solidFill>
+                <a:schemeClr val="tx1"/>
+              </a:solidFill>
+            </a:ln>
+          </p:spPr>
+          <p:style>
+            <a:lnRef idx="2">
+              <a:schemeClr val="accent1">
+                <a:shade val="50000"/>
+              </a:schemeClr>
+            </a:lnRef>
+            <a:fillRef idx="1">
+              <a:schemeClr val="accent1"/>
+            </a:fillRef>
+            <a:effectRef idx="0">
+              <a:schemeClr val="accent1"/>
+            </a:effectRef>
+            <a:fontRef idx="minor">
+              <a:schemeClr val="lt1"/>
+            </a:fontRef>
+          </p:style>
+          <p:txBody>
+            <a:bodyPr rtlCol="1" anchor="ctr"/>
+            <a:lstStyle/>
+            <a:p>
+              <a:pPr algn="ctr"/>
+              <a:endParaRPr lang="he-IL"/>
+            </a:p>
+          </p:txBody>
+        </p:sp>
+        <p:sp>
+          <p:nvSpPr>
+            <p:cNvPr id="65" name="Rectangle 64">
+              <a:extLst>
+                <a:ext uri="{FF2B5EF4-FFF2-40B4-BE49-F238E27FC236}">
+                  <a16:creationId xmlns:a16="http://schemas.microsoft.com/office/drawing/2014/main" id="{2DD53479-53BD-4E05-B74D-FD2F4D467570}"/>
+                </a:ext>
+              </a:extLst>
+            </p:cNvPr>
+            <p:cNvSpPr/>
+            <p:nvPr/>
+          </p:nvSpPr>
+          <p:spPr>
+            <a:xfrm>
+              <a:off x="2604367" y="2818605"/>
+              <a:ext cx="192088" cy="192088"/>
+            </a:xfrm>
+            <a:prstGeom prst="rect">
+              <a:avLst/>
+            </a:prstGeom>
+            <a:noFill/>
+            <a:ln w="28575">
+              <a:solidFill>
+                <a:schemeClr val="tx1"/>
+              </a:solidFill>
+            </a:ln>
+          </p:spPr>
+          <p:style>
+            <a:lnRef idx="2">
+              <a:schemeClr val="accent1">
+                <a:shade val="50000"/>
+              </a:schemeClr>
+            </a:lnRef>
+            <a:fillRef idx="1">
+              <a:schemeClr val="accent1"/>
+            </a:fillRef>
+            <a:effectRef idx="0">
+              <a:schemeClr val="accent1"/>
+            </a:effectRef>
+            <a:fontRef idx="minor">
+              <a:schemeClr val="lt1"/>
+            </a:fontRef>
+          </p:style>
+          <p:txBody>
+            <a:bodyPr rtlCol="1" anchor="ctr"/>
+            <a:lstStyle/>
+            <a:p>
+              <a:pPr algn="ctr"/>
+              <a:endParaRPr lang="he-IL"/>
+            </a:p>
+          </p:txBody>
+        </p:sp>
+        <p:sp>
+          <p:nvSpPr>
+            <p:cNvPr id="66" name="Rectangle 65">
+              <a:extLst>
+                <a:ext uri="{FF2B5EF4-FFF2-40B4-BE49-F238E27FC236}">
+                  <a16:creationId xmlns:a16="http://schemas.microsoft.com/office/drawing/2014/main" id="{FC32B86E-1788-4674-B53B-EFE60C83AE89}"/>
+                </a:ext>
+              </a:extLst>
+            </p:cNvPr>
+            <p:cNvSpPr/>
+            <p:nvPr/>
+          </p:nvSpPr>
+          <p:spPr>
+            <a:xfrm>
+              <a:off x="2546352" y="2977355"/>
+              <a:ext cx="192088" cy="192088"/>
+            </a:xfrm>
+            <a:prstGeom prst="rect">
+              <a:avLst/>
+            </a:prstGeom>
+            <a:noFill/>
+            <a:ln w="28575">
+              <a:solidFill>
+                <a:schemeClr val="tx1"/>
+              </a:solidFill>
+            </a:ln>
+          </p:spPr>
+          <p:style>
+            <a:lnRef idx="2">
+              <a:schemeClr val="accent1">
+                <a:shade val="50000"/>
+              </a:schemeClr>
+            </a:lnRef>
+            <a:fillRef idx="1">
+              <a:schemeClr val="accent1"/>
+            </a:fillRef>
+            <a:effectRef idx="0">
+              <a:schemeClr val="accent1"/>
+            </a:effectRef>
+            <a:fontRef idx="minor">
+              <a:schemeClr val="lt1"/>
+            </a:fontRef>
+          </p:style>
+          <p:txBody>
+            <a:bodyPr rtlCol="1" anchor="ctr"/>
+            <a:lstStyle/>
+            <a:p>
+              <a:pPr algn="ctr"/>
+              <a:endParaRPr lang="he-IL"/>
+            </a:p>
+          </p:txBody>
+        </p:sp>
+        <p:sp>
+          <p:nvSpPr>
+            <p:cNvPr id="67" name="Rectangle 66">
+              <a:extLst>
+                <a:ext uri="{FF2B5EF4-FFF2-40B4-BE49-F238E27FC236}">
+                  <a16:creationId xmlns:a16="http://schemas.microsoft.com/office/drawing/2014/main" id="{6B743592-E747-47F2-B4F6-9AFF3A3DD969}"/>
+                </a:ext>
+              </a:extLst>
+            </p:cNvPr>
+            <p:cNvSpPr/>
+            <p:nvPr/>
+          </p:nvSpPr>
+          <p:spPr>
+            <a:xfrm>
+              <a:off x="2903975" y="3047999"/>
+              <a:ext cx="192088" cy="192088"/>
+            </a:xfrm>
+            <a:prstGeom prst="rect">
+              <a:avLst/>
+            </a:prstGeom>
+            <a:noFill/>
+            <a:ln w="28575">
+              <a:solidFill>
+                <a:schemeClr val="tx1"/>
+              </a:solidFill>
+            </a:ln>
+          </p:spPr>
+          <p:style>
+            <a:lnRef idx="2">
+              <a:schemeClr val="accent1">
+                <a:shade val="50000"/>
+              </a:schemeClr>
+            </a:lnRef>
+            <a:fillRef idx="1">
+              <a:schemeClr val="accent1"/>
+            </a:fillRef>
+            <a:effectRef idx="0">
+              <a:schemeClr val="accent1"/>
+            </a:effectRef>
+            <a:fontRef idx="minor">
+              <a:schemeClr val="lt1"/>
+            </a:fontRef>
+          </p:style>
+          <p:txBody>
+            <a:bodyPr rtlCol="1" anchor="ctr"/>
+            <a:lstStyle/>
+            <a:p>
+              <a:pPr algn="ctr"/>
+              <a:endParaRPr lang="he-IL"/>
+            </a:p>
+          </p:txBody>
+        </p:sp>
+        <p:sp>
+          <p:nvSpPr>
+            <p:cNvPr id="68" name="Rectangle 67">
+              <a:extLst>
+                <a:ext uri="{FF2B5EF4-FFF2-40B4-BE49-F238E27FC236}">
+                  <a16:creationId xmlns:a16="http://schemas.microsoft.com/office/drawing/2014/main" id="{6AF3F031-BC51-4ADC-ABF9-91853DFF3071}"/>
+                </a:ext>
+              </a:extLst>
+            </p:cNvPr>
+            <p:cNvSpPr/>
+            <p:nvPr/>
+          </p:nvSpPr>
+          <p:spPr>
+            <a:xfrm>
+              <a:off x="2960985" y="2831304"/>
+              <a:ext cx="192088" cy="192088"/>
+            </a:xfrm>
+            <a:prstGeom prst="rect">
+              <a:avLst/>
+            </a:prstGeom>
+            <a:noFill/>
+            <a:ln w="28575">
+              <a:solidFill>
+                <a:schemeClr val="tx1"/>
+              </a:solidFill>
+            </a:ln>
+          </p:spPr>
+          <p:style>
+            <a:lnRef idx="2">
+              <a:schemeClr val="accent1">
+                <a:shade val="50000"/>
+              </a:schemeClr>
+            </a:lnRef>
+            <a:fillRef idx="1">
+              <a:schemeClr val="accent1"/>
+            </a:fillRef>
+            <a:effectRef idx="0">
+              <a:schemeClr val="accent1"/>
+            </a:effectRef>
+            <a:fontRef idx="minor">
+              <a:schemeClr val="lt1"/>
+            </a:fontRef>
+          </p:style>
+          <p:txBody>
+            <a:bodyPr rtlCol="1" anchor="ctr"/>
+            <a:lstStyle/>
+            <a:p>
+              <a:pPr algn="ctr"/>
+              <a:endParaRPr lang="he-IL"/>
+            </a:p>
+          </p:txBody>
+        </p:sp>
+        <p:sp>
+          <p:nvSpPr>
+            <p:cNvPr id="69" name="Rectangle 68">
+              <a:extLst>
+                <a:ext uri="{FF2B5EF4-FFF2-40B4-BE49-F238E27FC236}">
+                  <a16:creationId xmlns:a16="http://schemas.microsoft.com/office/drawing/2014/main" id="{1E7F4071-D4A1-455A-8B49-5D17D4D3AB08}"/>
+                </a:ext>
+              </a:extLst>
+            </p:cNvPr>
+            <p:cNvSpPr/>
+            <p:nvPr/>
+          </p:nvSpPr>
+          <p:spPr>
+            <a:xfrm>
+              <a:off x="1991746" y="3144043"/>
+              <a:ext cx="192088" cy="192088"/>
+            </a:xfrm>
+            <a:prstGeom prst="rect">
+              <a:avLst/>
+            </a:prstGeom>
+            <a:noFill/>
+            <a:ln w="28575">
+              <a:solidFill>
+                <a:schemeClr val="tx1"/>
+              </a:solidFill>
+            </a:ln>
+          </p:spPr>
+          <p:style>
+            <a:lnRef idx="2">
+              <a:schemeClr val="accent1">
+                <a:shade val="50000"/>
+              </a:schemeClr>
+            </a:lnRef>
+            <a:fillRef idx="1">
+              <a:schemeClr val="accent1"/>
+            </a:fillRef>
+            <a:effectRef idx="0">
+              <a:schemeClr val="accent1"/>
+            </a:effectRef>
+            <a:fontRef idx="minor">
+              <a:schemeClr val="lt1"/>
+            </a:fontRef>
+          </p:style>
+          <p:txBody>
+            <a:bodyPr rtlCol="1" anchor="ctr"/>
+            <a:lstStyle/>
+            <a:p>
+              <a:pPr algn="ctr"/>
+              <a:endParaRPr lang="he-IL"/>
+            </a:p>
+          </p:txBody>
+        </p:sp>
+        <p:sp>
+          <p:nvSpPr>
+            <p:cNvPr id="70" name="Rectangle 69">
+              <a:extLst>
+                <a:ext uri="{FF2B5EF4-FFF2-40B4-BE49-F238E27FC236}">
+                  <a16:creationId xmlns:a16="http://schemas.microsoft.com/office/drawing/2014/main" id="{9E095A23-0835-4F1D-8E42-60EA353640A5}"/>
+                </a:ext>
+              </a:extLst>
+            </p:cNvPr>
+            <p:cNvSpPr/>
+            <p:nvPr/>
+          </p:nvSpPr>
+          <p:spPr>
+            <a:xfrm>
+              <a:off x="2414314" y="3132822"/>
+              <a:ext cx="192088" cy="192088"/>
+            </a:xfrm>
+            <a:prstGeom prst="rect">
+              <a:avLst/>
+            </a:prstGeom>
+            <a:noFill/>
+            <a:ln w="28575">
+              <a:solidFill>
+                <a:schemeClr val="tx1"/>
+              </a:solidFill>
+            </a:ln>
+          </p:spPr>
+          <p:style>
+            <a:lnRef idx="2">
+              <a:schemeClr val="accent1">
+                <a:shade val="50000"/>
+              </a:schemeClr>
+            </a:lnRef>
+            <a:fillRef idx="1">
+              <a:schemeClr val="accent1"/>
+            </a:fillRef>
+            <a:effectRef idx="0">
+              <a:schemeClr val="accent1"/>
+            </a:effectRef>
+            <a:fontRef idx="minor">
+              <a:schemeClr val="lt1"/>
+            </a:fontRef>
+          </p:style>
+          <p:txBody>
+            <a:bodyPr rtlCol="1" anchor="ctr"/>
+            <a:lstStyle/>
+            <a:p>
+              <a:pPr algn="ctr"/>
+              <a:endParaRPr lang="he-IL"/>
+            </a:p>
+          </p:txBody>
+        </p:sp>
+        <p:sp>
+          <p:nvSpPr>
+            <p:cNvPr id="71" name="Rectangle 70">
+              <a:extLst>
+                <a:ext uri="{FF2B5EF4-FFF2-40B4-BE49-F238E27FC236}">
+                  <a16:creationId xmlns:a16="http://schemas.microsoft.com/office/drawing/2014/main" id="{E612BB59-BF30-4318-ADA7-DE0556F3A21B}"/>
+                </a:ext>
+              </a:extLst>
+            </p:cNvPr>
+            <p:cNvSpPr/>
+            <p:nvPr/>
+          </p:nvSpPr>
+          <p:spPr>
+            <a:xfrm rot="2700000">
+              <a:off x="2354265" y="2796488"/>
+              <a:ext cx="192088" cy="192088"/>
+            </a:xfrm>
+            <a:prstGeom prst="rect">
+              <a:avLst/>
+            </a:prstGeom>
+            <a:noFill/>
+            <a:ln w="28575">
+              <a:solidFill>
+                <a:schemeClr val="tx1"/>
+              </a:solidFill>
+            </a:ln>
+          </p:spPr>
+          <p:style>
+            <a:lnRef idx="2">
+              <a:schemeClr val="accent1">
+                <a:shade val="50000"/>
+              </a:schemeClr>
+            </a:lnRef>
+            <a:fillRef idx="1">
+              <a:schemeClr val="accent1"/>
+            </a:fillRef>
+            <a:effectRef idx="0">
+              <a:schemeClr val="accent1"/>
+            </a:effectRef>
+            <a:fontRef idx="minor">
+              <a:schemeClr val="lt1"/>
+            </a:fontRef>
+          </p:style>
+          <p:txBody>
+            <a:bodyPr rtlCol="1" anchor="ctr"/>
+            <a:lstStyle/>
+            <a:p>
+              <a:pPr algn="ctr"/>
+              <a:endParaRPr lang="he-IL"/>
+            </a:p>
+          </p:txBody>
+        </p:sp>
+        <p:sp>
+          <p:nvSpPr>
+            <p:cNvPr id="72" name="Rectangle 71">
+              <a:extLst>
+                <a:ext uri="{FF2B5EF4-FFF2-40B4-BE49-F238E27FC236}">
+                  <a16:creationId xmlns:a16="http://schemas.microsoft.com/office/drawing/2014/main" id="{FF23630E-C37A-471E-BE7C-D2150502F590}"/>
+                </a:ext>
+              </a:extLst>
+            </p:cNvPr>
+            <p:cNvSpPr/>
+            <p:nvPr/>
+          </p:nvSpPr>
+          <p:spPr>
+            <a:xfrm rot="2700000">
+              <a:off x="2773043" y="2931714"/>
+              <a:ext cx="192088" cy="192088"/>
+            </a:xfrm>
+            <a:prstGeom prst="rect">
+              <a:avLst/>
+            </a:prstGeom>
+            <a:noFill/>
+            <a:ln w="28575">
+              <a:solidFill>
+                <a:schemeClr val="tx1"/>
+              </a:solidFill>
+            </a:ln>
+          </p:spPr>
+          <p:style>
+            <a:lnRef idx="2">
+              <a:schemeClr val="accent1">
+                <a:shade val="50000"/>
+              </a:schemeClr>
+            </a:lnRef>
+            <a:fillRef idx="1">
+              <a:schemeClr val="accent1"/>
+            </a:fillRef>
+            <a:effectRef idx="0">
+              <a:schemeClr val="accent1"/>
+            </a:effectRef>
+            <a:fontRef idx="minor">
+              <a:schemeClr val="lt1"/>
+            </a:fontRef>
+          </p:style>
+          <p:txBody>
+            <a:bodyPr rtlCol="1" anchor="ctr"/>
+            <a:lstStyle/>
+            <a:p>
+              <a:pPr algn="ctr"/>
+              <a:endParaRPr lang="he-IL"/>
+            </a:p>
+          </p:txBody>
+        </p:sp>
+        <p:sp>
+          <p:nvSpPr>
+            <p:cNvPr id="73" name="Rectangle 72">
+              <a:extLst>
+                <a:ext uri="{FF2B5EF4-FFF2-40B4-BE49-F238E27FC236}">
+                  <a16:creationId xmlns:a16="http://schemas.microsoft.com/office/drawing/2014/main" id="{BDC746B2-E3AD-401B-87B6-1D086A79157F}"/>
+                </a:ext>
+              </a:extLst>
+            </p:cNvPr>
+            <p:cNvSpPr/>
+            <p:nvPr/>
+          </p:nvSpPr>
+          <p:spPr>
+            <a:xfrm>
+              <a:off x="2272448" y="2914450"/>
+              <a:ext cx="192088" cy="192088"/>
+            </a:xfrm>
+            <a:prstGeom prst="rect">
+              <a:avLst/>
+            </a:prstGeom>
+            <a:noFill/>
+            <a:ln w="28575">
+              <a:solidFill>
+                <a:schemeClr val="tx1"/>
+              </a:solidFill>
+            </a:ln>
+          </p:spPr>
+          <p:style>
+            <a:lnRef idx="2">
+              <a:schemeClr val="accent1">
+                <a:shade val="50000"/>
+              </a:schemeClr>
+            </a:lnRef>
+            <a:fillRef idx="1">
+              <a:schemeClr val="accent1"/>
+            </a:fillRef>
+            <a:effectRef idx="0">
+              <a:schemeClr val="accent1"/>
+            </a:effectRef>
+            <a:fontRef idx="minor">
+              <a:schemeClr val="lt1"/>
+            </a:fontRef>
+          </p:style>
+          <p:txBody>
+            <a:bodyPr rtlCol="1" anchor="ctr"/>
+            <a:lstStyle/>
+            <a:p>
+              <a:pPr algn="ctr"/>
+              <a:endParaRPr lang="he-IL"/>
+            </a:p>
+          </p:txBody>
+        </p:sp>
+        <p:sp>
+          <p:nvSpPr>
+            <p:cNvPr id="74" name="Rectangle 73">
+              <a:extLst>
+                <a:ext uri="{FF2B5EF4-FFF2-40B4-BE49-F238E27FC236}">
+                  <a16:creationId xmlns:a16="http://schemas.microsoft.com/office/drawing/2014/main" id="{D77232D9-A8E1-4B6D-BE75-406822C5D660}"/>
+                </a:ext>
+              </a:extLst>
+            </p:cNvPr>
+            <p:cNvSpPr/>
+            <p:nvPr/>
+          </p:nvSpPr>
+          <p:spPr>
+            <a:xfrm rot="2700000">
+              <a:off x="2084506" y="3014860"/>
+              <a:ext cx="192088" cy="192088"/>
+            </a:xfrm>
+            <a:prstGeom prst="rect">
+              <a:avLst/>
+            </a:prstGeom>
+            <a:noFill/>
+            <a:ln w="28575">
+              <a:solidFill>
+                <a:schemeClr val="tx1"/>
+              </a:solidFill>
+            </a:ln>
+          </p:spPr>
+          <p:style>
+            <a:lnRef idx="2">
+              <a:schemeClr val="accent1">
+                <a:shade val="50000"/>
+              </a:schemeClr>
+            </a:lnRef>
+            <a:fillRef idx="1">
+              <a:schemeClr val="accent1"/>
+            </a:fillRef>
+            <a:effectRef idx="0">
+              <a:schemeClr val="accent1"/>
+            </a:effectRef>
+            <a:fontRef idx="minor">
+              <a:schemeClr val="lt1"/>
+            </a:fontRef>
+          </p:style>
+          <p:txBody>
+            <a:bodyPr rtlCol="1" anchor="ctr"/>
+            <a:lstStyle/>
+            <a:p>
+              <a:pPr algn="ctr"/>
+              <a:endParaRPr lang="he-IL"/>
+            </a:p>
+          </p:txBody>
+        </p:sp>
+        <p:sp>
+          <p:nvSpPr>
+            <p:cNvPr id="75" name="Rectangle 74">
+              <a:extLst>
+                <a:ext uri="{FF2B5EF4-FFF2-40B4-BE49-F238E27FC236}">
+                  <a16:creationId xmlns:a16="http://schemas.microsoft.com/office/drawing/2014/main" id="{BA1CF94C-20DF-4700-BCDB-319FB8FEF915}"/>
+                </a:ext>
+              </a:extLst>
+            </p:cNvPr>
+            <p:cNvSpPr/>
+            <p:nvPr/>
+          </p:nvSpPr>
+          <p:spPr>
+            <a:xfrm rot="2700000">
+              <a:off x="2554040" y="3096323"/>
+              <a:ext cx="192088" cy="192088"/>
+            </a:xfrm>
+            <a:prstGeom prst="rect">
+              <a:avLst/>
+            </a:prstGeom>
+            <a:noFill/>
+            <a:ln w="28575">
+              <a:solidFill>
+                <a:schemeClr val="tx1"/>
+              </a:solidFill>
+            </a:ln>
+          </p:spPr>
+          <p:style>
+            <a:lnRef idx="2">
+              <a:schemeClr val="accent1">
+                <a:shade val="50000"/>
+              </a:schemeClr>
+            </a:lnRef>
+            <a:fillRef idx="1">
+              <a:schemeClr val="accent1"/>
+            </a:fillRef>
+            <a:effectRef idx="0">
+              <a:schemeClr val="accent1"/>
+            </a:effectRef>
+            <a:fontRef idx="minor">
+              <a:schemeClr val="lt1"/>
+            </a:fontRef>
+          </p:style>
+          <p:txBody>
+            <a:bodyPr rtlCol="1" anchor="ctr"/>
+            <a:lstStyle/>
+            <a:p>
+              <a:pPr algn="ctr"/>
+              <a:endParaRPr lang="he-IL"/>
+            </a:p>
+          </p:txBody>
+        </p:sp>
+        <p:sp>
+          <p:nvSpPr>
+            <p:cNvPr id="76" name="Rectangle 75">
+              <a:extLst>
+                <a:ext uri="{FF2B5EF4-FFF2-40B4-BE49-F238E27FC236}">
+                  <a16:creationId xmlns:a16="http://schemas.microsoft.com/office/drawing/2014/main" id="{54F9654D-7A66-4D74-872E-68A1A5A6B5D3}"/>
+                </a:ext>
+              </a:extLst>
+            </p:cNvPr>
+            <p:cNvSpPr/>
+            <p:nvPr/>
+          </p:nvSpPr>
+          <p:spPr>
+            <a:xfrm rot="2700000">
+              <a:off x="2972818" y="2987974"/>
+              <a:ext cx="192088" cy="192088"/>
+            </a:xfrm>
+            <a:prstGeom prst="rect">
+              <a:avLst/>
+            </a:prstGeom>
+            <a:noFill/>
+            <a:ln w="28575">
+              <a:solidFill>
+                <a:schemeClr val="tx1"/>
+              </a:solidFill>
+            </a:ln>
+          </p:spPr>
+          <p:style>
+            <a:lnRef idx="2">
+              <a:schemeClr val="accent1">
+                <a:shade val="50000"/>
+              </a:schemeClr>
+            </a:lnRef>
+            <a:fillRef idx="1">
+              <a:schemeClr val="accent1"/>
+            </a:fillRef>
+            <a:effectRef idx="0">
+              <a:schemeClr val="accent1"/>
+            </a:effectRef>
+            <a:fontRef idx="minor">
+              <a:schemeClr val="lt1"/>
+            </a:fontRef>
+          </p:style>
+          <p:txBody>
+            <a:bodyPr rtlCol="1" anchor="ctr"/>
+            <a:lstStyle/>
+            <a:p>
+              <a:pPr algn="ctr"/>
+              <a:endParaRPr lang="he-IL"/>
+            </a:p>
+          </p:txBody>
+        </p:sp>
+        <p:sp>
+          <p:nvSpPr>
+            <p:cNvPr id="77" name="Rectangle 76">
+              <a:extLst>
+                <a:ext uri="{FF2B5EF4-FFF2-40B4-BE49-F238E27FC236}">
+                  <a16:creationId xmlns:a16="http://schemas.microsoft.com/office/drawing/2014/main" id="{162F508F-83B6-4D63-8A2B-A5D7FD30D191}"/>
+                </a:ext>
+              </a:extLst>
+            </p:cNvPr>
+            <p:cNvSpPr/>
+            <p:nvPr/>
+          </p:nvSpPr>
+          <p:spPr>
+            <a:xfrm rot="2700000">
+              <a:off x="2262148" y="3051481"/>
+              <a:ext cx="192088" cy="192088"/>
+            </a:xfrm>
+            <a:prstGeom prst="rect">
+              <a:avLst/>
+            </a:prstGeom>
+            <a:noFill/>
+            <a:ln w="28575">
+              <a:solidFill>
+                <a:schemeClr val="tx1"/>
+              </a:solidFill>
+            </a:ln>
+          </p:spPr>
+          <p:style>
+            <a:lnRef idx="2">
+              <a:schemeClr val="accent1">
+                <a:shade val="50000"/>
+              </a:schemeClr>
+            </a:lnRef>
+            <a:fillRef idx="1">
+              <a:schemeClr val="accent1"/>
+            </a:fillRef>
+            <a:effectRef idx="0">
+              <a:schemeClr val="accent1"/>
+            </a:effectRef>
+            <a:fontRef idx="minor">
+              <a:schemeClr val="lt1"/>
+            </a:fontRef>
+          </p:style>
+          <p:txBody>
+            <a:bodyPr rtlCol="1" anchor="ctr"/>
+            <a:lstStyle/>
+            <a:p>
+              <a:pPr algn="ctr"/>
+              <a:endParaRPr lang="he-IL"/>
+            </a:p>
+          </p:txBody>
+        </p:sp>
+        <p:sp>
+          <p:nvSpPr>
+            <p:cNvPr id="78" name="Rectangle 77">
+              <a:extLst>
+                <a:ext uri="{FF2B5EF4-FFF2-40B4-BE49-F238E27FC236}">
+                  <a16:creationId xmlns:a16="http://schemas.microsoft.com/office/drawing/2014/main" id="{95CE5E66-D541-4F1D-9AC2-58EA76A2D6D9}"/>
+                </a:ext>
+              </a:extLst>
+            </p:cNvPr>
+            <p:cNvSpPr/>
+            <p:nvPr/>
+          </p:nvSpPr>
+          <p:spPr>
+            <a:xfrm rot="2700000">
+              <a:off x="2612344" y="2901053"/>
+              <a:ext cx="192088" cy="192088"/>
+            </a:xfrm>
+            <a:prstGeom prst="rect">
+              <a:avLst/>
+            </a:prstGeom>
+            <a:noFill/>
+            <a:ln w="28575">
+              <a:solidFill>
+                <a:schemeClr val="tx1"/>
+              </a:solidFill>
+            </a:ln>
+          </p:spPr>
+          <p:style>
+            <a:lnRef idx="2">
+              <a:schemeClr val="accent1">
+                <a:shade val="50000"/>
+              </a:schemeClr>
+            </a:lnRef>
+            <a:fillRef idx="1">
+              <a:schemeClr val="accent1"/>
+            </a:fillRef>
+            <a:effectRef idx="0">
+              <a:schemeClr val="accent1"/>
+            </a:effectRef>
+            <a:fontRef idx="minor">
+              <a:schemeClr val="lt1"/>
+            </a:fontRef>
+          </p:style>
+          <p:txBody>
+            <a:bodyPr rtlCol="1" anchor="ctr"/>
+            <a:lstStyle/>
+            <a:p>
+              <a:pPr algn="ctr"/>
+              <a:endParaRPr lang="he-IL"/>
+            </a:p>
+          </p:txBody>
+        </p:sp>
+        <p:sp>
+          <p:nvSpPr>
+            <p:cNvPr id="79" name="Rectangle 78">
+              <a:extLst>
+                <a:ext uri="{FF2B5EF4-FFF2-40B4-BE49-F238E27FC236}">
+                  <a16:creationId xmlns:a16="http://schemas.microsoft.com/office/drawing/2014/main" id="{CE97C343-0363-440A-AB6A-D25A0706A3FA}"/>
+                </a:ext>
+              </a:extLst>
+            </p:cNvPr>
+            <p:cNvSpPr/>
+            <p:nvPr/>
+          </p:nvSpPr>
+          <p:spPr>
+            <a:xfrm rot="2700000">
+              <a:off x="2742495" y="3077663"/>
+              <a:ext cx="192088" cy="192088"/>
+            </a:xfrm>
+            <a:prstGeom prst="rect">
+              <a:avLst/>
+            </a:prstGeom>
+            <a:noFill/>
+            <a:ln w="28575">
+              <a:solidFill>
+                <a:schemeClr val="tx1"/>
+              </a:solidFill>
+            </a:ln>
+          </p:spPr>
+          <p:style>
+            <a:lnRef idx="2">
+              <a:schemeClr val="accent1">
+                <a:shade val="50000"/>
+              </a:schemeClr>
+            </a:lnRef>
+            <a:fillRef idx="1">
+              <a:schemeClr val="accent1"/>
+            </a:fillRef>
+            <a:effectRef idx="0">
+              <a:schemeClr val="accent1"/>
+            </a:effectRef>
+            <a:fontRef idx="minor">
+              <a:schemeClr val="lt1"/>
+            </a:fontRef>
+          </p:style>
+          <p:txBody>
+            <a:bodyPr rtlCol="1" anchor="ctr"/>
+            <a:lstStyle/>
+            <a:p>
+              <a:pPr algn="ctr"/>
+              <a:endParaRPr lang="he-IL"/>
+            </a:p>
+          </p:txBody>
+        </p:sp>
+      </p:grpSp>
+      <p:grpSp>
+        <p:nvGrpSpPr>
+          <p:cNvPr id="56" name="Group 55">
+            <a:extLst>
+              <a:ext uri="{FF2B5EF4-FFF2-40B4-BE49-F238E27FC236}">
+                <a16:creationId xmlns:a16="http://schemas.microsoft.com/office/drawing/2014/main" id="{F7AE56BE-6055-4097-B561-0C693C5D0F2D}"/>
+              </a:ext>
+            </a:extLst>
+          </p:cNvPr>
+          <p:cNvGrpSpPr/>
+          <p:nvPr/>
+        </p:nvGrpSpPr>
+        <p:grpSpPr>
+          <a:xfrm>
+            <a:off x="5119493" y="2188488"/>
+            <a:ext cx="2290619" cy="1182255"/>
+            <a:chOff x="4322616" y="2456872"/>
+            <a:chExt cx="2290619" cy="1182255"/>
+          </a:xfrm>
+        </p:grpSpPr>
+        <p:sp>
+          <p:nvSpPr>
+            <p:cNvPr id="42" name="Rectangle: Rounded Corners 41">
+              <a:extLst>
+                <a:ext uri="{FF2B5EF4-FFF2-40B4-BE49-F238E27FC236}">
+                  <a16:creationId xmlns:a16="http://schemas.microsoft.com/office/drawing/2014/main" id="{F7405CA7-8111-40C0-BE24-2006A6FD5E7B}"/>
+                </a:ext>
+              </a:extLst>
+            </p:cNvPr>
+            <p:cNvSpPr/>
+            <p:nvPr/>
+          </p:nvSpPr>
+          <p:spPr>
+            <a:xfrm>
+              <a:off x="4322616" y="2456872"/>
+              <a:ext cx="2290619" cy="1182255"/>
+            </a:xfrm>
+            <a:prstGeom prst="roundRect">
+              <a:avLst/>
+            </a:prstGeom>
+            <a:solidFill>
+              <a:schemeClr val="bg1"/>
+            </a:solidFill>
+            <a:ln w="28575">
+              <a:solidFill>
+                <a:schemeClr val="tx1"/>
+              </a:solidFill>
+            </a:ln>
+          </p:spPr>
+          <p:style>
+            <a:lnRef idx="2">
+              <a:schemeClr val="accent1">
+                <a:shade val="50000"/>
+              </a:schemeClr>
+            </a:lnRef>
+            <a:fillRef idx="1">
+              <a:schemeClr val="accent1"/>
+            </a:fillRef>
+            <a:effectRef idx="0">
+              <a:schemeClr val="accent1"/>
+            </a:effectRef>
+            <a:fontRef idx="minor">
+              <a:schemeClr val="lt1"/>
+            </a:fontRef>
+          </p:style>
+          <p:txBody>
+            <a:bodyPr rtlCol="1" anchor="ctr"/>
+            <a:lstStyle/>
+            <a:p>
+              <a:pPr algn="ctr"/>
+              <a:endParaRPr lang="he-IL"/>
+            </a:p>
+          </p:txBody>
+        </p:sp>
+        <p:sp>
+          <p:nvSpPr>
+            <p:cNvPr id="43" name="TextBox 42">
+              <a:extLst>
+                <a:ext uri="{FF2B5EF4-FFF2-40B4-BE49-F238E27FC236}">
+                  <a16:creationId xmlns:a16="http://schemas.microsoft.com/office/drawing/2014/main" id="{30918611-BCC0-4B74-8BDB-5981F0F57201}"/>
+                </a:ext>
+              </a:extLst>
+            </p:cNvPr>
+            <p:cNvSpPr txBox="1"/>
+            <p:nvPr/>
+          </p:nvSpPr>
+          <p:spPr>
+            <a:xfrm>
+              <a:off x="4479634" y="2794930"/>
+              <a:ext cx="1976582" cy="523220"/>
+            </a:xfrm>
+            <a:prstGeom prst="rect">
+              <a:avLst/>
+            </a:prstGeom>
+            <a:noFill/>
+          </p:spPr>
+          <p:txBody>
+            <a:bodyPr wrap="square" rtlCol="1">
+              <a:spAutoFit/>
+            </a:bodyPr>
+            <a:lstStyle/>
+            <a:p>
+              <a:pPr algn="ctr"/>
+              <a:r>
+                <a:rPr lang="en-US" sz="2800" dirty="0"/>
+                <a:t>RADIO       </a:t>
+              </a:r>
+              <a:endParaRPr lang="he-IL" sz="2800" dirty="0"/>
+            </a:p>
+          </p:txBody>
+        </p:sp>
+      </p:grpSp>
+      <p:grpSp>
+        <p:nvGrpSpPr>
+          <p:cNvPr id="80" name="Group 79">
+            <a:extLst>
+              <a:ext uri="{FF2B5EF4-FFF2-40B4-BE49-F238E27FC236}">
+                <a16:creationId xmlns:a16="http://schemas.microsoft.com/office/drawing/2014/main" id="{BC66198C-F334-4FDB-8D22-DE8040DDA814}"/>
+              </a:ext>
+            </a:extLst>
+          </p:cNvPr>
+          <p:cNvGrpSpPr/>
+          <p:nvPr/>
+        </p:nvGrpSpPr>
+        <p:grpSpPr>
+          <a:xfrm>
+            <a:off x="5994833" y="2903160"/>
+            <a:ext cx="2290619" cy="1182255"/>
+            <a:chOff x="1487053" y="2456872"/>
+            <a:chExt cx="2290619" cy="1182255"/>
+          </a:xfrm>
+        </p:grpSpPr>
+        <p:sp>
+          <p:nvSpPr>
+            <p:cNvPr id="81" name="Rectangle: Rounded Corners 80">
+              <a:extLst>
+                <a:ext uri="{FF2B5EF4-FFF2-40B4-BE49-F238E27FC236}">
+                  <a16:creationId xmlns:a16="http://schemas.microsoft.com/office/drawing/2014/main" id="{2E405BD2-8812-48F4-A139-62E1F70C3F90}"/>
+                </a:ext>
+              </a:extLst>
+            </p:cNvPr>
+            <p:cNvSpPr/>
+            <p:nvPr/>
+          </p:nvSpPr>
+          <p:spPr>
+            <a:xfrm>
+              <a:off x="1487053" y="2456872"/>
+              <a:ext cx="2290619" cy="1182255"/>
+            </a:xfrm>
+            <a:prstGeom prst="roundRect">
+              <a:avLst/>
+            </a:prstGeom>
+            <a:solidFill>
+              <a:schemeClr val="bg1"/>
+            </a:solidFill>
+            <a:ln w="28575">
+              <a:solidFill>
+                <a:schemeClr val="tx1"/>
+              </a:solidFill>
+            </a:ln>
+          </p:spPr>
+          <p:style>
+            <a:lnRef idx="2">
+              <a:schemeClr val="accent1">
+                <a:shade val="50000"/>
+              </a:schemeClr>
+            </a:lnRef>
+            <a:fillRef idx="1">
+              <a:schemeClr val="accent1"/>
+            </a:fillRef>
+            <a:effectRef idx="0">
+              <a:schemeClr val="accent1"/>
+            </a:effectRef>
+            <a:fontRef idx="minor">
+              <a:schemeClr val="lt1"/>
+            </a:fontRef>
+          </p:style>
+          <p:txBody>
+            <a:bodyPr rtlCol="1" anchor="ctr"/>
+            <a:lstStyle/>
+            <a:p>
+              <a:pPr algn="ctr"/>
+              <a:endParaRPr lang="he-IL"/>
+            </a:p>
+          </p:txBody>
+        </p:sp>
+        <p:sp>
+          <p:nvSpPr>
+            <p:cNvPr id="82" name="Rectangle 81">
+              <a:extLst>
+                <a:ext uri="{FF2B5EF4-FFF2-40B4-BE49-F238E27FC236}">
+                  <a16:creationId xmlns:a16="http://schemas.microsoft.com/office/drawing/2014/main" id="{866A37D2-ECDF-468B-BC97-EBB54A93F45E}"/>
+                </a:ext>
+              </a:extLst>
+            </p:cNvPr>
+            <p:cNvSpPr/>
+            <p:nvPr/>
+          </p:nvSpPr>
+          <p:spPr>
+            <a:xfrm>
+              <a:off x="1959700" y="2855911"/>
+              <a:ext cx="192088" cy="192088"/>
+            </a:xfrm>
+            <a:prstGeom prst="rect">
+              <a:avLst/>
+            </a:prstGeom>
+            <a:noFill/>
+            <a:ln w="28575">
+              <a:solidFill>
+                <a:schemeClr val="tx1"/>
+              </a:solidFill>
+            </a:ln>
+          </p:spPr>
+          <p:style>
+            <a:lnRef idx="2">
+              <a:schemeClr val="accent1">
+                <a:shade val="50000"/>
+              </a:schemeClr>
+            </a:lnRef>
+            <a:fillRef idx="1">
+              <a:schemeClr val="accent1"/>
+            </a:fillRef>
+            <a:effectRef idx="0">
+              <a:schemeClr val="accent1"/>
+            </a:effectRef>
+            <a:fontRef idx="minor">
+              <a:schemeClr val="lt1"/>
+            </a:fontRef>
+          </p:style>
+          <p:txBody>
+            <a:bodyPr rtlCol="1" anchor="ctr"/>
+            <a:lstStyle/>
+            <a:p>
+              <a:pPr algn="ctr"/>
+              <a:endParaRPr lang="he-IL"/>
+            </a:p>
+          </p:txBody>
+        </p:sp>
+        <p:sp>
+          <p:nvSpPr>
+            <p:cNvPr id="83" name="Rectangle 82">
+              <a:extLst>
+                <a:ext uri="{FF2B5EF4-FFF2-40B4-BE49-F238E27FC236}">
+                  <a16:creationId xmlns:a16="http://schemas.microsoft.com/office/drawing/2014/main" id="{E9644929-8E54-45A9-8256-DCEFB0B507AC}"/>
+                </a:ext>
+              </a:extLst>
+            </p:cNvPr>
+            <p:cNvSpPr/>
+            <p:nvPr/>
+          </p:nvSpPr>
+          <p:spPr>
+            <a:xfrm>
+              <a:off x="2296250" y="2951955"/>
+              <a:ext cx="192088" cy="192088"/>
+            </a:xfrm>
+            <a:prstGeom prst="rect">
+              <a:avLst/>
+            </a:prstGeom>
+            <a:noFill/>
+            <a:ln w="28575">
+              <a:solidFill>
+                <a:schemeClr val="tx1"/>
+              </a:solidFill>
+            </a:ln>
+          </p:spPr>
+          <p:style>
+            <a:lnRef idx="2">
+              <a:schemeClr val="accent1">
+                <a:shade val="50000"/>
+              </a:schemeClr>
+            </a:lnRef>
+            <a:fillRef idx="1">
+              <a:schemeClr val="accent1"/>
+            </a:fillRef>
+            <a:effectRef idx="0">
+              <a:schemeClr val="accent1"/>
+            </a:effectRef>
+            <a:fontRef idx="minor">
+              <a:schemeClr val="lt1"/>
+            </a:fontRef>
+          </p:style>
+          <p:txBody>
+            <a:bodyPr rtlCol="1" anchor="ctr"/>
+            <a:lstStyle/>
+            <a:p>
+              <a:pPr algn="ctr"/>
+              <a:endParaRPr lang="he-IL"/>
+            </a:p>
+          </p:txBody>
+        </p:sp>
+        <p:sp>
+          <p:nvSpPr>
+            <p:cNvPr id="84" name="Rectangle 83">
+              <a:extLst>
+                <a:ext uri="{FF2B5EF4-FFF2-40B4-BE49-F238E27FC236}">
+                  <a16:creationId xmlns:a16="http://schemas.microsoft.com/office/drawing/2014/main" id="{067DEBF7-2BEE-4149-B6B9-03A4C7D271DF}"/>
+                </a:ext>
+              </a:extLst>
+            </p:cNvPr>
+            <p:cNvSpPr/>
+            <p:nvPr/>
+          </p:nvSpPr>
+          <p:spPr>
+            <a:xfrm>
+              <a:off x="2604367" y="2818605"/>
+              <a:ext cx="192088" cy="192088"/>
+            </a:xfrm>
+            <a:prstGeom prst="rect">
+              <a:avLst/>
+            </a:prstGeom>
+            <a:noFill/>
+            <a:ln w="28575">
+              <a:solidFill>
+                <a:schemeClr val="tx1"/>
+              </a:solidFill>
+            </a:ln>
+          </p:spPr>
+          <p:style>
+            <a:lnRef idx="2">
+              <a:schemeClr val="accent1">
+                <a:shade val="50000"/>
+              </a:schemeClr>
+            </a:lnRef>
+            <a:fillRef idx="1">
+              <a:schemeClr val="accent1"/>
+            </a:fillRef>
+            <a:effectRef idx="0">
+              <a:schemeClr val="accent1"/>
+            </a:effectRef>
+            <a:fontRef idx="minor">
+              <a:schemeClr val="lt1"/>
+            </a:fontRef>
+          </p:style>
+          <p:txBody>
+            <a:bodyPr rtlCol="1" anchor="ctr"/>
+            <a:lstStyle/>
+            <a:p>
+              <a:pPr algn="ctr"/>
+              <a:endParaRPr lang="he-IL"/>
+            </a:p>
+          </p:txBody>
+        </p:sp>
+        <p:sp>
+          <p:nvSpPr>
+            <p:cNvPr id="85" name="Rectangle 84">
+              <a:extLst>
+                <a:ext uri="{FF2B5EF4-FFF2-40B4-BE49-F238E27FC236}">
+                  <a16:creationId xmlns:a16="http://schemas.microsoft.com/office/drawing/2014/main" id="{ACACBBAB-6543-4673-9922-B65913683303}"/>
+                </a:ext>
+              </a:extLst>
+            </p:cNvPr>
+            <p:cNvSpPr/>
+            <p:nvPr/>
+          </p:nvSpPr>
+          <p:spPr>
+            <a:xfrm>
+              <a:off x="2546352" y="2977355"/>
+              <a:ext cx="192088" cy="192088"/>
+            </a:xfrm>
+            <a:prstGeom prst="rect">
+              <a:avLst/>
+            </a:prstGeom>
+            <a:noFill/>
+            <a:ln w="28575">
+              <a:solidFill>
+                <a:schemeClr val="tx1"/>
+              </a:solidFill>
+            </a:ln>
+          </p:spPr>
+          <p:style>
+            <a:lnRef idx="2">
+              <a:schemeClr val="accent1">
+                <a:shade val="50000"/>
+              </a:schemeClr>
+            </a:lnRef>
+            <a:fillRef idx="1">
+              <a:schemeClr val="accent1"/>
+            </a:fillRef>
+            <a:effectRef idx="0">
+              <a:schemeClr val="accent1"/>
+            </a:effectRef>
+            <a:fontRef idx="minor">
+              <a:schemeClr val="lt1"/>
+            </a:fontRef>
+          </p:style>
+          <p:txBody>
+            <a:bodyPr rtlCol="1" anchor="ctr"/>
+            <a:lstStyle/>
+            <a:p>
+              <a:pPr algn="ctr"/>
+              <a:endParaRPr lang="he-IL"/>
+            </a:p>
+          </p:txBody>
+        </p:sp>
+        <p:sp>
+          <p:nvSpPr>
+            <p:cNvPr id="86" name="Rectangle 85">
+              <a:extLst>
+                <a:ext uri="{FF2B5EF4-FFF2-40B4-BE49-F238E27FC236}">
+                  <a16:creationId xmlns:a16="http://schemas.microsoft.com/office/drawing/2014/main" id="{B399DDBB-5853-4477-BBA7-BC8BCAB69BC0}"/>
+                </a:ext>
+              </a:extLst>
+            </p:cNvPr>
+            <p:cNvSpPr/>
+            <p:nvPr/>
+          </p:nvSpPr>
+          <p:spPr>
+            <a:xfrm>
+              <a:off x="2903975" y="3047999"/>
+              <a:ext cx="192088" cy="192088"/>
+            </a:xfrm>
+            <a:prstGeom prst="rect">
+              <a:avLst/>
+            </a:prstGeom>
+            <a:noFill/>
+            <a:ln w="28575">
+              <a:solidFill>
+                <a:schemeClr val="tx1"/>
+              </a:solidFill>
+            </a:ln>
+          </p:spPr>
+          <p:style>
+            <a:lnRef idx="2">
+              <a:schemeClr val="accent1">
+                <a:shade val="50000"/>
+              </a:schemeClr>
+            </a:lnRef>
+            <a:fillRef idx="1">
+              <a:schemeClr val="accent1"/>
+            </a:fillRef>
+            <a:effectRef idx="0">
+              <a:schemeClr val="accent1"/>
+            </a:effectRef>
+            <a:fontRef idx="minor">
+              <a:schemeClr val="lt1"/>
+            </a:fontRef>
+          </p:style>
+          <p:txBody>
+            <a:bodyPr rtlCol="1" anchor="ctr"/>
+            <a:lstStyle/>
+            <a:p>
+              <a:pPr algn="ctr"/>
+              <a:endParaRPr lang="he-IL"/>
+            </a:p>
+          </p:txBody>
+        </p:sp>
+        <p:sp>
+          <p:nvSpPr>
+            <p:cNvPr id="87" name="Rectangle 86">
+              <a:extLst>
+                <a:ext uri="{FF2B5EF4-FFF2-40B4-BE49-F238E27FC236}">
+                  <a16:creationId xmlns:a16="http://schemas.microsoft.com/office/drawing/2014/main" id="{5F9B5CB5-E143-4B22-962E-123DE784465E}"/>
+                </a:ext>
+              </a:extLst>
+            </p:cNvPr>
+            <p:cNvSpPr/>
+            <p:nvPr/>
+          </p:nvSpPr>
+          <p:spPr>
+            <a:xfrm>
+              <a:off x="2960985" y="2831304"/>
+              <a:ext cx="192088" cy="192088"/>
+            </a:xfrm>
+            <a:prstGeom prst="rect">
+              <a:avLst/>
+            </a:prstGeom>
+            <a:noFill/>
+            <a:ln w="28575">
+              <a:solidFill>
+                <a:schemeClr val="tx1"/>
+              </a:solidFill>
+            </a:ln>
+          </p:spPr>
+          <p:style>
+            <a:lnRef idx="2">
+              <a:schemeClr val="accent1">
+                <a:shade val="50000"/>
+              </a:schemeClr>
+            </a:lnRef>
+            <a:fillRef idx="1">
+              <a:schemeClr val="accent1"/>
+            </a:fillRef>
+            <a:effectRef idx="0">
+              <a:schemeClr val="accent1"/>
+            </a:effectRef>
+            <a:fontRef idx="minor">
+              <a:schemeClr val="lt1"/>
+            </a:fontRef>
+          </p:style>
+          <p:txBody>
+            <a:bodyPr rtlCol="1" anchor="ctr"/>
+            <a:lstStyle/>
+            <a:p>
+              <a:pPr algn="ctr"/>
+              <a:endParaRPr lang="he-IL"/>
+            </a:p>
+          </p:txBody>
+        </p:sp>
+        <p:sp>
+          <p:nvSpPr>
+            <p:cNvPr id="88" name="Rectangle 87">
+              <a:extLst>
+                <a:ext uri="{FF2B5EF4-FFF2-40B4-BE49-F238E27FC236}">
+                  <a16:creationId xmlns:a16="http://schemas.microsoft.com/office/drawing/2014/main" id="{D41AC330-9652-4182-8215-1387218DFFE8}"/>
+                </a:ext>
+              </a:extLst>
+            </p:cNvPr>
+            <p:cNvSpPr/>
+            <p:nvPr/>
+          </p:nvSpPr>
+          <p:spPr>
+            <a:xfrm>
+              <a:off x="1991746" y="3144043"/>
+              <a:ext cx="192088" cy="192088"/>
+            </a:xfrm>
+            <a:prstGeom prst="rect">
+              <a:avLst/>
+            </a:prstGeom>
+            <a:noFill/>
+            <a:ln w="28575">
+              <a:solidFill>
+                <a:schemeClr val="tx1"/>
+              </a:solidFill>
+            </a:ln>
+          </p:spPr>
+          <p:style>
+            <a:lnRef idx="2">
+              <a:schemeClr val="accent1">
+                <a:shade val="50000"/>
+              </a:schemeClr>
+            </a:lnRef>
+            <a:fillRef idx="1">
+              <a:schemeClr val="accent1"/>
+            </a:fillRef>
+            <a:effectRef idx="0">
+              <a:schemeClr val="accent1"/>
+            </a:effectRef>
+            <a:fontRef idx="minor">
+              <a:schemeClr val="lt1"/>
+            </a:fontRef>
+          </p:style>
+          <p:txBody>
+            <a:bodyPr rtlCol="1" anchor="ctr"/>
+            <a:lstStyle/>
+            <a:p>
+              <a:pPr algn="ctr"/>
+              <a:endParaRPr lang="he-IL"/>
+            </a:p>
+          </p:txBody>
+        </p:sp>
+        <p:sp>
+          <p:nvSpPr>
+            <p:cNvPr id="89" name="Rectangle 88">
+              <a:extLst>
+                <a:ext uri="{FF2B5EF4-FFF2-40B4-BE49-F238E27FC236}">
+                  <a16:creationId xmlns:a16="http://schemas.microsoft.com/office/drawing/2014/main" id="{8DF133AA-1CFA-4090-A86B-38D156C2EFAA}"/>
+                </a:ext>
+              </a:extLst>
+            </p:cNvPr>
+            <p:cNvSpPr/>
+            <p:nvPr/>
+          </p:nvSpPr>
+          <p:spPr>
+            <a:xfrm>
+              <a:off x="2414314" y="3132822"/>
+              <a:ext cx="192088" cy="192088"/>
+            </a:xfrm>
+            <a:prstGeom prst="rect">
+              <a:avLst/>
+            </a:prstGeom>
+            <a:noFill/>
+            <a:ln w="28575">
+              <a:solidFill>
+                <a:schemeClr val="tx1"/>
+              </a:solidFill>
+            </a:ln>
+          </p:spPr>
+          <p:style>
+            <a:lnRef idx="2">
+              <a:schemeClr val="accent1">
+                <a:shade val="50000"/>
+              </a:schemeClr>
+            </a:lnRef>
+            <a:fillRef idx="1">
+              <a:schemeClr val="accent1"/>
+            </a:fillRef>
+            <a:effectRef idx="0">
+              <a:schemeClr val="accent1"/>
+            </a:effectRef>
+            <a:fontRef idx="minor">
+              <a:schemeClr val="lt1"/>
+            </a:fontRef>
+          </p:style>
+          <p:txBody>
+            <a:bodyPr rtlCol="1" anchor="ctr"/>
+            <a:lstStyle/>
+            <a:p>
+              <a:pPr algn="ctr"/>
+              <a:endParaRPr lang="he-IL"/>
+            </a:p>
+          </p:txBody>
+        </p:sp>
+        <p:sp>
+          <p:nvSpPr>
+            <p:cNvPr id="90" name="Rectangle 89">
+              <a:extLst>
+                <a:ext uri="{FF2B5EF4-FFF2-40B4-BE49-F238E27FC236}">
+                  <a16:creationId xmlns:a16="http://schemas.microsoft.com/office/drawing/2014/main" id="{52C1058C-D652-47A8-B38B-90580087ADAB}"/>
+                </a:ext>
+              </a:extLst>
+            </p:cNvPr>
+            <p:cNvSpPr/>
+            <p:nvPr/>
+          </p:nvSpPr>
+          <p:spPr>
+            <a:xfrm rot="2700000">
+              <a:off x="2354265" y="2796488"/>
+              <a:ext cx="192088" cy="192088"/>
+            </a:xfrm>
+            <a:prstGeom prst="rect">
+              <a:avLst/>
+            </a:prstGeom>
+            <a:noFill/>
+            <a:ln w="28575">
+              <a:solidFill>
+                <a:schemeClr val="tx1"/>
+              </a:solidFill>
+            </a:ln>
+          </p:spPr>
+          <p:style>
+            <a:lnRef idx="2">
+              <a:schemeClr val="accent1">
+                <a:shade val="50000"/>
+              </a:schemeClr>
+            </a:lnRef>
+            <a:fillRef idx="1">
+              <a:schemeClr val="accent1"/>
+            </a:fillRef>
+            <a:effectRef idx="0">
+              <a:schemeClr val="accent1"/>
+            </a:effectRef>
+            <a:fontRef idx="minor">
+              <a:schemeClr val="lt1"/>
+            </a:fontRef>
+          </p:style>
+          <p:txBody>
+            <a:bodyPr rtlCol="1" anchor="ctr"/>
+            <a:lstStyle/>
+            <a:p>
+              <a:pPr algn="ctr"/>
+              <a:endParaRPr lang="he-IL"/>
+            </a:p>
+          </p:txBody>
+        </p:sp>
+        <p:sp>
+          <p:nvSpPr>
+            <p:cNvPr id="91" name="Rectangle 90">
+              <a:extLst>
+                <a:ext uri="{FF2B5EF4-FFF2-40B4-BE49-F238E27FC236}">
+                  <a16:creationId xmlns:a16="http://schemas.microsoft.com/office/drawing/2014/main" id="{E208C02A-7CB6-4C29-AF43-0D7E24D29F4B}"/>
+                </a:ext>
+              </a:extLst>
+            </p:cNvPr>
+            <p:cNvSpPr/>
+            <p:nvPr/>
+          </p:nvSpPr>
+          <p:spPr>
+            <a:xfrm rot="2700000">
+              <a:off x="2773043" y="2931714"/>
+              <a:ext cx="192088" cy="192088"/>
+            </a:xfrm>
+            <a:prstGeom prst="rect">
+              <a:avLst/>
+            </a:prstGeom>
+            <a:noFill/>
+            <a:ln w="28575">
+              <a:solidFill>
+                <a:schemeClr val="tx1"/>
+              </a:solidFill>
+            </a:ln>
+          </p:spPr>
+          <p:style>
+            <a:lnRef idx="2">
+              <a:schemeClr val="accent1">
+                <a:shade val="50000"/>
+              </a:schemeClr>
+            </a:lnRef>
+            <a:fillRef idx="1">
+              <a:schemeClr val="accent1"/>
+            </a:fillRef>
+            <a:effectRef idx="0">
+              <a:schemeClr val="accent1"/>
+            </a:effectRef>
+            <a:fontRef idx="minor">
+              <a:schemeClr val="lt1"/>
+            </a:fontRef>
+          </p:style>
+          <p:txBody>
+            <a:bodyPr rtlCol="1" anchor="ctr"/>
+            <a:lstStyle/>
+            <a:p>
+              <a:pPr algn="ctr"/>
+              <a:endParaRPr lang="he-IL"/>
+            </a:p>
+          </p:txBody>
+        </p:sp>
+        <p:sp>
+          <p:nvSpPr>
+            <p:cNvPr id="92" name="Rectangle 91">
+              <a:extLst>
+                <a:ext uri="{FF2B5EF4-FFF2-40B4-BE49-F238E27FC236}">
+                  <a16:creationId xmlns:a16="http://schemas.microsoft.com/office/drawing/2014/main" id="{01AE9C16-DEDC-4B60-8459-B80885A873CD}"/>
+                </a:ext>
+              </a:extLst>
+            </p:cNvPr>
+            <p:cNvSpPr/>
+            <p:nvPr/>
+          </p:nvSpPr>
+          <p:spPr>
+            <a:xfrm>
+              <a:off x="2272448" y="2914450"/>
+              <a:ext cx="192088" cy="192088"/>
+            </a:xfrm>
+            <a:prstGeom prst="rect">
+              <a:avLst/>
+            </a:prstGeom>
+            <a:noFill/>
+            <a:ln w="28575">
+              <a:solidFill>
+                <a:schemeClr val="tx1"/>
+              </a:solidFill>
+            </a:ln>
+          </p:spPr>
+          <p:style>
+            <a:lnRef idx="2">
+              <a:schemeClr val="accent1">
+                <a:shade val="50000"/>
+              </a:schemeClr>
+            </a:lnRef>
+            <a:fillRef idx="1">
+              <a:schemeClr val="accent1"/>
+            </a:fillRef>
+            <a:effectRef idx="0">
+              <a:schemeClr val="accent1"/>
+            </a:effectRef>
+            <a:fontRef idx="minor">
+              <a:schemeClr val="lt1"/>
+            </a:fontRef>
+          </p:style>
+          <p:txBody>
+            <a:bodyPr rtlCol="1" anchor="ctr"/>
+            <a:lstStyle/>
+            <a:p>
+              <a:pPr algn="ctr"/>
+              <a:endParaRPr lang="he-IL"/>
+            </a:p>
+          </p:txBody>
+        </p:sp>
+        <p:sp>
+          <p:nvSpPr>
+            <p:cNvPr id="93" name="Rectangle 92">
+              <a:extLst>
+                <a:ext uri="{FF2B5EF4-FFF2-40B4-BE49-F238E27FC236}">
+                  <a16:creationId xmlns:a16="http://schemas.microsoft.com/office/drawing/2014/main" id="{769E3875-1CF3-4D66-B5B1-E066046C9008}"/>
+                </a:ext>
+              </a:extLst>
+            </p:cNvPr>
+            <p:cNvSpPr/>
+            <p:nvPr/>
+          </p:nvSpPr>
+          <p:spPr>
+            <a:xfrm rot="2700000">
+              <a:off x="2084506" y="3014860"/>
+              <a:ext cx="192088" cy="192088"/>
+            </a:xfrm>
+            <a:prstGeom prst="rect">
+              <a:avLst/>
+            </a:prstGeom>
+            <a:noFill/>
+            <a:ln w="28575">
+              <a:solidFill>
+                <a:schemeClr val="tx1"/>
+              </a:solidFill>
+            </a:ln>
+          </p:spPr>
+          <p:style>
+            <a:lnRef idx="2">
+              <a:schemeClr val="accent1">
+                <a:shade val="50000"/>
+              </a:schemeClr>
+            </a:lnRef>
+            <a:fillRef idx="1">
+              <a:schemeClr val="accent1"/>
+            </a:fillRef>
+            <a:effectRef idx="0">
+              <a:schemeClr val="accent1"/>
+            </a:effectRef>
+            <a:fontRef idx="minor">
+              <a:schemeClr val="lt1"/>
+            </a:fontRef>
+          </p:style>
+          <p:txBody>
+            <a:bodyPr rtlCol="1" anchor="ctr"/>
+            <a:lstStyle/>
+            <a:p>
+              <a:pPr algn="ctr"/>
+              <a:endParaRPr lang="he-IL"/>
+            </a:p>
+          </p:txBody>
+        </p:sp>
+        <p:sp>
+          <p:nvSpPr>
+            <p:cNvPr id="94" name="Rectangle 93">
+              <a:extLst>
+                <a:ext uri="{FF2B5EF4-FFF2-40B4-BE49-F238E27FC236}">
+                  <a16:creationId xmlns:a16="http://schemas.microsoft.com/office/drawing/2014/main" id="{8E9C5D3F-6D2B-4605-A87E-EB759F6DAB07}"/>
+                </a:ext>
+              </a:extLst>
+            </p:cNvPr>
+            <p:cNvSpPr/>
+            <p:nvPr/>
+          </p:nvSpPr>
+          <p:spPr>
+            <a:xfrm rot="2700000">
+              <a:off x="2554040" y="3096323"/>
+              <a:ext cx="192088" cy="192088"/>
+            </a:xfrm>
+            <a:prstGeom prst="rect">
+              <a:avLst/>
+            </a:prstGeom>
+            <a:noFill/>
+            <a:ln w="28575">
+              <a:solidFill>
+                <a:schemeClr val="tx1"/>
+              </a:solidFill>
+            </a:ln>
+          </p:spPr>
+          <p:style>
+            <a:lnRef idx="2">
+              <a:schemeClr val="accent1">
+                <a:shade val="50000"/>
+              </a:schemeClr>
+            </a:lnRef>
+            <a:fillRef idx="1">
+              <a:schemeClr val="accent1"/>
+            </a:fillRef>
+            <a:effectRef idx="0">
+              <a:schemeClr val="accent1"/>
+            </a:effectRef>
+            <a:fontRef idx="minor">
+              <a:schemeClr val="lt1"/>
+            </a:fontRef>
+          </p:style>
+          <p:txBody>
+            <a:bodyPr rtlCol="1" anchor="ctr"/>
+            <a:lstStyle/>
+            <a:p>
+              <a:pPr algn="ctr"/>
+              <a:endParaRPr lang="he-IL"/>
+            </a:p>
+          </p:txBody>
+        </p:sp>
+        <p:sp>
+          <p:nvSpPr>
+            <p:cNvPr id="95" name="Rectangle 94">
+              <a:extLst>
+                <a:ext uri="{FF2B5EF4-FFF2-40B4-BE49-F238E27FC236}">
+                  <a16:creationId xmlns:a16="http://schemas.microsoft.com/office/drawing/2014/main" id="{8B569914-D87A-4DC8-B1E8-74619DAD573C}"/>
+                </a:ext>
+              </a:extLst>
+            </p:cNvPr>
+            <p:cNvSpPr/>
+            <p:nvPr/>
+          </p:nvSpPr>
+          <p:spPr>
+            <a:xfrm rot="2700000">
+              <a:off x="2972818" y="2987974"/>
+              <a:ext cx="192088" cy="192088"/>
+            </a:xfrm>
+            <a:prstGeom prst="rect">
+              <a:avLst/>
+            </a:prstGeom>
+            <a:noFill/>
+            <a:ln w="28575">
+              <a:solidFill>
+                <a:schemeClr val="tx1"/>
+              </a:solidFill>
+            </a:ln>
+          </p:spPr>
+          <p:style>
+            <a:lnRef idx="2">
+              <a:schemeClr val="accent1">
+                <a:shade val="50000"/>
+              </a:schemeClr>
+            </a:lnRef>
+            <a:fillRef idx="1">
+              <a:schemeClr val="accent1"/>
+            </a:fillRef>
+            <a:effectRef idx="0">
+              <a:schemeClr val="accent1"/>
+            </a:effectRef>
+            <a:fontRef idx="minor">
+              <a:schemeClr val="lt1"/>
+            </a:fontRef>
+          </p:style>
+          <p:txBody>
+            <a:bodyPr rtlCol="1" anchor="ctr"/>
+            <a:lstStyle/>
+            <a:p>
+              <a:pPr algn="ctr"/>
+              <a:endParaRPr lang="he-IL"/>
+            </a:p>
+          </p:txBody>
+        </p:sp>
+        <p:sp>
+          <p:nvSpPr>
+            <p:cNvPr id="96" name="Rectangle 95">
+              <a:extLst>
+                <a:ext uri="{FF2B5EF4-FFF2-40B4-BE49-F238E27FC236}">
+                  <a16:creationId xmlns:a16="http://schemas.microsoft.com/office/drawing/2014/main" id="{32F948C8-1DAE-4EA8-9516-9D6BACC9F8ED}"/>
+                </a:ext>
+              </a:extLst>
+            </p:cNvPr>
+            <p:cNvSpPr/>
+            <p:nvPr/>
+          </p:nvSpPr>
+          <p:spPr>
+            <a:xfrm rot="2700000">
+              <a:off x="2262148" y="3051481"/>
+              <a:ext cx="192088" cy="192088"/>
+            </a:xfrm>
+            <a:prstGeom prst="rect">
+              <a:avLst/>
+            </a:prstGeom>
+            <a:noFill/>
+            <a:ln w="28575">
+              <a:solidFill>
+                <a:schemeClr val="tx1"/>
+              </a:solidFill>
+            </a:ln>
+          </p:spPr>
+          <p:style>
+            <a:lnRef idx="2">
+              <a:schemeClr val="accent1">
+                <a:shade val="50000"/>
+              </a:schemeClr>
+            </a:lnRef>
+            <a:fillRef idx="1">
+              <a:schemeClr val="accent1"/>
+            </a:fillRef>
+            <a:effectRef idx="0">
+              <a:schemeClr val="accent1"/>
+            </a:effectRef>
+            <a:fontRef idx="minor">
+              <a:schemeClr val="lt1"/>
+            </a:fontRef>
+          </p:style>
+          <p:txBody>
+            <a:bodyPr rtlCol="1" anchor="ctr"/>
+            <a:lstStyle/>
+            <a:p>
+              <a:pPr algn="ctr"/>
+              <a:endParaRPr lang="he-IL"/>
+            </a:p>
+          </p:txBody>
+        </p:sp>
+        <p:sp>
+          <p:nvSpPr>
+            <p:cNvPr id="97" name="Rectangle 96">
+              <a:extLst>
+                <a:ext uri="{FF2B5EF4-FFF2-40B4-BE49-F238E27FC236}">
+                  <a16:creationId xmlns:a16="http://schemas.microsoft.com/office/drawing/2014/main" id="{C7137670-258D-4E43-8A87-A5FCC1AF87D7}"/>
+                </a:ext>
+              </a:extLst>
+            </p:cNvPr>
+            <p:cNvSpPr/>
+            <p:nvPr/>
+          </p:nvSpPr>
+          <p:spPr>
+            <a:xfrm rot="2700000">
+              <a:off x="2612344" y="2901053"/>
+              <a:ext cx="192088" cy="192088"/>
+            </a:xfrm>
+            <a:prstGeom prst="rect">
+              <a:avLst/>
+            </a:prstGeom>
+            <a:noFill/>
+            <a:ln w="28575">
+              <a:solidFill>
+                <a:schemeClr val="tx1"/>
+              </a:solidFill>
+            </a:ln>
+          </p:spPr>
+          <p:style>
+            <a:lnRef idx="2">
+              <a:schemeClr val="accent1">
+                <a:shade val="50000"/>
+              </a:schemeClr>
+            </a:lnRef>
+            <a:fillRef idx="1">
+              <a:schemeClr val="accent1"/>
+            </a:fillRef>
+            <a:effectRef idx="0">
+              <a:schemeClr val="accent1"/>
+            </a:effectRef>
+            <a:fontRef idx="minor">
+              <a:schemeClr val="lt1"/>
+            </a:fontRef>
+          </p:style>
+          <p:txBody>
+            <a:bodyPr rtlCol="1" anchor="ctr"/>
+            <a:lstStyle/>
+            <a:p>
+              <a:pPr algn="ctr"/>
+              <a:endParaRPr lang="he-IL"/>
+            </a:p>
+          </p:txBody>
+        </p:sp>
+        <p:sp>
+          <p:nvSpPr>
+            <p:cNvPr id="98" name="Rectangle 97">
+              <a:extLst>
+                <a:ext uri="{FF2B5EF4-FFF2-40B4-BE49-F238E27FC236}">
+                  <a16:creationId xmlns:a16="http://schemas.microsoft.com/office/drawing/2014/main" id="{4E880BDA-92ED-4097-8B52-F050D360E678}"/>
+                </a:ext>
+              </a:extLst>
+            </p:cNvPr>
+            <p:cNvSpPr/>
+            <p:nvPr/>
+          </p:nvSpPr>
+          <p:spPr>
+            <a:xfrm rot="2700000">
+              <a:off x="2742495" y="3077663"/>
+              <a:ext cx="192088" cy="192088"/>
+            </a:xfrm>
+            <a:prstGeom prst="rect">
+              <a:avLst/>
+            </a:prstGeom>
+            <a:noFill/>
+            <a:ln w="28575">
+              <a:solidFill>
+                <a:schemeClr val="tx1"/>
+              </a:solidFill>
+            </a:ln>
+          </p:spPr>
+          <p:style>
+            <a:lnRef idx="2">
+              <a:schemeClr val="accent1">
+                <a:shade val="50000"/>
+              </a:schemeClr>
+            </a:lnRef>
+            <a:fillRef idx="1">
+              <a:schemeClr val="accent1"/>
+            </a:fillRef>
+            <a:effectRef idx="0">
+              <a:schemeClr val="accent1"/>
+            </a:effectRef>
+            <a:fontRef idx="minor">
+              <a:schemeClr val="lt1"/>
+            </a:fontRef>
+          </p:style>
+          <p:txBody>
+            <a:bodyPr rtlCol="1" anchor="ctr"/>
+            <a:lstStyle/>
+            <a:p>
+              <a:pPr algn="ctr"/>
+              <a:endParaRPr lang="he-IL"/>
+            </a:p>
+          </p:txBody>
+        </p:sp>
+      </p:grpSp>
+      <p:grpSp>
+        <p:nvGrpSpPr>
+          <p:cNvPr id="118" name="Group 117">
+            <a:extLst>
+              <a:ext uri="{FF2B5EF4-FFF2-40B4-BE49-F238E27FC236}">
+                <a16:creationId xmlns:a16="http://schemas.microsoft.com/office/drawing/2014/main" id="{DF48B2D0-7598-4EB6-88F1-E4B2BDE32758}"/>
+              </a:ext>
+            </a:extLst>
+          </p:cNvPr>
+          <p:cNvGrpSpPr/>
+          <p:nvPr/>
+        </p:nvGrpSpPr>
+        <p:grpSpPr>
+          <a:xfrm>
+            <a:off x="6659568" y="3620303"/>
+            <a:ext cx="2706872" cy="1182255"/>
+            <a:chOff x="6659568" y="3364618"/>
+            <a:chExt cx="2706872" cy="1182255"/>
+          </a:xfrm>
+        </p:grpSpPr>
+        <p:sp>
+          <p:nvSpPr>
+            <p:cNvPr id="119" name="Rectangle: Rounded Corners 118">
+              <a:extLst>
+                <a:ext uri="{FF2B5EF4-FFF2-40B4-BE49-F238E27FC236}">
+                  <a16:creationId xmlns:a16="http://schemas.microsoft.com/office/drawing/2014/main" id="{42CF64B2-6CB8-4F43-AE47-1C3123468B93}"/>
+                </a:ext>
+              </a:extLst>
+            </p:cNvPr>
+            <p:cNvSpPr/>
+            <p:nvPr/>
+          </p:nvSpPr>
+          <p:spPr>
+            <a:xfrm>
+              <a:off x="6770181" y="3364618"/>
+              <a:ext cx="2290619" cy="1182255"/>
+            </a:xfrm>
+            <a:prstGeom prst="roundRect">
+              <a:avLst/>
+            </a:prstGeom>
+            <a:solidFill>
+              <a:schemeClr val="bg1"/>
+            </a:solidFill>
+            <a:ln w="28575">
+              <a:solidFill>
+                <a:schemeClr val="tx1"/>
+              </a:solidFill>
+            </a:ln>
+          </p:spPr>
+          <p:style>
+            <a:lnRef idx="2">
+              <a:schemeClr val="accent1">
+                <a:shade val="50000"/>
+              </a:schemeClr>
+            </a:lnRef>
+            <a:fillRef idx="1">
+              <a:schemeClr val="accent1"/>
+            </a:fillRef>
+            <a:effectRef idx="0">
+              <a:schemeClr val="accent1"/>
+            </a:effectRef>
+            <a:fontRef idx="minor">
+              <a:schemeClr val="lt1"/>
+            </a:fontRef>
+          </p:style>
+          <p:txBody>
+            <a:bodyPr rtlCol="1" anchor="ctr"/>
+            <a:lstStyle/>
+            <a:p>
+              <a:pPr algn="ctr"/>
+              <a:endParaRPr lang="he-IL"/>
+            </a:p>
+          </p:txBody>
+        </p:sp>
+        <p:sp>
+          <p:nvSpPr>
+            <p:cNvPr id="120" name="TextBox 119">
+              <a:extLst>
+                <a:ext uri="{FF2B5EF4-FFF2-40B4-BE49-F238E27FC236}">
+                  <a16:creationId xmlns:a16="http://schemas.microsoft.com/office/drawing/2014/main" id="{2A37F6B8-DA6A-4FD3-AE60-055033391286}"/>
+                </a:ext>
+              </a:extLst>
+            </p:cNvPr>
+            <p:cNvSpPr txBox="1"/>
+            <p:nvPr/>
+          </p:nvSpPr>
+          <p:spPr>
+            <a:xfrm>
+              <a:off x="6659568" y="3372541"/>
+              <a:ext cx="2706872" cy="307777"/>
+            </a:xfrm>
+            <a:prstGeom prst="rect">
+              <a:avLst/>
+            </a:prstGeom>
+            <a:noFill/>
+          </p:spPr>
+          <p:txBody>
+            <a:bodyPr wrap="square" rtlCol="1">
+              <a:spAutoFit/>
+            </a:bodyPr>
+            <a:lstStyle/>
+            <a:p>
+              <a:r>
+                <a:rPr lang="en-US" sz="1400" dirty="0"/>
+                <a:t>    Artificial                      Natural</a:t>
+              </a:r>
+              <a:endParaRPr lang="he-IL" sz="1400" dirty="0"/>
+            </a:p>
+          </p:txBody>
+        </p:sp>
+        <p:sp>
+          <p:nvSpPr>
+            <p:cNvPr id="132" name="TextBox 131">
+              <a:extLst>
+                <a:ext uri="{FF2B5EF4-FFF2-40B4-BE49-F238E27FC236}">
+                  <a16:creationId xmlns:a16="http://schemas.microsoft.com/office/drawing/2014/main" id="{ABA07FB4-8F24-44D2-B4EB-3B92381CF509}"/>
+                </a:ext>
+              </a:extLst>
+            </p:cNvPr>
+            <p:cNvSpPr txBox="1"/>
+            <p:nvPr/>
+          </p:nvSpPr>
+          <p:spPr>
+            <a:xfrm>
+              <a:off x="6931822" y="3754469"/>
+              <a:ext cx="1976582" cy="523220"/>
+            </a:xfrm>
+            <a:prstGeom prst="rect">
+              <a:avLst/>
+            </a:prstGeom>
+            <a:noFill/>
+          </p:spPr>
+          <p:txBody>
+            <a:bodyPr wrap="square" rtlCol="1">
+              <a:spAutoFit/>
+            </a:bodyPr>
+            <a:lstStyle/>
+            <a:p>
+              <a:pPr algn="ctr"/>
+              <a:r>
+                <a:rPr lang="en-US" sz="2800" dirty="0"/>
+                <a:t>radio       </a:t>
+              </a:r>
+              <a:endParaRPr lang="he-IL" sz="2800" dirty="0"/>
+            </a:p>
+          </p:txBody>
+        </p:sp>
+        <p:sp>
+          <p:nvSpPr>
+            <p:cNvPr id="136" name="Oval 135">
+              <a:extLst>
+                <a:ext uri="{FF2B5EF4-FFF2-40B4-BE49-F238E27FC236}">
+                  <a16:creationId xmlns:a16="http://schemas.microsoft.com/office/drawing/2014/main" id="{1A2FDDDC-B775-48BE-AE39-928F0D50C5FA}"/>
+                </a:ext>
+              </a:extLst>
+            </p:cNvPr>
+            <p:cNvSpPr/>
+            <p:nvPr/>
+          </p:nvSpPr>
+          <p:spPr>
+            <a:xfrm>
+              <a:off x="8711781" y="3924446"/>
+              <a:ext cx="180871" cy="183550"/>
+            </a:xfrm>
+            <a:prstGeom prst="ellipse">
+              <a:avLst/>
+            </a:prstGeom>
+            <a:noFill/>
+            <a:ln w="57150">
+              <a:solidFill>
+                <a:schemeClr val="accent5">
+                  <a:lumMod val="60000"/>
+                  <a:lumOff val="40000"/>
+                </a:schemeClr>
+              </a:solidFill>
+            </a:ln>
+          </p:spPr>
+          <p:style>
+            <a:lnRef idx="2">
+              <a:schemeClr val="accent1">
+                <a:shade val="50000"/>
+              </a:schemeClr>
+            </a:lnRef>
+            <a:fillRef idx="1">
+              <a:schemeClr val="accent1"/>
+            </a:fillRef>
+            <a:effectRef idx="0">
+              <a:schemeClr val="accent1"/>
+            </a:effectRef>
+            <a:fontRef idx="minor">
+              <a:schemeClr val="lt1"/>
+            </a:fontRef>
+          </p:style>
+          <p:txBody>
+            <a:bodyPr rtlCol="1" anchor="ctr"/>
+            <a:lstStyle/>
+            <a:p>
+              <a:pPr algn="ctr"/>
+              <a:endParaRPr lang="he-IL"/>
+            </a:p>
+          </p:txBody>
+        </p:sp>
+        <p:sp>
+          <p:nvSpPr>
+            <p:cNvPr id="137" name="Oval 136">
+              <a:extLst>
+                <a:ext uri="{FF2B5EF4-FFF2-40B4-BE49-F238E27FC236}">
+                  <a16:creationId xmlns:a16="http://schemas.microsoft.com/office/drawing/2014/main" id="{04BBC014-E7FD-4155-AE4F-D76FC7F776C8}"/>
+                </a:ext>
+              </a:extLst>
+            </p:cNvPr>
+            <p:cNvSpPr/>
+            <p:nvPr/>
+          </p:nvSpPr>
+          <p:spPr>
+            <a:xfrm>
+              <a:off x="6913185" y="3924446"/>
+              <a:ext cx="180871" cy="183550"/>
+            </a:xfrm>
+            <a:prstGeom prst="ellipse">
+              <a:avLst/>
+            </a:prstGeom>
+            <a:noFill/>
+            <a:ln w="57150">
+              <a:solidFill>
+                <a:schemeClr val="accent5">
+                  <a:lumMod val="60000"/>
+                  <a:lumOff val="40000"/>
+                </a:schemeClr>
+              </a:solidFill>
+            </a:ln>
+          </p:spPr>
+          <p:style>
+            <a:lnRef idx="2">
+              <a:schemeClr val="accent1">
+                <a:shade val="50000"/>
+              </a:schemeClr>
+            </a:lnRef>
+            <a:fillRef idx="1">
+              <a:schemeClr val="accent1"/>
+            </a:fillRef>
+            <a:effectRef idx="0">
+              <a:schemeClr val="accent1"/>
+            </a:effectRef>
+            <a:fontRef idx="minor">
+              <a:schemeClr val="lt1"/>
+            </a:fontRef>
+          </p:style>
+          <p:txBody>
+            <a:bodyPr rtlCol="1" anchor="ctr"/>
+            <a:lstStyle/>
+            <a:p>
+              <a:pPr algn="ctr"/>
+              <a:endParaRPr lang="he-IL"/>
+            </a:p>
+          </p:txBody>
+        </p:sp>
+      </p:grpSp>
+      <p:grpSp>
+        <p:nvGrpSpPr>
+          <p:cNvPr id="3" name="Group 2">
+            <a:extLst>
+              <a:ext uri="{FF2B5EF4-FFF2-40B4-BE49-F238E27FC236}">
+                <a16:creationId xmlns:a16="http://schemas.microsoft.com/office/drawing/2014/main" id="{41CDDF88-2F0A-45F0-9D67-62A6B93FF253}"/>
+              </a:ext>
+            </a:extLst>
+          </p:cNvPr>
+          <p:cNvGrpSpPr/>
+          <p:nvPr/>
+        </p:nvGrpSpPr>
+        <p:grpSpPr>
+          <a:xfrm>
+            <a:off x="7456062" y="4370478"/>
+            <a:ext cx="2504709" cy="1182255"/>
+            <a:chOff x="8338781" y="4879379"/>
+            <a:chExt cx="2504709" cy="1182255"/>
+          </a:xfrm>
+        </p:grpSpPr>
+        <p:grpSp>
+          <p:nvGrpSpPr>
+            <p:cNvPr id="59" name="Group 58">
+              <a:extLst>
+                <a:ext uri="{FF2B5EF4-FFF2-40B4-BE49-F238E27FC236}">
+                  <a16:creationId xmlns:a16="http://schemas.microsoft.com/office/drawing/2014/main" id="{A0FBA7A2-5140-4064-A760-D9BB6768D560}"/>
+                </a:ext>
+              </a:extLst>
+            </p:cNvPr>
+            <p:cNvGrpSpPr/>
+            <p:nvPr/>
+          </p:nvGrpSpPr>
+          <p:grpSpPr>
+            <a:xfrm>
+              <a:off x="8338781" y="4879379"/>
+              <a:ext cx="2504709" cy="1182255"/>
+              <a:chOff x="4217798" y="581890"/>
+              <a:chExt cx="2504709" cy="1182255"/>
+            </a:xfrm>
+          </p:grpSpPr>
+          <p:sp>
+            <p:nvSpPr>
+              <p:cNvPr id="5" name="Rectangle: Rounded Corners 4">
+                <a:extLst>
+                  <a:ext uri="{FF2B5EF4-FFF2-40B4-BE49-F238E27FC236}">
+                    <a16:creationId xmlns:a16="http://schemas.microsoft.com/office/drawing/2014/main" id="{79B8C09D-66BE-49C6-8C3A-7EBDE7DE1051}"/>
+                  </a:ext>
+                </a:extLst>
+              </p:cNvPr>
+              <p:cNvSpPr/>
+              <p:nvPr/>
+            </p:nvSpPr>
+            <p:spPr>
+              <a:xfrm>
+                <a:off x="4322617" y="581890"/>
+                <a:ext cx="2290619" cy="1182255"/>
+              </a:xfrm>
+              <a:prstGeom prst="roundRect">
+                <a:avLst/>
+              </a:prstGeom>
+              <a:solidFill>
+                <a:schemeClr val="bg1"/>
+              </a:solidFill>
+              <a:ln w="28575">
+                <a:solidFill>
+                  <a:schemeClr val="tx1"/>
+                </a:solidFill>
+              </a:ln>
+            </p:spPr>
+            <p:style>
+              <a:lnRef idx="2">
+                <a:schemeClr val="accent1">
+                  <a:shade val="50000"/>
+                </a:schemeClr>
+              </a:lnRef>
+              <a:fillRef idx="1">
+                <a:schemeClr val="accent1"/>
+              </a:fillRef>
+              <a:effectRef idx="0">
+                <a:schemeClr val="accent1"/>
+              </a:effectRef>
+              <a:fontRef idx="minor">
+                <a:schemeClr val="lt1"/>
+              </a:fontRef>
+            </p:style>
+            <p:txBody>
+              <a:bodyPr rtlCol="1" anchor="ctr"/>
+              <a:lstStyle/>
+              <a:p>
+                <a:pPr algn="ctr"/>
+                <a:endParaRPr lang="he-IL"/>
+              </a:p>
+            </p:txBody>
+          </p:sp>
+          <p:sp>
+            <p:nvSpPr>
+              <p:cNvPr id="47" name="TextBox 46">
+                <a:extLst>
+                  <a:ext uri="{FF2B5EF4-FFF2-40B4-BE49-F238E27FC236}">
+                    <a16:creationId xmlns:a16="http://schemas.microsoft.com/office/drawing/2014/main" id="{8CE58C92-DDA8-43A6-A503-C6B92DDB308F}"/>
+                  </a:ext>
+                </a:extLst>
+              </p:cNvPr>
+              <p:cNvSpPr txBox="1"/>
+              <p:nvPr/>
+            </p:nvSpPr>
+            <p:spPr>
+              <a:xfrm>
+                <a:off x="4217798" y="581890"/>
+                <a:ext cx="2504709" cy="523220"/>
+              </a:xfrm>
+              <a:prstGeom prst="rect">
+                <a:avLst/>
+              </a:prstGeom>
+              <a:noFill/>
+            </p:spPr>
+            <p:txBody>
+              <a:bodyPr wrap="square" rtlCol="1">
+                <a:spAutoFit/>
+              </a:bodyPr>
+              <a:lstStyle/>
+              <a:p>
+                <a:pPr algn="ctr"/>
+                <a:r>
+                  <a:rPr lang="en-US" sz="2800" dirty="0"/>
+                  <a:t>RADIO    PHONE</a:t>
+                </a:r>
+                <a:endParaRPr lang="he-IL" sz="2800" dirty="0"/>
+              </a:p>
+            </p:txBody>
+          </p:sp>
+        </p:grpSp>
+        <p:sp>
+          <p:nvSpPr>
+            <p:cNvPr id="149" name="Oval 148">
+              <a:extLst>
+                <a:ext uri="{FF2B5EF4-FFF2-40B4-BE49-F238E27FC236}">
+                  <a16:creationId xmlns:a16="http://schemas.microsoft.com/office/drawing/2014/main" id="{8C6C57F9-BF0A-4DE6-8407-BF551092DD9F}"/>
+                </a:ext>
+              </a:extLst>
+            </p:cNvPr>
+            <p:cNvSpPr/>
+            <p:nvPr/>
+          </p:nvSpPr>
+          <p:spPr>
+            <a:xfrm>
+              <a:off x="10419757" y="5426059"/>
+              <a:ext cx="180871" cy="183550"/>
+            </a:xfrm>
+            <a:prstGeom prst="ellipse">
+              <a:avLst/>
+            </a:prstGeom>
+            <a:noFill/>
+            <a:ln w="57150">
+              <a:solidFill>
+                <a:schemeClr val="accent5">
+                  <a:lumMod val="60000"/>
+                  <a:lumOff val="40000"/>
+                </a:schemeClr>
+              </a:solidFill>
+            </a:ln>
+          </p:spPr>
+          <p:style>
+            <a:lnRef idx="2">
+              <a:schemeClr val="accent1">
+                <a:shade val="50000"/>
+              </a:schemeClr>
+            </a:lnRef>
+            <a:fillRef idx="1">
+              <a:schemeClr val="accent1"/>
+            </a:fillRef>
+            <a:effectRef idx="0">
+              <a:schemeClr val="accent1"/>
+            </a:effectRef>
+            <a:fontRef idx="minor">
+              <a:schemeClr val="lt1"/>
+            </a:fontRef>
+          </p:style>
+          <p:txBody>
+            <a:bodyPr rtlCol="1" anchor="ctr"/>
+            <a:lstStyle/>
+            <a:p>
+              <a:pPr algn="ctr"/>
+              <a:endParaRPr lang="he-IL"/>
+            </a:p>
+          </p:txBody>
+        </p:sp>
+        <p:sp>
+          <p:nvSpPr>
+            <p:cNvPr id="150" name="Oval 149">
+              <a:extLst>
+                <a:ext uri="{FF2B5EF4-FFF2-40B4-BE49-F238E27FC236}">
+                  <a16:creationId xmlns:a16="http://schemas.microsoft.com/office/drawing/2014/main" id="{89C6EB69-E3B9-4D51-AC22-72E15B2A2C9F}"/>
+                </a:ext>
+              </a:extLst>
+            </p:cNvPr>
+            <p:cNvSpPr/>
+            <p:nvPr/>
+          </p:nvSpPr>
+          <p:spPr>
+            <a:xfrm>
+              <a:off x="8621161" y="5426059"/>
+              <a:ext cx="180871" cy="183550"/>
+            </a:xfrm>
+            <a:prstGeom prst="ellipse">
+              <a:avLst/>
+            </a:prstGeom>
+            <a:noFill/>
+            <a:ln w="57150">
+              <a:solidFill>
+                <a:schemeClr val="accent5">
+                  <a:lumMod val="60000"/>
+                  <a:lumOff val="40000"/>
+                </a:schemeClr>
+              </a:solidFill>
+            </a:ln>
+          </p:spPr>
+          <p:style>
+            <a:lnRef idx="2">
+              <a:schemeClr val="accent1">
+                <a:shade val="50000"/>
+              </a:schemeClr>
+            </a:lnRef>
+            <a:fillRef idx="1">
+              <a:schemeClr val="accent1"/>
+            </a:fillRef>
+            <a:effectRef idx="0">
+              <a:schemeClr val="accent1"/>
+            </a:effectRef>
+            <a:fontRef idx="minor">
+              <a:schemeClr val="lt1"/>
+            </a:fontRef>
+          </p:style>
+          <p:txBody>
+            <a:bodyPr rtlCol="1" anchor="ctr"/>
+            <a:lstStyle/>
+            <a:p>
+              <a:pPr algn="ctr"/>
+              <a:endParaRPr lang="he-IL"/>
+            </a:p>
+          </p:txBody>
+        </p:sp>
+      </p:grpSp>
+      <p:grpSp>
+        <p:nvGrpSpPr>
+          <p:cNvPr id="58" name="Group 57">
+            <a:extLst>
+              <a:ext uri="{FF2B5EF4-FFF2-40B4-BE49-F238E27FC236}">
+                <a16:creationId xmlns:a16="http://schemas.microsoft.com/office/drawing/2014/main" id="{EEF98E77-5E17-4EF0-B119-0EFCE35D1B6C}"/>
+              </a:ext>
+            </a:extLst>
+          </p:cNvPr>
+          <p:cNvGrpSpPr/>
+          <p:nvPr/>
+        </p:nvGrpSpPr>
+        <p:grpSpPr>
+          <a:xfrm>
+            <a:off x="8325035" y="5087621"/>
+            <a:ext cx="2293650" cy="1182255"/>
+            <a:chOff x="7158178" y="581890"/>
+            <a:chExt cx="2293650" cy="1182255"/>
+          </a:xfrm>
+        </p:grpSpPr>
+        <p:sp>
+          <p:nvSpPr>
+            <p:cNvPr id="14" name="Rectangle: Rounded Corners 13">
+              <a:extLst>
+                <a:ext uri="{FF2B5EF4-FFF2-40B4-BE49-F238E27FC236}">
+                  <a16:creationId xmlns:a16="http://schemas.microsoft.com/office/drawing/2014/main" id="{34B89C29-2CA6-4105-9D22-03EE541F9C23}"/>
+                </a:ext>
+              </a:extLst>
+            </p:cNvPr>
+            <p:cNvSpPr/>
+            <p:nvPr/>
+          </p:nvSpPr>
+          <p:spPr>
+            <a:xfrm>
+              <a:off x="7161209" y="581890"/>
+              <a:ext cx="2290619" cy="1182255"/>
+            </a:xfrm>
+            <a:prstGeom prst="roundRect">
+              <a:avLst/>
+            </a:prstGeom>
+            <a:solidFill>
+              <a:schemeClr val="bg1"/>
+            </a:solidFill>
+            <a:ln w="28575">
+              <a:solidFill>
+                <a:schemeClr val="tx1"/>
+              </a:solidFill>
+            </a:ln>
+          </p:spPr>
+          <p:style>
+            <a:lnRef idx="2">
+              <a:schemeClr val="accent1">
+                <a:shade val="50000"/>
+              </a:schemeClr>
+            </a:lnRef>
+            <a:fillRef idx="1">
+              <a:schemeClr val="accent1"/>
+            </a:fillRef>
+            <a:effectRef idx="0">
+              <a:schemeClr val="accent1"/>
+            </a:effectRef>
+            <a:fontRef idx="minor">
+              <a:schemeClr val="lt1"/>
+            </a:fontRef>
+          </p:style>
+          <p:txBody>
+            <a:bodyPr rtlCol="1" anchor="ctr"/>
+            <a:lstStyle/>
+            <a:p>
+              <a:pPr algn="ctr"/>
+              <a:endParaRPr lang="he-IL"/>
+            </a:p>
+          </p:txBody>
+        </p:sp>
+        <p:sp>
+          <p:nvSpPr>
+            <p:cNvPr id="15" name="TextBox 14">
+              <a:extLst>
+                <a:ext uri="{FF2B5EF4-FFF2-40B4-BE49-F238E27FC236}">
+                  <a16:creationId xmlns:a16="http://schemas.microsoft.com/office/drawing/2014/main" id="{BE17E776-3B3C-4771-9D55-A2ED314ECBCF}"/>
+                </a:ext>
+              </a:extLst>
+            </p:cNvPr>
+            <p:cNvSpPr txBox="1"/>
+            <p:nvPr/>
+          </p:nvSpPr>
+          <p:spPr>
+            <a:xfrm>
+              <a:off x="7318227" y="598517"/>
+              <a:ext cx="1976582" cy="738664"/>
+            </a:xfrm>
+            <a:prstGeom prst="rect">
+              <a:avLst/>
+            </a:prstGeom>
+            <a:noFill/>
+          </p:spPr>
+          <p:txBody>
+            <a:bodyPr wrap="square" rtlCol="1">
+              <a:spAutoFit/>
+            </a:bodyPr>
+            <a:lstStyle/>
+            <a:p>
+              <a:pPr algn="ctr"/>
+              <a:r>
+                <a:rPr lang="en-US" sz="1400" dirty="0"/>
+                <a:t>How well did you see the first stimuli?</a:t>
+              </a:r>
+            </a:p>
+            <a:p>
+              <a:pPr algn="ctr"/>
+              <a:r>
+                <a:rPr lang="en-US" sz="1400" dirty="0"/>
+                <a:t>On a scale of 1-4</a:t>
+              </a:r>
+              <a:endParaRPr lang="he-IL" sz="1400" dirty="0"/>
+            </a:p>
+          </p:txBody>
+        </p:sp>
+        <p:sp>
+          <p:nvSpPr>
+            <p:cNvPr id="51" name="TextBox 50">
+              <a:extLst>
+                <a:ext uri="{FF2B5EF4-FFF2-40B4-BE49-F238E27FC236}">
+                  <a16:creationId xmlns:a16="http://schemas.microsoft.com/office/drawing/2014/main" id="{FDE42D84-BE91-4163-B48D-0828137C88CB}"/>
+                </a:ext>
+              </a:extLst>
+            </p:cNvPr>
+            <p:cNvSpPr txBox="1"/>
+            <p:nvPr/>
+          </p:nvSpPr>
+          <p:spPr>
+            <a:xfrm>
+              <a:off x="7158178" y="1320601"/>
+              <a:ext cx="2290619" cy="261610"/>
+            </a:xfrm>
+            <a:prstGeom prst="rect">
+              <a:avLst/>
+            </a:prstGeom>
+            <a:noFill/>
+          </p:spPr>
+          <p:txBody>
+            <a:bodyPr wrap="square" rtlCol="1">
+              <a:spAutoFit/>
+            </a:bodyPr>
+            <a:lstStyle/>
+            <a:p>
+              <a:pPr algn="ctr"/>
+              <a:r>
+                <a:rPr lang="en-US" sz="1100" dirty="0"/>
+                <a:t>1                 2                3                 4</a:t>
+              </a:r>
+              <a:endParaRPr lang="he-IL" sz="1100" dirty="0"/>
+            </a:p>
+          </p:txBody>
+        </p:sp>
+      </p:grpSp>
+    </p:spTree>
+    <p:extLst>
+      <p:ext uri="{BB962C8B-B14F-4D97-AF65-F5344CB8AC3E}">
+        <p14:creationId xmlns:p14="http://schemas.microsoft.com/office/powerpoint/2010/main" val="3821738124"/>
+      </p:ext>
+    </p:extLst>
+  </p:cSld>
+  <p:clrMapOvr>
+    <a:masterClrMapping/>
+  </p:clrMapOvr>
+</p:sld>
+</file>
+
+<file path=ppt/slides/slide5.xml><?xml version="1.0" encoding="utf-8"?>
+<p:sld xmlns:a="http://schemas.openxmlformats.org/drawingml/2006/main" xmlns:r="http://schemas.openxmlformats.org/officeDocument/2006/relationships" xmlns:p="http://schemas.openxmlformats.org/presentationml/2006/main">
+  <p:cSld>
+    <p:spTree>
+      <p:nvGrpSpPr>
+        <p:cNvPr id="1" name=""/>
+        <p:cNvGrpSpPr/>
+        <p:nvPr/>
+      </p:nvGrpSpPr>
+      <p:grpSpPr>
+        <a:xfrm>
+          <a:off x="0" y="0"/>
+          <a:ext cx="0" cy="0"/>
+          <a:chOff x="0" y="0"/>
+          <a:chExt cx="0" cy="0"/>
+        </a:xfrm>
+      </p:grpSpPr>
+      <p:grpSp>
+        <p:nvGrpSpPr>
+          <p:cNvPr id="112" name="Group 111">
+            <a:extLst>
+              <a:ext uri="{FF2B5EF4-FFF2-40B4-BE49-F238E27FC236}">
+                <a16:creationId xmlns:a16="http://schemas.microsoft.com/office/drawing/2014/main" id="{D1FAC70C-AA89-4243-8A44-05CBF3B8984E}"/>
+              </a:ext>
+            </a:extLst>
+          </p:cNvPr>
+          <p:cNvGrpSpPr/>
+          <p:nvPr/>
+        </p:nvGrpSpPr>
+        <p:grpSpPr>
+          <a:xfrm>
             <a:off x="678649" y="1621106"/>
             <a:ext cx="4899980" cy="4446257"/>
             <a:chOff x="1013614" y="2567216"/>
@@ -30408,7 +34705,7 @@
             <a:pPr algn="ctr"/>
             <a:r>
               <a:rPr lang="en-US" b="1" u="sng" dirty="0"/>
-              <a:t>Exp 2</a:t>
+              <a:t>Exp 3</a:t>
             </a:r>
           </a:p>
           <a:p>
@@ -35108,7 +39405,7 @@
     </p:spTree>
     <p:extLst>
       <p:ext uri="{BB962C8B-B14F-4D97-AF65-F5344CB8AC3E}">
-        <p14:creationId xmlns:p14="http://schemas.microsoft.com/office/powerpoint/2010/main" val="535183730"/>
+        <p14:creationId xmlns:p14="http://schemas.microsoft.com/office/powerpoint/2010/main" val="2336293974"/>
       </p:ext>
     </p:extLst>
   </p:cSld>
@@ -35118,7 +39415,7 @@
 </p:sld>
 </file>
 
-<file path=ppt/slides/slide5.xml><?xml version="1.0" encoding="utf-8"?>
+<file path=ppt/slides/slide6.xml><?xml version="1.0" encoding="utf-8"?>
 <p:sld xmlns:a="http://schemas.openxmlformats.org/drawingml/2006/main" xmlns:r="http://schemas.openxmlformats.org/officeDocument/2006/relationships" xmlns:p="http://schemas.openxmlformats.org/presentationml/2006/main">
   <p:cSld>
     <p:spTree>
@@ -35561,7 +39858,7 @@
             <a:pPr algn="ctr"/>
             <a:r>
               <a:rPr lang="en-US" b="1" u="sng" dirty="0"/>
-              <a:t>Exp 3</a:t>
+              <a:t>Exp 4</a:t>
             </a:r>
           </a:p>
           <a:p>
@@ -40261,7 +44558,7 @@
     </p:spTree>
     <p:extLst>
       <p:ext uri="{BB962C8B-B14F-4D97-AF65-F5344CB8AC3E}">
-        <p14:creationId xmlns:p14="http://schemas.microsoft.com/office/powerpoint/2010/main" val="2336293974"/>
+        <p14:creationId xmlns:p14="http://schemas.microsoft.com/office/powerpoint/2010/main" val="2291711828"/>
       </p:ext>
     </p:extLst>
   </p:cSld>
@@ -40271,7 +44568,7 @@
 </p:sld>
 </file>
 
-<file path=ppt/slides/slide6.xml><?xml version="1.0" encoding="utf-8"?>
+<file path=ppt/slides/slide7.xml><?xml version="1.0" encoding="utf-8"?>
 <p:sld xmlns:a="http://schemas.openxmlformats.org/drawingml/2006/main" xmlns:r="http://schemas.openxmlformats.org/officeDocument/2006/relationships" xmlns:p="http://schemas.openxmlformats.org/presentationml/2006/main">
   <p:cSld>
     <p:spTree>
@@ -40302,7 +44599,7 @@
         </p:nvGrpSpPr>
         <p:grpSpPr>
           <a:xfrm>
-            <a:off x="678649" y="1621106"/>
+            <a:off x="768480" y="1621106"/>
             <a:ext cx="4899980" cy="4446257"/>
             <a:chOff x="1013614" y="2567216"/>
             <a:chExt cx="3718511" cy="3374188"/>
@@ -40547,8 +44844,8 @@
         </p:nvSpPr>
         <p:spPr>
           <a:xfrm>
-            <a:off x="3961627" y="3983912"/>
-            <a:ext cx="2944980" cy="615553"/>
+            <a:off x="3673562" y="3983912"/>
+            <a:ext cx="3059898" cy="369332"/>
           </a:xfrm>
           <a:prstGeom prst="rect">
             <a:avLst/>
@@ -40563,15 +44860,9 @@
           <a:p>
             <a:r>
               <a:rPr lang="en-US" dirty="0"/>
-              <a:t>Categorization   100-740ms</a:t>
+              <a:t>Target + Categorization  500ms</a:t>
             </a:r>
-          </a:p>
-          <a:p>
-            <a:r>
-              <a:rPr lang="en-US" sz="1600" dirty="0"/>
-              <a:t>   (Target present for 500ms)</a:t>
-            </a:r>
-            <a:endParaRPr lang="he-IL" sz="1600" dirty="0"/>
+            <a:endParaRPr lang="he-IL" dirty="0"/>
           </a:p>
         </p:txBody>
       </p:sp>
@@ -40697,8 +44988,8 @@
         </p:nvSpPr>
         <p:spPr>
           <a:xfrm>
-            <a:off x="7293691" y="261055"/>
-            <a:ext cx="3392227" cy="646331"/>
+            <a:off x="6456218" y="307222"/>
+            <a:ext cx="4527467" cy="369332"/>
           </a:xfrm>
           <a:prstGeom prst="rect">
             <a:avLst/>
@@ -40711,20 +45002,13 @@
           </a:bodyPr>
           <a:lstStyle/>
           <a:p>
-            <a:pPr algn="ctr"/>
-            <a:r>
-              <a:rPr lang="en-US" b="1" u="sng" dirty="0"/>
-              <a:t>Exp 4</a:t>
-            </a:r>
-          </a:p>
-          <a:p>
             <a:r>
               <a:rPr lang="en-US" b="1" dirty="0"/>
               <a:t>Prime-target relation: </a:t>
             </a:r>
             <a:r>
               <a:rPr lang="en-US" dirty="0"/>
-              <a:t>Same word</a:t>
+              <a:t>Different word</a:t>
             </a:r>
           </a:p>
         </p:txBody>
@@ -40979,7 +45263,15 @@
               <a:p>
                 <a:r>
                   <a:rPr lang="en-US" sz="1400" dirty="0"/>
-                  <a:t>    Artificial                      Natural</a:t>
+                  <a:t>    </a:t>
+                </a:r>
+                <a:r>
+                  <a:rPr lang="en-US" sz="1400" dirty="0" err="1"/>
+                  <a:t>Artficial</a:t>
+                </a:r>
+                <a:r>
+                  <a:rPr lang="en-US" sz="1400" dirty="0"/>
+                  <a:t>                      Natural</a:t>
                 </a:r>
                 <a:endParaRPr lang="he-IL" sz="1400" dirty="0"/>
               </a:p>
@@ -40999,7 +45291,7 @@
             </p:nvSpPr>
             <p:spPr>
               <a:xfrm>
-                <a:off x="10417082" y="1363531"/>
+                <a:off x="10415935" y="1363531"/>
                 <a:ext cx="180871" cy="183550"/>
               </a:xfrm>
               <a:prstGeom prst="ellipse">
@@ -41054,7 +45346,7 @@
             </p:nvSpPr>
             <p:spPr>
               <a:xfrm>
-                <a:off x="8919825" y="1363531"/>
+                <a:off x="8922127" y="1363531"/>
                 <a:ext cx="180871" cy="183550"/>
               </a:xfrm>
               <a:prstGeom prst="ellipse">
@@ -41111,9 +45403,9 @@
         </p:nvGrpSpPr>
         <p:grpSpPr>
           <a:xfrm>
-            <a:off x="3328616" y="672400"/>
+            <a:off x="3365560" y="672400"/>
             <a:ext cx="2706872" cy="1182255"/>
-            <a:chOff x="3328616" y="672400"/>
+            <a:chOff x="3365560" y="672400"/>
             <a:chExt cx="2706872" cy="1182255"/>
           </a:xfrm>
         </p:grpSpPr>
@@ -42090,7 +46382,7 @@
           </p:nvSpPr>
           <p:spPr>
             <a:xfrm>
-              <a:off x="3328616" y="693854"/>
+              <a:off x="3365560" y="693854"/>
               <a:ext cx="2706872" cy="307777"/>
             </a:xfrm>
             <a:prstGeom prst="rect">
@@ -42106,7 +46398,15 @@
             <a:p>
               <a:r>
                 <a:rPr lang="en-US" sz="1400" dirty="0"/>
-                <a:t>     Artificial                      Natural</a:t>
+                <a:t>    </a:t>
+              </a:r>
+              <a:r>
+                <a:rPr lang="en-US" sz="1400" dirty="0" err="1"/>
+                <a:t>Artficial</a:t>
+              </a:r>
+              <a:r>
+                <a:rPr lang="en-US" sz="1400" dirty="0"/>
+                <a:t>                      Natural</a:t>
               </a:r>
               <a:endParaRPr lang="he-IL" sz="1400" dirty="0"/>
             </a:p>
@@ -43232,7 +47532,15 @@
             <a:p>
               <a:r>
                 <a:rPr lang="en-US" sz="1400" dirty="0"/>
-                <a:t>     Artificial                      Natural</a:t>
+                <a:t>     </a:t>
+              </a:r>
+              <a:r>
+                <a:rPr lang="en-US" sz="1400" dirty="0" err="1"/>
+                <a:t>Artficial</a:t>
+              </a:r>
+              <a:r>
+                <a:rPr lang="en-US" sz="1400" dirty="0"/>
+                <a:t>                      Natural</a:t>
               </a:r>
               <a:endParaRPr lang="he-IL" sz="1400" dirty="0"/>
             </a:p>
@@ -43474,7 +47782,7 @@
                 <a:pPr algn="ctr"/>
                 <a:r>
                   <a:rPr lang="en-US" sz="2800" dirty="0"/>
-                  <a:t>RADIO       </a:t>
+                  <a:t>CLOUD       </a:t>
                 </a:r>
                 <a:endParaRPr lang="he-IL" sz="2800" dirty="0"/>
               </a:p>
@@ -43511,7 +47819,15 @@
             <a:p>
               <a:r>
                 <a:rPr lang="en-US" sz="1400" dirty="0"/>
-                <a:t>    Artificial                      Natural</a:t>
+                <a:t>    </a:t>
+              </a:r>
+              <a:r>
+                <a:rPr lang="en-US" sz="1400" dirty="0" err="1"/>
+                <a:t>Artficial</a:t>
+              </a:r>
+              <a:r>
+                <a:rPr lang="en-US" sz="1400" dirty="0"/>
+                <a:t>                      Natural</a:t>
               </a:r>
               <a:endParaRPr lang="he-IL" sz="1400" dirty="0"/>
             </a:p>
@@ -44637,5178 +48953,6 @@
             <a:p>
               <a:r>
                 <a:rPr lang="en-US" sz="1400" dirty="0"/>
-                <a:t>    Artificial                      Natural</a:t>
-              </a:r>
-              <a:endParaRPr lang="he-IL" sz="1400" dirty="0"/>
-            </a:p>
-          </p:txBody>
-        </p:sp>
-        <p:sp>
-          <p:nvSpPr>
-            <p:cNvPr id="147" name="Oval 146">
-              <a:extLst>
-                <a:ext uri="{FF2B5EF4-FFF2-40B4-BE49-F238E27FC236}">
-                  <a16:creationId xmlns:a16="http://schemas.microsoft.com/office/drawing/2014/main" id="{CF03E09C-6020-4B03-8C11-3FA9D8C25AD5}"/>
-                </a:ext>
-              </a:extLst>
-            </p:cNvPr>
-            <p:cNvSpPr/>
-            <p:nvPr/>
-          </p:nvSpPr>
-          <p:spPr>
-            <a:xfrm>
-              <a:off x="7940012" y="3196427"/>
-              <a:ext cx="180871" cy="183550"/>
-            </a:xfrm>
-            <a:prstGeom prst="ellipse">
-              <a:avLst/>
-            </a:prstGeom>
-            <a:noFill/>
-            <a:ln w="57150">
-              <a:solidFill>
-                <a:schemeClr val="accent5">
-                  <a:lumMod val="60000"/>
-                  <a:lumOff val="40000"/>
-                </a:schemeClr>
-              </a:solidFill>
-            </a:ln>
-          </p:spPr>
-          <p:style>
-            <a:lnRef idx="2">
-              <a:schemeClr val="accent1">
-                <a:shade val="50000"/>
-              </a:schemeClr>
-            </a:lnRef>
-            <a:fillRef idx="1">
-              <a:schemeClr val="accent1"/>
-            </a:fillRef>
-            <a:effectRef idx="0">
-              <a:schemeClr val="accent1"/>
-            </a:effectRef>
-            <a:fontRef idx="minor">
-              <a:schemeClr val="lt1"/>
-            </a:fontRef>
-          </p:style>
-          <p:txBody>
-            <a:bodyPr rtlCol="1" anchor="ctr"/>
-            <a:lstStyle/>
-            <a:p>
-              <a:pPr algn="ctr"/>
-              <a:endParaRPr lang="he-IL"/>
-            </a:p>
-          </p:txBody>
-        </p:sp>
-        <p:sp>
-          <p:nvSpPr>
-            <p:cNvPr id="148" name="Oval 147">
-              <a:extLst>
-                <a:ext uri="{FF2B5EF4-FFF2-40B4-BE49-F238E27FC236}">
-                  <a16:creationId xmlns:a16="http://schemas.microsoft.com/office/drawing/2014/main" id="{441B023F-256C-4B7A-AEB0-4C876FF74B04}"/>
-                </a:ext>
-              </a:extLst>
-            </p:cNvPr>
-            <p:cNvSpPr/>
-            <p:nvPr/>
-          </p:nvSpPr>
-          <p:spPr>
-            <a:xfrm>
-              <a:off x="6141416" y="3196427"/>
-              <a:ext cx="180871" cy="183550"/>
-            </a:xfrm>
-            <a:prstGeom prst="ellipse">
-              <a:avLst/>
-            </a:prstGeom>
-            <a:noFill/>
-            <a:ln w="57150">
-              <a:solidFill>
-                <a:schemeClr val="accent5">
-                  <a:lumMod val="60000"/>
-                  <a:lumOff val="40000"/>
-                </a:schemeClr>
-              </a:solidFill>
-            </a:ln>
-          </p:spPr>
-          <p:style>
-            <a:lnRef idx="2">
-              <a:schemeClr val="accent1">
-                <a:shade val="50000"/>
-              </a:schemeClr>
-            </a:lnRef>
-            <a:fillRef idx="1">
-              <a:schemeClr val="accent1"/>
-            </a:fillRef>
-            <a:effectRef idx="0">
-              <a:schemeClr val="accent1"/>
-            </a:effectRef>
-            <a:fontRef idx="minor">
-              <a:schemeClr val="lt1"/>
-            </a:fontRef>
-          </p:style>
-          <p:txBody>
-            <a:bodyPr rtlCol="1" anchor="ctr"/>
-            <a:lstStyle/>
-            <a:p>
-              <a:pPr algn="ctr"/>
-              <a:endParaRPr lang="he-IL"/>
-            </a:p>
-          </p:txBody>
-        </p:sp>
-      </p:grpSp>
-      <p:grpSp>
-        <p:nvGrpSpPr>
-          <p:cNvPr id="118" name="Group 117">
-            <a:extLst>
-              <a:ext uri="{FF2B5EF4-FFF2-40B4-BE49-F238E27FC236}">
-                <a16:creationId xmlns:a16="http://schemas.microsoft.com/office/drawing/2014/main" id="{DF48B2D0-7598-4EB6-88F1-E4B2BDE32758}"/>
-              </a:ext>
-            </a:extLst>
-          </p:cNvPr>
-          <p:cNvGrpSpPr/>
-          <p:nvPr/>
-        </p:nvGrpSpPr>
-        <p:grpSpPr>
-          <a:xfrm>
-            <a:off x="6659568" y="3364618"/>
-            <a:ext cx="2706872" cy="1182255"/>
-            <a:chOff x="6659568" y="3364618"/>
-            <a:chExt cx="2706872" cy="1182255"/>
-          </a:xfrm>
-        </p:grpSpPr>
-        <p:sp>
-          <p:nvSpPr>
-            <p:cNvPr id="119" name="Rectangle: Rounded Corners 118">
-              <a:extLst>
-                <a:ext uri="{FF2B5EF4-FFF2-40B4-BE49-F238E27FC236}">
-                  <a16:creationId xmlns:a16="http://schemas.microsoft.com/office/drawing/2014/main" id="{42CF64B2-6CB8-4F43-AE47-1C3123468B93}"/>
-                </a:ext>
-              </a:extLst>
-            </p:cNvPr>
-            <p:cNvSpPr/>
-            <p:nvPr/>
-          </p:nvSpPr>
-          <p:spPr>
-            <a:xfrm>
-              <a:off x="6770181" y="3364618"/>
-              <a:ext cx="2290619" cy="1182255"/>
-            </a:xfrm>
-            <a:prstGeom prst="roundRect">
-              <a:avLst/>
-            </a:prstGeom>
-            <a:solidFill>
-              <a:schemeClr val="bg1"/>
-            </a:solidFill>
-            <a:ln w="28575">
-              <a:solidFill>
-                <a:schemeClr val="tx1"/>
-              </a:solidFill>
-            </a:ln>
-          </p:spPr>
-          <p:style>
-            <a:lnRef idx="2">
-              <a:schemeClr val="accent1">
-                <a:shade val="50000"/>
-              </a:schemeClr>
-            </a:lnRef>
-            <a:fillRef idx="1">
-              <a:schemeClr val="accent1"/>
-            </a:fillRef>
-            <a:effectRef idx="0">
-              <a:schemeClr val="accent1"/>
-            </a:effectRef>
-            <a:fontRef idx="minor">
-              <a:schemeClr val="lt1"/>
-            </a:fontRef>
-          </p:style>
-          <p:txBody>
-            <a:bodyPr rtlCol="1" anchor="ctr"/>
-            <a:lstStyle/>
-            <a:p>
-              <a:pPr algn="ctr"/>
-              <a:endParaRPr lang="he-IL"/>
-            </a:p>
-          </p:txBody>
-        </p:sp>
-        <p:sp>
-          <p:nvSpPr>
-            <p:cNvPr id="120" name="TextBox 119">
-              <a:extLst>
-                <a:ext uri="{FF2B5EF4-FFF2-40B4-BE49-F238E27FC236}">
-                  <a16:creationId xmlns:a16="http://schemas.microsoft.com/office/drawing/2014/main" id="{2A37F6B8-DA6A-4FD3-AE60-055033391286}"/>
-                </a:ext>
-              </a:extLst>
-            </p:cNvPr>
-            <p:cNvSpPr txBox="1"/>
-            <p:nvPr/>
-          </p:nvSpPr>
-          <p:spPr>
-            <a:xfrm>
-              <a:off x="6659568" y="3372541"/>
-              <a:ext cx="2706872" cy="307777"/>
-            </a:xfrm>
-            <a:prstGeom prst="rect">
-              <a:avLst/>
-            </a:prstGeom>
-            <a:noFill/>
-          </p:spPr>
-          <p:txBody>
-            <a:bodyPr wrap="square" rtlCol="1">
-              <a:spAutoFit/>
-            </a:bodyPr>
-            <a:lstStyle/>
-            <a:p>
-              <a:r>
-                <a:rPr lang="en-US" sz="1400" dirty="0"/>
-                <a:t>    Artificial                      Natural</a:t>
-              </a:r>
-              <a:endParaRPr lang="he-IL" sz="1400" dirty="0"/>
-            </a:p>
-          </p:txBody>
-        </p:sp>
-        <p:sp>
-          <p:nvSpPr>
-            <p:cNvPr id="132" name="TextBox 131">
-              <a:extLst>
-                <a:ext uri="{FF2B5EF4-FFF2-40B4-BE49-F238E27FC236}">
-                  <a16:creationId xmlns:a16="http://schemas.microsoft.com/office/drawing/2014/main" id="{ABA07FB4-8F24-44D2-B4EB-3B92381CF509}"/>
-                </a:ext>
-              </a:extLst>
-            </p:cNvPr>
-            <p:cNvSpPr txBox="1"/>
-            <p:nvPr/>
-          </p:nvSpPr>
-          <p:spPr>
-            <a:xfrm>
-              <a:off x="6931822" y="3754469"/>
-              <a:ext cx="1976582" cy="523220"/>
-            </a:xfrm>
-            <a:prstGeom prst="rect">
-              <a:avLst/>
-            </a:prstGeom>
-            <a:noFill/>
-          </p:spPr>
-          <p:txBody>
-            <a:bodyPr wrap="square" rtlCol="1">
-              <a:spAutoFit/>
-            </a:bodyPr>
-            <a:lstStyle/>
-            <a:p>
-              <a:pPr algn="ctr"/>
-              <a:r>
-                <a:rPr lang="en-US" sz="2800" dirty="0"/>
-                <a:t>radio       </a:t>
-              </a:r>
-              <a:endParaRPr lang="he-IL" sz="2800" dirty="0"/>
-            </a:p>
-          </p:txBody>
-        </p:sp>
-        <p:sp>
-          <p:nvSpPr>
-            <p:cNvPr id="136" name="Oval 135">
-              <a:extLst>
-                <a:ext uri="{FF2B5EF4-FFF2-40B4-BE49-F238E27FC236}">
-                  <a16:creationId xmlns:a16="http://schemas.microsoft.com/office/drawing/2014/main" id="{1A2FDDDC-B775-48BE-AE39-928F0D50C5FA}"/>
-                </a:ext>
-              </a:extLst>
-            </p:cNvPr>
-            <p:cNvSpPr/>
-            <p:nvPr/>
-          </p:nvSpPr>
-          <p:spPr>
-            <a:xfrm>
-              <a:off x="8711781" y="3924446"/>
-              <a:ext cx="180871" cy="183550"/>
-            </a:xfrm>
-            <a:prstGeom prst="ellipse">
-              <a:avLst/>
-            </a:prstGeom>
-            <a:noFill/>
-            <a:ln w="57150">
-              <a:solidFill>
-                <a:schemeClr val="accent5">
-                  <a:lumMod val="60000"/>
-                  <a:lumOff val="40000"/>
-                </a:schemeClr>
-              </a:solidFill>
-            </a:ln>
-          </p:spPr>
-          <p:style>
-            <a:lnRef idx="2">
-              <a:schemeClr val="accent1">
-                <a:shade val="50000"/>
-              </a:schemeClr>
-            </a:lnRef>
-            <a:fillRef idx="1">
-              <a:schemeClr val="accent1"/>
-            </a:fillRef>
-            <a:effectRef idx="0">
-              <a:schemeClr val="accent1"/>
-            </a:effectRef>
-            <a:fontRef idx="minor">
-              <a:schemeClr val="lt1"/>
-            </a:fontRef>
-          </p:style>
-          <p:txBody>
-            <a:bodyPr rtlCol="1" anchor="ctr"/>
-            <a:lstStyle/>
-            <a:p>
-              <a:pPr algn="ctr"/>
-              <a:endParaRPr lang="he-IL"/>
-            </a:p>
-          </p:txBody>
-        </p:sp>
-        <p:sp>
-          <p:nvSpPr>
-            <p:cNvPr id="137" name="Oval 136">
-              <a:extLst>
-                <a:ext uri="{FF2B5EF4-FFF2-40B4-BE49-F238E27FC236}">
-                  <a16:creationId xmlns:a16="http://schemas.microsoft.com/office/drawing/2014/main" id="{04BBC014-E7FD-4155-AE4F-D76FC7F776C8}"/>
-                </a:ext>
-              </a:extLst>
-            </p:cNvPr>
-            <p:cNvSpPr/>
-            <p:nvPr/>
-          </p:nvSpPr>
-          <p:spPr>
-            <a:xfrm>
-              <a:off x="6913185" y="3924446"/>
-              <a:ext cx="180871" cy="183550"/>
-            </a:xfrm>
-            <a:prstGeom prst="ellipse">
-              <a:avLst/>
-            </a:prstGeom>
-            <a:noFill/>
-            <a:ln w="57150">
-              <a:solidFill>
-                <a:schemeClr val="accent5">
-                  <a:lumMod val="60000"/>
-                  <a:lumOff val="40000"/>
-                </a:schemeClr>
-              </a:solidFill>
-            </a:ln>
-          </p:spPr>
-          <p:style>
-            <a:lnRef idx="2">
-              <a:schemeClr val="accent1">
-                <a:shade val="50000"/>
-              </a:schemeClr>
-            </a:lnRef>
-            <a:fillRef idx="1">
-              <a:schemeClr val="accent1"/>
-            </a:fillRef>
-            <a:effectRef idx="0">
-              <a:schemeClr val="accent1"/>
-            </a:effectRef>
-            <a:fontRef idx="minor">
-              <a:schemeClr val="lt1"/>
-            </a:fontRef>
-          </p:style>
-          <p:txBody>
-            <a:bodyPr rtlCol="1" anchor="ctr"/>
-            <a:lstStyle/>
-            <a:p>
-              <a:pPr algn="ctr"/>
-              <a:endParaRPr lang="he-IL"/>
-            </a:p>
-          </p:txBody>
-        </p:sp>
-      </p:grpSp>
-      <p:grpSp>
-        <p:nvGrpSpPr>
-          <p:cNvPr id="3" name="Group 2">
-            <a:extLst>
-              <a:ext uri="{FF2B5EF4-FFF2-40B4-BE49-F238E27FC236}">
-                <a16:creationId xmlns:a16="http://schemas.microsoft.com/office/drawing/2014/main" id="{41CDDF88-2F0A-45F0-9D67-62A6B93FF253}"/>
-              </a:ext>
-            </a:extLst>
-          </p:cNvPr>
-          <p:cNvGrpSpPr/>
-          <p:nvPr/>
-        </p:nvGrpSpPr>
-        <p:grpSpPr>
-          <a:xfrm>
-            <a:off x="7456062" y="4114793"/>
-            <a:ext cx="2504709" cy="1182255"/>
-            <a:chOff x="8338781" y="4879379"/>
-            <a:chExt cx="2504709" cy="1182255"/>
-          </a:xfrm>
-        </p:grpSpPr>
-        <p:grpSp>
-          <p:nvGrpSpPr>
-            <p:cNvPr id="59" name="Group 58">
-              <a:extLst>
-                <a:ext uri="{FF2B5EF4-FFF2-40B4-BE49-F238E27FC236}">
-                  <a16:creationId xmlns:a16="http://schemas.microsoft.com/office/drawing/2014/main" id="{A0FBA7A2-5140-4064-A760-D9BB6768D560}"/>
-                </a:ext>
-              </a:extLst>
-            </p:cNvPr>
-            <p:cNvGrpSpPr/>
-            <p:nvPr/>
-          </p:nvGrpSpPr>
-          <p:grpSpPr>
-            <a:xfrm>
-              <a:off x="8338781" y="4879379"/>
-              <a:ext cx="2504709" cy="1182255"/>
-              <a:chOff x="4217798" y="581890"/>
-              <a:chExt cx="2504709" cy="1182255"/>
-            </a:xfrm>
-          </p:grpSpPr>
-          <p:sp>
-            <p:nvSpPr>
-              <p:cNvPr id="5" name="Rectangle: Rounded Corners 4">
-                <a:extLst>
-                  <a:ext uri="{FF2B5EF4-FFF2-40B4-BE49-F238E27FC236}">
-                    <a16:creationId xmlns:a16="http://schemas.microsoft.com/office/drawing/2014/main" id="{79B8C09D-66BE-49C6-8C3A-7EBDE7DE1051}"/>
-                  </a:ext>
-                </a:extLst>
-              </p:cNvPr>
-              <p:cNvSpPr/>
-              <p:nvPr/>
-            </p:nvSpPr>
-            <p:spPr>
-              <a:xfrm>
-                <a:off x="4322617" y="581890"/>
-                <a:ext cx="2290619" cy="1182255"/>
-              </a:xfrm>
-              <a:prstGeom prst="roundRect">
-                <a:avLst/>
-              </a:prstGeom>
-              <a:solidFill>
-                <a:schemeClr val="bg1"/>
-              </a:solidFill>
-              <a:ln w="28575">
-                <a:solidFill>
-                  <a:schemeClr val="tx1"/>
-                </a:solidFill>
-              </a:ln>
-            </p:spPr>
-            <p:style>
-              <a:lnRef idx="2">
-                <a:schemeClr val="accent1">
-                  <a:shade val="50000"/>
-                </a:schemeClr>
-              </a:lnRef>
-              <a:fillRef idx="1">
-                <a:schemeClr val="accent1"/>
-              </a:fillRef>
-              <a:effectRef idx="0">
-                <a:schemeClr val="accent1"/>
-              </a:effectRef>
-              <a:fontRef idx="minor">
-                <a:schemeClr val="lt1"/>
-              </a:fontRef>
-            </p:style>
-            <p:txBody>
-              <a:bodyPr rtlCol="1" anchor="ctr"/>
-              <a:lstStyle/>
-              <a:p>
-                <a:pPr algn="ctr"/>
-                <a:endParaRPr lang="he-IL"/>
-              </a:p>
-            </p:txBody>
-          </p:sp>
-          <p:sp>
-            <p:nvSpPr>
-              <p:cNvPr id="47" name="TextBox 46">
-                <a:extLst>
-                  <a:ext uri="{FF2B5EF4-FFF2-40B4-BE49-F238E27FC236}">
-                    <a16:creationId xmlns:a16="http://schemas.microsoft.com/office/drawing/2014/main" id="{8CE58C92-DDA8-43A6-A503-C6B92DDB308F}"/>
-                  </a:ext>
-                </a:extLst>
-              </p:cNvPr>
-              <p:cNvSpPr txBox="1"/>
-              <p:nvPr/>
-            </p:nvSpPr>
-            <p:spPr>
-              <a:xfrm>
-                <a:off x="4217798" y="581890"/>
-                <a:ext cx="2504709" cy="523220"/>
-              </a:xfrm>
-              <a:prstGeom prst="rect">
-                <a:avLst/>
-              </a:prstGeom>
-              <a:noFill/>
-            </p:spPr>
-            <p:txBody>
-              <a:bodyPr wrap="square" rtlCol="1">
-                <a:spAutoFit/>
-              </a:bodyPr>
-              <a:lstStyle/>
-              <a:p>
-                <a:pPr algn="ctr"/>
-                <a:r>
-                  <a:rPr lang="en-US" sz="2800" dirty="0"/>
-                  <a:t>RADIO    PHONE</a:t>
-                </a:r>
-                <a:endParaRPr lang="he-IL" sz="2800" dirty="0"/>
-              </a:p>
-            </p:txBody>
-          </p:sp>
-        </p:grpSp>
-        <p:sp>
-          <p:nvSpPr>
-            <p:cNvPr id="149" name="Oval 148">
-              <a:extLst>
-                <a:ext uri="{FF2B5EF4-FFF2-40B4-BE49-F238E27FC236}">
-                  <a16:creationId xmlns:a16="http://schemas.microsoft.com/office/drawing/2014/main" id="{8C6C57F9-BF0A-4DE6-8407-BF551092DD9F}"/>
-                </a:ext>
-              </a:extLst>
-            </p:cNvPr>
-            <p:cNvSpPr/>
-            <p:nvPr/>
-          </p:nvSpPr>
-          <p:spPr>
-            <a:xfrm>
-              <a:off x="10419757" y="5426059"/>
-              <a:ext cx="180871" cy="183550"/>
-            </a:xfrm>
-            <a:prstGeom prst="ellipse">
-              <a:avLst/>
-            </a:prstGeom>
-            <a:noFill/>
-            <a:ln w="57150">
-              <a:solidFill>
-                <a:schemeClr val="accent5">
-                  <a:lumMod val="60000"/>
-                  <a:lumOff val="40000"/>
-                </a:schemeClr>
-              </a:solidFill>
-            </a:ln>
-          </p:spPr>
-          <p:style>
-            <a:lnRef idx="2">
-              <a:schemeClr val="accent1">
-                <a:shade val="50000"/>
-              </a:schemeClr>
-            </a:lnRef>
-            <a:fillRef idx="1">
-              <a:schemeClr val="accent1"/>
-            </a:fillRef>
-            <a:effectRef idx="0">
-              <a:schemeClr val="accent1"/>
-            </a:effectRef>
-            <a:fontRef idx="minor">
-              <a:schemeClr val="lt1"/>
-            </a:fontRef>
-          </p:style>
-          <p:txBody>
-            <a:bodyPr rtlCol="1" anchor="ctr"/>
-            <a:lstStyle/>
-            <a:p>
-              <a:pPr algn="ctr"/>
-              <a:endParaRPr lang="he-IL"/>
-            </a:p>
-          </p:txBody>
-        </p:sp>
-        <p:sp>
-          <p:nvSpPr>
-            <p:cNvPr id="150" name="Oval 149">
-              <a:extLst>
-                <a:ext uri="{FF2B5EF4-FFF2-40B4-BE49-F238E27FC236}">
-                  <a16:creationId xmlns:a16="http://schemas.microsoft.com/office/drawing/2014/main" id="{89C6EB69-E3B9-4D51-AC22-72E15B2A2C9F}"/>
-                </a:ext>
-              </a:extLst>
-            </p:cNvPr>
-            <p:cNvSpPr/>
-            <p:nvPr/>
-          </p:nvSpPr>
-          <p:spPr>
-            <a:xfrm>
-              <a:off x="8621161" y="5426059"/>
-              <a:ext cx="180871" cy="183550"/>
-            </a:xfrm>
-            <a:prstGeom prst="ellipse">
-              <a:avLst/>
-            </a:prstGeom>
-            <a:noFill/>
-            <a:ln w="57150">
-              <a:solidFill>
-                <a:schemeClr val="accent5">
-                  <a:lumMod val="60000"/>
-                  <a:lumOff val="40000"/>
-                </a:schemeClr>
-              </a:solidFill>
-            </a:ln>
-          </p:spPr>
-          <p:style>
-            <a:lnRef idx="2">
-              <a:schemeClr val="accent1">
-                <a:shade val="50000"/>
-              </a:schemeClr>
-            </a:lnRef>
-            <a:fillRef idx="1">
-              <a:schemeClr val="accent1"/>
-            </a:fillRef>
-            <a:effectRef idx="0">
-              <a:schemeClr val="accent1"/>
-            </a:effectRef>
-            <a:fontRef idx="minor">
-              <a:schemeClr val="lt1"/>
-            </a:fontRef>
-          </p:style>
-          <p:txBody>
-            <a:bodyPr rtlCol="1" anchor="ctr"/>
-            <a:lstStyle/>
-            <a:p>
-              <a:pPr algn="ctr"/>
-              <a:endParaRPr lang="he-IL"/>
-            </a:p>
-          </p:txBody>
-        </p:sp>
-      </p:grpSp>
-      <p:grpSp>
-        <p:nvGrpSpPr>
-          <p:cNvPr id="58" name="Group 57">
-            <a:extLst>
-              <a:ext uri="{FF2B5EF4-FFF2-40B4-BE49-F238E27FC236}">
-                <a16:creationId xmlns:a16="http://schemas.microsoft.com/office/drawing/2014/main" id="{EEF98E77-5E17-4EF0-B119-0EFCE35D1B6C}"/>
-              </a:ext>
-            </a:extLst>
-          </p:cNvPr>
-          <p:cNvGrpSpPr/>
-          <p:nvPr/>
-        </p:nvGrpSpPr>
-        <p:grpSpPr>
-          <a:xfrm>
-            <a:off x="8325035" y="4831936"/>
-            <a:ext cx="2293650" cy="1182255"/>
-            <a:chOff x="7158178" y="581890"/>
-            <a:chExt cx="2293650" cy="1182255"/>
-          </a:xfrm>
-        </p:grpSpPr>
-        <p:sp>
-          <p:nvSpPr>
-            <p:cNvPr id="14" name="Rectangle: Rounded Corners 13">
-              <a:extLst>
-                <a:ext uri="{FF2B5EF4-FFF2-40B4-BE49-F238E27FC236}">
-                  <a16:creationId xmlns:a16="http://schemas.microsoft.com/office/drawing/2014/main" id="{34B89C29-2CA6-4105-9D22-03EE541F9C23}"/>
-                </a:ext>
-              </a:extLst>
-            </p:cNvPr>
-            <p:cNvSpPr/>
-            <p:nvPr/>
-          </p:nvSpPr>
-          <p:spPr>
-            <a:xfrm>
-              <a:off x="7161209" y="581890"/>
-              <a:ext cx="2290619" cy="1182255"/>
-            </a:xfrm>
-            <a:prstGeom prst="roundRect">
-              <a:avLst/>
-            </a:prstGeom>
-            <a:solidFill>
-              <a:schemeClr val="bg1"/>
-            </a:solidFill>
-            <a:ln w="28575">
-              <a:solidFill>
-                <a:schemeClr val="tx1"/>
-              </a:solidFill>
-            </a:ln>
-          </p:spPr>
-          <p:style>
-            <a:lnRef idx="2">
-              <a:schemeClr val="accent1">
-                <a:shade val="50000"/>
-              </a:schemeClr>
-            </a:lnRef>
-            <a:fillRef idx="1">
-              <a:schemeClr val="accent1"/>
-            </a:fillRef>
-            <a:effectRef idx="0">
-              <a:schemeClr val="accent1"/>
-            </a:effectRef>
-            <a:fontRef idx="minor">
-              <a:schemeClr val="lt1"/>
-            </a:fontRef>
-          </p:style>
-          <p:txBody>
-            <a:bodyPr rtlCol="1" anchor="ctr"/>
-            <a:lstStyle/>
-            <a:p>
-              <a:pPr algn="ctr"/>
-              <a:endParaRPr lang="he-IL"/>
-            </a:p>
-          </p:txBody>
-        </p:sp>
-        <p:sp>
-          <p:nvSpPr>
-            <p:cNvPr id="15" name="TextBox 14">
-              <a:extLst>
-                <a:ext uri="{FF2B5EF4-FFF2-40B4-BE49-F238E27FC236}">
-                  <a16:creationId xmlns:a16="http://schemas.microsoft.com/office/drawing/2014/main" id="{BE17E776-3B3C-4771-9D55-A2ED314ECBCF}"/>
-                </a:ext>
-              </a:extLst>
-            </p:cNvPr>
-            <p:cNvSpPr txBox="1"/>
-            <p:nvPr/>
-          </p:nvSpPr>
-          <p:spPr>
-            <a:xfrm>
-              <a:off x="7318227" y="598517"/>
-              <a:ext cx="1976582" cy="738664"/>
-            </a:xfrm>
-            <a:prstGeom prst="rect">
-              <a:avLst/>
-            </a:prstGeom>
-            <a:noFill/>
-          </p:spPr>
-          <p:txBody>
-            <a:bodyPr wrap="square" rtlCol="1">
-              <a:spAutoFit/>
-            </a:bodyPr>
-            <a:lstStyle/>
-            <a:p>
-              <a:pPr algn="ctr"/>
-              <a:r>
-                <a:rPr lang="en-US" sz="1400" dirty="0"/>
-                <a:t>How well did you see the first stimuli?</a:t>
-              </a:r>
-            </a:p>
-            <a:p>
-              <a:pPr algn="ctr"/>
-              <a:r>
-                <a:rPr lang="en-US" sz="1400" dirty="0"/>
-                <a:t>On a scale of 1-4</a:t>
-              </a:r>
-              <a:endParaRPr lang="he-IL" sz="1400" dirty="0"/>
-            </a:p>
-          </p:txBody>
-        </p:sp>
-        <p:sp>
-          <p:nvSpPr>
-            <p:cNvPr id="51" name="TextBox 50">
-              <a:extLst>
-                <a:ext uri="{FF2B5EF4-FFF2-40B4-BE49-F238E27FC236}">
-                  <a16:creationId xmlns:a16="http://schemas.microsoft.com/office/drawing/2014/main" id="{FDE42D84-BE91-4163-B48D-0828137C88CB}"/>
-                </a:ext>
-              </a:extLst>
-            </p:cNvPr>
-            <p:cNvSpPr txBox="1"/>
-            <p:nvPr/>
-          </p:nvSpPr>
-          <p:spPr>
-            <a:xfrm>
-              <a:off x="7158178" y="1320601"/>
-              <a:ext cx="2290619" cy="261610"/>
-            </a:xfrm>
-            <a:prstGeom prst="rect">
-              <a:avLst/>
-            </a:prstGeom>
-            <a:noFill/>
-          </p:spPr>
-          <p:txBody>
-            <a:bodyPr wrap="square" rtlCol="1">
-              <a:spAutoFit/>
-            </a:bodyPr>
-            <a:lstStyle/>
-            <a:p>
-              <a:pPr algn="ctr"/>
-              <a:r>
-                <a:rPr lang="en-US" sz="1100" dirty="0"/>
-                <a:t>1                 2                3                 4</a:t>
-              </a:r>
-              <a:endParaRPr lang="he-IL" sz="1100" dirty="0"/>
-            </a:p>
-          </p:txBody>
-        </p:sp>
-      </p:grpSp>
-    </p:spTree>
-    <p:extLst>
-      <p:ext uri="{BB962C8B-B14F-4D97-AF65-F5344CB8AC3E}">
-        <p14:creationId xmlns:p14="http://schemas.microsoft.com/office/powerpoint/2010/main" val="2291711828"/>
-      </p:ext>
-    </p:extLst>
-  </p:cSld>
-  <p:clrMapOvr>
-    <a:masterClrMapping/>
-  </p:clrMapOvr>
-</p:sld>
-</file>
-
-<file path=ppt/slides/slide7.xml><?xml version="1.0" encoding="utf-8"?>
-<p:sld xmlns:a="http://schemas.openxmlformats.org/drawingml/2006/main" xmlns:r="http://schemas.openxmlformats.org/officeDocument/2006/relationships" xmlns:p="http://schemas.openxmlformats.org/presentationml/2006/main">
-  <p:cSld>
-    <p:spTree>
-      <p:nvGrpSpPr>
-        <p:cNvPr id="1" name=""/>
-        <p:cNvGrpSpPr/>
-        <p:nvPr/>
-      </p:nvGrpSpPr>
-      <p:grpSpPr>
-        <a:xfrm>
-          <a:off x="0" y="0"/>
-          <a:ext cx="0" cy="0"/>
-          <a:chOff x="0" y="0"/>
-          <a:chExt cx="0" cy="0"/>
-        </a:xfrm>
-      </p:grpSpPr>
-      <p:grpSp>
-        <p:nvGrpSpPr>
-          <p:cNvPr id="112" name="Group 111">
-            <a:extLst>
-              <a:ext uri="{FF2B5EF4-FFF2-40B4-BE49-F238E27FC236}">
-                <a16:creationId xmlns:a16="http://schemas.microsoft.com/office/drawing/2014/main" id="{D1FAC70C-AA89-4243-8A44-05CBF3B8984E}"/>
-              </a:ext>
-            </a:extLst>
-          </p:cNvPr>
-          <p:cNvGrpSpPr/>
-          <p:nvPr/>
-        </p:nvGrpSpPr>
-        <p:grpSpPr>
-          <a:xfrm>
-            <a:off x="768480" y="1621106"/>
-            <a:ext cx="4899980" cy="4446257"/>
-            <a:chOff x="1013614" y="2567216"/>
-            <a:chExt cx="3718511" cy="3374188"/>
-          </a:xfrm>
-        </p:grpSpPr>
-        <p:cxnSp>
-          <p:nvCxnSpPr>
-            <p:cNvPr id="103" name="Straight Arrow Connector 102">
-              <a:extLst>
-                <a:ext uri="{FF2B5EF4-FFF2-40B4-BE49-F238E27FC236}">
-                  <a16:creationId xmlns:a16="http://schemas.microsoft.com/office/drawing/2014/main" id="{F8C963A5-EE20-4A0C-977D-F7C543B943D5}"/>
-                </a:ext>
-              </a:extLst>
-            </p:cNvPr>
-            <p:cNvCxnSpPr>
-              <a:cxnSpLocks/>
-            </p:cNvCxnSpPr>
-            <p:nvPr/>
-          </p:nvCxnSpPr>
-          <p:spPr>
-            <a:xfrm>
-              <a:off x="1013614" y="2567216"/>
-              <a:ext cx="3718511" cy="3374188"/>
-            </a:xfrm>
-            <a:prstGeom prst="straightConnector1">
-              <a:avLst/>
-            </a:prstGeom>
-            <a:ln w="38100">
-              <a:solidFill>
-                <a:schemeClr val="tx1"/>
-              </a:solidFill>
-              <a:tailEnd type="triangle" w="lg" len="lg"/>
-            </a:ln>
-          </p:spPr>
-          <p:style>
-            <a:lnRef idx="1">
-              <a:schemeClr val="accent1"/>
-            </a:lnRef>
-            <a:fillRef idx="0">
-              <a:schemeClr val="accent1"/>
-            </a:fillRef>
-            <a:effectRef idx="0">
-              <a:schemeClr val="accent1"/>
-            </a:effectRef>
-            <a:fontRef idx="minor">
-              <a:schemeClr val="tx1"/>
-            </a:fontRef>
-          </p:style>
-        </p:cxnSp>
-        <p:sp>
-          <p:nvSpPr>
-            <p:cNvPr id="104" name="TextBox 103">
-              <a:extLst>
-                <a:ext uri="{FF2B5EF4-FFF2-40B4-BE49-F238E27FC236}">
-                  <a16:creationId xmlns:a16="http://schemas.microsoft.com/office/drawing/2014/main" id="{F03DCFB5-CE5B-42BE-9CB9-35E1C3F7539B}"/>
-                </a:ext>
-              </a:extLst>
-            </p:cNvPr>
-            <p:cNvSpPr txBox="1"/>
-            <p:nvPr/>
-          </p:nvSpPr>
-          <p:spPr>
-            <a:xfrm rot="2569911">
-              <a:off x="2571118" y="4064150"/>
-              <a:ext cx="1190932" cy="369332"/>
-            </a:xfrm>
-            <a:prstGeom prst="rect">
-              <a:avLst/>
-            </a:prstGeom>
-            <a:noFill/>
-          </p:spPr>
-          <p:txBody>
-            <a:bodyPr wrap="square" rtlCol="1">
-              <a:spAutoFit/>
-            </a:bodyPr>
-            <a:lstStyle/>
-            <a:p>
-              <a:r>
-                <a:rPr lang="en-US" b="1" dirty="0"/>
-                <a:t>Time</a:t>
-              </a:r>
-              <a:endParaRPr lang="he-IL" b="1" dirty="0"/>
-            </a:p>
-          </p:txBody>
-        </p:sp>
-      </p:grpSp>
-      <p:sp>
-        <p:nvSpPr>
-          <p:cNvPr id="105" name="TextBox 104">
-            <a:extLst>
-              <a:ext uri="{FF2B5EF4-FFF2-40B4-BE49-F238E27FC236}">
-                <a16:creationId xmlns:a16="http://schemas.microsoft.com/office/drawing/2014/main" id="{18430AD1-15DD-4C13-AE38-DF9C97CF7844}"/>
-              </a:ext>
-            </a:extLst>
-          </p:cNvPr>
-          <p:cNvSpPr txBox="1"/>
-          <p:nvPr/>
-        </p:nvSpPr>
-        <p:spPr>
-          <a:xfrm>
-            <a:off x="1788674" y="1324794"/>
-            <a:ext cx="1679951" cy="369332"/>
-          </a:xfrm>
-          <a:prstGeom prst="rect">
-            <a:avLst/>
-          </a:prstGeom>
-          <a:noFill/>
-        </p:spPr>
-        <p:txBody>
-          <a:bodyPr wrap="square" rtlCol="1">
-            <a:spAutoFit/>
-          </a:bodyPr>
-          <a:lstStyle/>
-          <a:p>
-            <a:r>
-              <a:rPr lang="en-US" dirty="0"/>
-              <a:t>Mask   270ms</a:t>
-            </a:r>
-            <a:endParaRPr lang="he-IL" dirty="0"/>
-          </a:p>
-        </p:txBody>
-      </p:sp>
-      <p:sp>
-        <p:nvSpPr>
-          <p:cNvPr id="106" name="TextBox 105">
-            <a:extLst>
-              <a:ext uri="{FF2B5EF4-FFF2-40B4-BE49-F238E27FC236}">
-                <a16:creationId xmlns:a16="http://schemas.microsoft.com/office/drawing/2014/main" id="{37EB446E-998E-4933-983B-CDB4B9CEECAA}"/>
-              </a:ext>
-            </a:extLst>
-          </p:cNvPr>
-          <p:cNvSpPr txBox="1"/>
-          <p:nvPr/>
-        </p:nvSpPr>
-        <p:spPr>
-          <a:xfrm>
-            <a:off x="2838036" y="1978381"/>
-            <a:ext cx="1489165" cy="369332"/>
-          </a:xfrm>
-          <a:prstGeom prst="rect">
-            <a:avLst/>
-          </a:prstGeom>
-          <a:noFill/>
-        </p:spPr>
-        <p:txBody>
-          <a:bodyPr wrap="square" rtlCol="1">
-            <a:spAutoFit/>
-          </a:bodyPr>
-          <a:lstStyle/>
-          <a:p>
-            <a:r>
-              <a:rPr lang="en-US" dirty="0"/>
-              <a:t>Mask   30ms</a:t>
-            </a:r>
-            <a:endParaRPr lang="he-IL" dirty="0"/>
-          </a:p>
-        </p:txBody>
-      </p:sp>
-      <p:sp>
-        <p:nvSpPr>
-          <p:cNvPr id="107" name="TextBox 106">
-            <a:extLst>
-              <a:ext uri="{FF2B5EF4-FFF2-40B4-BE49-F238E27FC236}">
-                <a16:creationId xmlns:a16="http://schemas.microsoft.com/office/drawing/2014/main" id="{47C23824-464D-4C07-819F-3F9BA1297E0C}"/>
-              </a:ext>
-            </a:extLst>
-          </p:cNvPr>
-          <p:cNvSpPr txBox="1"/>
-          <p:nvPr/>
-        </p:nvSpPr>
-        <p:spPr>
-          <a:xfrm>
-            <a:off x="3549694" y="2631968"/>
-            <a:ext cx="1568045" cy="369332"/>
-          </a:xfrm>
-          <a:prstGeom prst="rect">
-            <a:avLst/>
-          </a:prstGeom>
-          <a:noFill/>
-        </p:spPr>
-        <p:txBody>
-          <a:bodyPr wrap="square" rtlCol="1">
-            <a:spAutoFit/>
-          </a:bodyPr>
-          <a:lstStyle/>
-          <a:p>
-            <a:r>
-              <a:rPr lang="en-US" dirty="0"/>
-              <a:t>Prime   30ms</a:t>
-            </a:r>
-            <a:endParaRPr lang="he-IL" dirty="0"/>
-          </a:p>
-        </p:txBody>
-      </p:sp>
-      <p:sp>
-        <p:nvSpPr>
-          <p:cNvPr id="108" name="TextBox 107">
-            <a:extLst>
-              <a:ext uri="{FF2B5EF4-FFF2-40B4-BE49-F238E27FC236}">
-                <a16:creationId xmlns:a16="http://schemas.microsoft.com/office/drawing/2014/main" id="{603A9AB7-8372-4F0C-A1F5-CA8F14C7D17B}"/>
-              </a:ext>
-            </a:extLst>
-          </p:cNvPr>
-          <p:cNvSpPr txBox="1"/>
-          <p:nvPr/>
-        </p:nvSpPr>
-        <p:spPr>
-          <a:xfrm>
-            <a:off x="4519787" y="3315471"/>
-            <a:ext cx="1517211" cy="369332"/>
-          </a:xfrm>
-          <a:prstGeom prst="rect">
-            <a:avLst/>
-          </a:prstGeom>
-          <a:noFill/>
-        </p:spPr>
-        <p:txBody>
-          <a:bodyPr wrap="square" rtlCol="1">
-            <a:spAutoFit/>
-          </a:bodyPr>
-          <a:lstStyle/>
-          <a:p>
-            <a:r>
-              <a:rPr lang="en-US" dirty="0"/>
-              <a:t>Mask   30ms</a:t>
-            </a:r>
-            <a:endParaRPr lang="he-IL" dirty="0"/>
-          </a:p>
-        </p:txBody>
-      </p:sp>
-      <p:sp>
-        <p:nvSpPr>
-          <p:cNvPr id="109" name="TextBox 108">
-            <a:extLst>
-              <a:ext uri="{FF2B5EF4-FFF2-40B4-BE49-F238E27FC236}">
-                <a16:creationId xmlns:a16="http://schemas.microsoft.com/office/drawing/2014/main" id="{159CFCC0-EA39-43D3-B89E-88D6EAB879A6}"/>
-              </a:ext>
-            </a:extLst>
-          </p:cNvPr>
-          <p:cNvSpPr txBox="1"/>
-          <p:nvPr/>
-        </p:nvSpPr>
-        <p:spPr>
-          <a:xfrm>
-            <a:off x="3673562" y="3983912"/>
-            <a:ext cx="3059898" cy="369332"/>
-          </a:xfrm>
-          <a:prstGeom prst="rect">
-            <a:avLst/>
-          </a:prstGeom>
-          <a:noFill/>
-        </p:spPr>
-        <p:txBody>
-          <a:bodyPr wrap="square" rtlCol="1">
-            <a:spAutoFit/>
-          </a:bodyPr>
-          <a:lstStyle/>
-          <a:p>
-            <a:r>
-              <a:rPr lang="en-US" dirty="0"/>
-              <a:t>Target + Categorization  500ms</a:t>
-            </a:r>
-            <a:endParaRPr lang="he-IL" dirty="0"/>
-          </a:p>
-        </p:txBody>
-      </p:sp>
-      <p:sp>
-        <p:nvSpPr>
-          <p:cNvPr id="131" name="TextBox 130">
-            <a:extLst>
-              <a:ext uri="{FF2B5EF4-FFF2-40B4-BE49-F238E27FC236}">
-                <a16:creationId xmlns:a16="http://schemas.microsoft.com/office/drawing/2014/main" id="{3187A327-B2B9-46C7-B590-0666588609F9}"/>
-              </a:ext>
-            </a:extLst>
-          </p:cNvPr>
-          <p:cNvSpPr txBox="1"/>
-          <p:nvPr/>
-        </p:nvSpPr>
-        <p:spPr>
-          <a:xfrm>
-            <a:off x="471055" y="584221"/>
-            <a:ext cx="2017842" cy="369332"/>
-          </a:xfrm>
-          <a:prstGeom prst="rect">
-            <a:avLst/>
-          </a:prstGeom>
-          <a:noFill/>
-        </p:spPr>
-        <p:txBody>
-          <a:bodyPr wrap="square" rtlCol="1">
-            <a:spAutoFit/>
-          </a:bodyPr>
-          <a:lstStyle/>
-          <a:p>
-            <a:r>
-              <a:rPr lang="en-US" dirty="0"/>
-              <a:t>Fixation   1000ms</a:t>
-            </a:r>
-            <a:endParaRPr lang="he-IL" dirty="0"/>
-          </a:p>
-        </p:txBody>
-      </p:sp>
-      <p:sp>
-        <p:nvSpPr>
-          <p:cNvPr id="133" name="TextBox 132">
-            <a:extLst>
-              <a:ext uri="{FF2B5EF4-FFF2-40B4-BE49-F238E27FC236}">
-                <a16:creationId xmlns:a16="http://schemas.microsoft.com/office/drawing/2014/main" id="{3921EB6B-9381-4EEA-90D2-A1998FC14349}"/>
-              </a:ext>
-            </a:extLst>
-          </p:cNvPr>
-          <p:cNvSpPr txBox="1"/>
-          <p:nvPr/>
-        </p:nvSpPr>
-        <p:spPr>
-          <a:xfrm>
-            <a:off x="6042614" y="4727832"/>
-            <a:ext cx="1576390" cy="369332"/>
-          </a:xfrm>
-          <a:prstGeom prst="rect">
-            <a:avLst/>
-          </a:prstGeom>
-          <a:noFill/>
-        </p:spPr>
-        <p:txBody>
-          <a:bodyPr wrap="square" rtlCol="1">
-            <a:spAutoFit/>
-          </a:bodyPr>
-          <a:lstStyle/>
-          <a:p>
-            <a:r>
-              <a:rPr lang="en-US" dirty="0"/>
-              <a:t>Recognition</a:t>
-            </a:r>
-            <a:endParaRPr lang="he-IL" dirty="0"/>
-          </a:p>
-        </p:txBody>
-      </p:sp>
-      <p:sp>
-        <p:nvSpPr>
-          <p:cNvPr id="134" name="TextBox 133">
-            <a:extLst>
-              <a:ext uri="{FF2B5EF4-FFF2-40B4-BE49-F238E27FC236}">
-                <a16:creationId xmlns:a16="http://schemas.microsoft.com/office/drawing/2014/main" id="{C87D6AEC-4FAE-4A5E-BAE7-5A259C39B038}"/>
-              </a:ext>
-            </a:extLst>
-          </p:cNvPr>
-          <p:cNvSpPr txBox="1"/>
-          <p:nvPr/>
-        </p:nvSpPr>
-        <p:spPr>
-          <a:xfrm>
-            <a:off x="7440113" y="5497582"/>
-            <a:ext cx="690818" cy="369332"/>
-          </a:xfrm>
-          <a:prstGeom prst="rect">
-            <a:avLst/>
-          </a:prstGeom>
-          <a:noFill/>
-        </p:spPr>
-        <p:txBody>
-          <a:bodyPr wrap="square" rtlCol="1">
-            <a:spAutoFit/>
-          </a:bodyPr>
-          <a:lstStyle/>
-          <a:p>
-            <a:r>
-              <a:rPr lang="en-US" dirty="0"/>
-              <a:t>PAS</a:t>
-            </a:r>
-            <a:endParaRPr lang="he-IL" dirty="0"/>
-          </a:p>
-        </p:txBody>
-      </p:sp>
-      <p:sp>
-        <p:nvSpPr>
-          <p:cNvPr id="102" name="TextBox 101">
-            <a:extLst>
-              <a:ext uri="{FF2B5EF4-FFF2-40B4-BE49-F238E27FC236}">
-                <a16:creationId xmlns:a16="http://schemas.microsoft.com/office/drawing/2014/main" id="{9EA63DD7-81D5-4617-88AF-36498FEEEC8D}"/>
-              </a:ext>
-            </a:extLst>
-          </p:cNvPr>
-          <p:cNvSpPr txBox="1"/>
-          <p:nvPr/>
-        </p:nvSpPr>
-        <p:spPr>
-          <a:xfrm>
-            <a:off x="6456218" y="307222"/>
-            <a:ext cx="4527467" cy="369332"/>
-          </a:xfrm>
-          <a:prstGeom prst="rect">
-            <a:avLst/>
-          </a:prstGeom>
-          <a:noFill/>
-        </p:spPr>
-        <p:txBody>
-          <a:bodyPr wrap="square" rtlCol="1">
-            <a:spAutoFit/>
-          </a:bodyPr>
-          <a:lstStyle/>
-          <a:p>
-            <a:r>
-              <a:rPr lang="en-US" b="1" dirty="0"/>
-              <a:t>Prime-target relation: </a:t>
-            </a:r>
-            <a:r>
-              <a:rPr lang="en-US" dirty="0"/>
-              <a:t>Different word</a:t>
-            </a:r>
-          </a:p>
-        </p:txBody>
-      </p:sp>
-      <p:grpSp>
-        <p:nvGrpSpPr>
-          <p:cNvPr id="19" name="Group 18">
-            <a:extLst>
-              <a:ext uri="{FF2B5EF4-FFF2-40B4-BE49-F238E27FC236}">
-                <a16:creationId xmlns:a16="http://schemas.microsoft.com/office/drawing/2014/main" id="{0B8A248D-4087-4618-8261-0B6FBC19E735}"/>
-              </a:ext>
-            </a:extLst>
-          </p:cNvPr>
-          <p:cNvGrpSpPr/>
-          <p:nvPr/>
-        </p:nvGrpSpPr>
-        <p:grpSpPr>
-          <a:xfrm>
-            <a:off x="2429336" y="-1646"/>
-            <a:ext cx="2706872" cy="1192122"/>
-            <a:chOff x="2429336" y="-1646"/>
-            <a:chExt cx="2706872" cy="1192122"/>
-          </a:xfrm>
-        </p:grpSpPr>
-        <p:grpSp>
-          <p:nvGrpSpPr>
-            <p:cNvPr id="11" name="Group 10">
-              <a:extLst>
-                <a:ext uri="{FF2B5EF4-FFF2-40B4-BE49-F238E27FC236}">
-                  <a16:creationId xmlns:a16="http://schemas.microsoft.com/office/drawing/2014/main" id="{7496C031-11D2-4C9C-91FC-63527B1A7B48}"/>
-                </a:ext>
-              </a:extLst>
-            </p:cNvPr>
-            <p:cNvGrpSpPr/>
-            <p:nvPr/>
-          </p:nvGrpSpPr>
-          <p:grpSpPr>
-            <a:xfrm>
-              <a:off x="2543361" y="8221"/>
-              <a:ext cx="2290619" cy="1182255"/>
-              <a:chOff x="7075587" y="1548348"/>
-              <a:chExt cx="2290619" cy="1182255"/>
-            </a:xfrm>
-          </p:grpSpPr>
-          <p:sp>
-            <p:nvSpPr>
-              <p:cNvPr id="110" name="Rectangle: Rounded Corners 109">
-                <a:extLst>
-                  <a:ext uri="{FF2B5EF4-FFF2-40B4-BE49-F238E27FC236}">
-                    <a16:creationId xmlns:a16="http://schemas.microsoft.com/office/drawing/2014/main" id="{1D1CC551-9147-4317-86CF-F341AC25F5DE}"/>
-                  </a:ext>
-                </a:extLst>
-              </p:cNvPr>
-              <p:cNvSpPr/>
-              <p:nvPr/>
-            </p:nvSpPr>
-            <p:spPr>
-              <a:xfrm>
-                <a:off x="7075587" y="1548348"/>
-                <a:ext cx="2290619" cy="1182255"/>
-              </a:xfrm>
-              <a:prstGeom prst="roundRect">
-                <a:avLst/>
-              </a:prstGeom>
-              <a:solidFill>
-                <a:schemeClr val="bg1"/>
-              </a:solidFill>
-              <a:ln w="28575">
-                <a:solidFill>
-                  <a:schemeClr val="tx1"/>
-                </a:solidFill>
-              </a:ln>
-            </p:spPr>
-            <p:style>
-              <a:lnRef idx="2">
-                <a:schemeClr val="accent1">
-                  <a:shade val="50000"/>
-                </a:schemeClr>
-              </a:lnRef>
-              <a:fillRef idx="1">
-                <a:schemeClr val="accent1"/>
-              </a:fillRef>
-              <a:effectRef idx="0">
-                <a:schemeClr val="accent1"/>
-              </a:effectRef>
-              <a:fontRef idx="minor">
-                <a:schemeClr val="lt1"/>
-              </a:fontRef>
-            </p:style>
-            <p:txBody>
-              <a:bodyPr rtlCol="1" anchor="ctr"/>
-              <a:lstStyle/>
-              <a:p>
-                <a:pPr algn="ctr"/>
-                <a:endParaRPr lang="he-IL" dirty="0"/>
-              </a:p>
-            </p:txBody>
-          </p:sp>
-          <p:grpSp>
-            <p:nvGrpSpPr>
-              <p:cNvPr id="10" name="Group 9">
-                <a:extLst>
-                  <a:ext uri="{FF2B5EF4-FFF2-40B4-BE49-F238E27FC236}">
-                    <a16:creationId xmlns:a16="http://schemas.microsoft.com/office/drawing/2014/main" id="{3982F76A-E2A8-47E0-9936-EB7B6E9D3B9A}"/>
-                  </a:ext>
-                </a:extLst>
-              </p:cNvPr>
-              <p:cNvGrpSpPr/>
-              <p:nvPr/>
-            </p:nvGrpSpPr>
-            <p:grpSpPr>
-              <a:xfrm>
-                <a:off x="8081920" y="2028825"/>
-                <a:ext cx="238785" cy="238785"/>
-                <a:chOff x="8081920" y="2028825"/>
-                <a:chExt cx="238785" cy="238785"/>
-              </a:xfrm>
-            </p:grpSpPr>
-            <p:cxnSp>
-              <p:nvCxnSpPr>
-                <p:cNvPr id="8" name="Straight Connector 7">
-                  <a:extLst>
-                    <a:ext uri="{FF2B5EF4-FFF2-40B4-BE49-F238E27FC236}">
-                      <a16:creationId xmlns:a16="http://schemas.microsoft.com/office/drawing/2014/main" id="{329C8DE8-9EFA-4987-9956-FAD88815EC0E}"/>
-                    </a:ext>
-                  </a:extLst>
-                </p:cNvPr>
-                <p:cNvCxnSpPr/>
-                <p:nvPr/>
-              </p:nvCxnSpPr>
-              <p:spPr>
-                <a:xfrm>
-                  <a:off x="8205788" y="2028825"/>
-                  <a:ext cx="0" cy="238785"/>
-                </a:xfrm>
-                <a:prstGeom prst="line">
-                  <a:avLst/>
-                </a:prstGeom>
-                <a:ln w="38100">
-                  <a:solidFill>
-                    <a:schemeClr val="tx1"/>
-                  </a:solidFill>
-                </a:ln>
-              </p:spPr>
-              <p:style>
-                <a:lnRef idx="1">
-                  <a:schemeClr val="accent1"/>
-                </a:lnRef>
-                <a:fillRef idx="0">
-                  <a:schemeClr val="accent1"/>
-                </a:fillRef>
-                <a:effectRef idx="0">
-                  <a:schemeClr val="accent1"/>
-                </a:effectRef>
-                <a:fontRef idx="minor">
-                  <a:schemeClr val="tx1"/>
-                </a:fontRef>
-              </p:style>
-            </p:cxnSp>
-            <p:cxnSp>
-              <p:nvCxnSpPr>
-                <p:cNvPr id="130" name="Straight Connector 129">
-                  <a:extLst>
-                    <a:ext uri="{FF2B5EF4-FFF2-40B4-BE49-F238E27FC236}">
-                      <a16:creationId xmlns:a16="http://schemas.microsoft.com/office/drawing/2014/main" id="{1AAE2DBA-36FF-4DF6-BFCA-1A405E72E2A7}"/>
-                    </a:ext>
-                  </a:extLst>
-                </p:cNvPr>
-                <p:cNvCxnSpPr>
-                  <a:cxnSpLocks/>
-                </p:cNvCxnSpPr>
-                <p:nvPr/>
-              </p:nvCxnSpPr>
-              <p:spPr>
-                <a:xfrm rot="5400000">
-                  <a:off x="8201313" y="2034417"/>
-                  <a:ext cx="0" cy="238785"/>
-                </a:xfrm>
-                <a:prstGeom prst="line">
-                  <a:avLst/>
-                </a:prstGeom>
-                <a:ln w="38100">
-                  <a:solidFill>
-                    <a:schemeClr val="tx1"/>
-                  </a:solidFill>
-                </a:ln>
-              </p:spPr>
-              <p:style>
-                <a:lnRef idx="1">
-                  <a:schemeClr val="accent1"/>
-                </a:lnRef>
-                <a:fillRef idx="0">
-                  <a:schemeClr val="accent1"/>
-                </a:fillRef>
-                <a:effectRef idx="0">
-                  <a:schemeClr val="accent1"/>
-                </a:effectRef>
-                <a:fontRef idx="minor">
-                  <a:schemeClr val="tx1"/>
-                </a:fontRef>
-              </p:style>
-            </p:cxnSp>
-          </p:grpSp>
-        </p:grpSp>
-        <p:grpSp>
-          <p:nvGrpSpPr>
-            <p:cNvPr id="18" name="Group 17">
-              <a:extLst>
-                <a:ext uri="{FF2B5EF4-FFF2-40B4-BE49-F238E27FC236}">
-                  <a16:creationId xmlns:a16="http://schemas.microsoft.com/office/drawing/2014/main" id="{36028EB7-8E10-467A-8266-80A3A445F462}"/>
-                </a:ext>
-              </a:extLst>
-            </p:cNvPr>
-            <p:cNvGrpSpPr/>
-            <p:nvPr/>
-          </p:nvGrpSpPr>
-          <p:grpSpPr>
-            <a:xfrm>
-              <a:off x="2429336" y="-1646"/>
-              <a:ext cx="2706872" cy="735455"/>
-              <a:chOff x="8520734" y="811626"/>
-              <a:chExt cx="2706872" cy="735455"/>
-            </a:xfrm>
-          </p:grpSpPr>
-          <p:sp>
-            <p:nvSpPr>
-              <p:cNvPr id="122" name="TextBox 121">
-                <a:extLst>
-                  <a:ext uri="{FF2B5EF4-FFF2-40B4-BE49-F238E27FC236}">
-                    <a16:creationId xmlns:a16="http://schemas.microsoft.com/office/drawing/2014/main" id="{99DA4895-BD0C-4CB0-A0F1-4CD551EC595C}"/>
-                  </a:ext>
-                </a:extLst>
-              </p:cNvPr>
-              <p:cNvSpPr txBox="1"/>
-              <p:nvPr/>
-            </p:nvSpPr>
-            <p:spPr>
-              <a:xfrm>
-                <a:off x="8520734" y="811626"/>
-                <a:ext cx="2706872" cy="307777"/>
-              </a:xfrm>
-              <a:prstGeom prst="rect">
-                <a:avLst/>
-              </a:prstGeom>
-              <a:noFill/>
-            </p:spPr>
-            <p:txBody>
-              <a:bodyPr wrap="square" rtlCol="1">
-                <a:spAutoFit/>
-              </a:bodyPr>
-              <a:lstStyle/>
-              <a:p>
-                <a:r>
-                  <a:rPr lang="en-US" sz="1400" dirty="0"/>
-                  <a:t>    </a:t>
-                </a:r>
-                <a:r>
-                  <a:rPr lang="en-US" sz="1400" dirty="0" err="1"/>
-                  <a:t>Artficial</a:t>
-                </a:r>
-                <a:r>
-                  <a:rPr lang="en-US" sz="1400" dirty="0"/>
-                  <a:t>                      Natural</a:t>
-                </a:r>
-                <a:endParaRPr lang="he-IL" sz="1400" dirty="0"/>
-              </a:p>
-            </p:txBody>
-          </p:sp>
-          <p:sp>
-            <p:nvSpPr>
-              <p:cNvPr id="123" name="Oval 122">
-                <a:extLst>
-                  <a:ext uri="{FF2B5EF4-FFF2-40B4-BE49-F238E27FC236}">
-                    <a16:creationId xmlns:a16="http://schemas.microsoft.com/office/drawing/2014/main" id="{2305E552-3AAE-49DC-AF9A-3359FEC70841}"/>
-                  </a:ext>
-                </a:extLst>
-              </p:cNvPr>
-              <p:cNvSpPr/>
-              <p:nvPr/>
-            </p:nvSpPr>
-            <p:spPr>
-              <a:xfrm>
-                <a:off x="10415935" y="1363531"/>
-                <a:ext cx="180871" cy="183550"/>
-              </a:xfrm>
-              <a:prstGeom prst="ellipse">
-                <a:avLst/>
-              </a:prstGeom>
-              <a:noFill/>
-              <a:ln w="57150">
-                <a:solidFill>
-                  <a:schemeClr val="accent5">
-                    <a:lumMod val="60000"/>
-                    <a:lumOff val="40000"/>
-                  </a:schemeClr>
-                </a:solidFill>
-              </a:ln>
-            </p:spPr>
-            <p:style>
-              <a:lnRef idx="2">
-                <a:schemeClr val="accent1">
-                  <a:shade val="50000"/>
-                </a:schemeClr>
-              </a:lnRef>
-              <a:fillRef idx="1">
-                <a:schemeClr val="accent1"/>
-              </a:fillRef>
-              <a:effectRef idx="0">
-                <a:schemeClr val="accent1"/>
-              </a:effectRef>
-              <a:fontRef idx="minor">
-                <a:schemeClr val="lt1"/>
-              </a:fontRef>
-            </p:style>
-            <p:txBody>
-              <a:bodyPr rtlCol="1" anchor="ctr"/>
-              <a:lstStyle/>
-              <a:p>
-                <a:pPr algn="ctr"/>
-                <a:endParaRPr lang="he-IL"/>
-              </a:p>
-            </p:txBody>
-          </p:sp>
-          <p:sp>
-            <p:nvSpPr>
-              <p:cNvPr id="124" name="Oval 123">
-                <a:extLst>
-                  <a:ext uri="{FF2B5EF4-FFF2-40B4-BE49-F238E27FC236}">
-                    <a16:creationId xmlns:a16="http://schemas.microsoft.com/office/drawing/2014/main" id="{7A09B025-F446-409E-BA1B-90D36E2BD944}"/>
-                  </a:ext>
-                </a:extLst>
-              </p:cNvPr>
-              <p:cNvSpPr/>
-              <p:nvPr/>
-            </p:nvSpPr>
-            <p:spPr>
-              <a:xfrm>
-                <a:off x="8922127" y="1363531"/>
-                <a:ext cx="180871" cy="183550"/>
-              </a:xfrm>
-              <a:prstGeom prst="ellipse">
-                <a:avLst/>
-              </a:prstGeom>
-              <a:noFill/>
-              <a:ln w="57150">
-                <a:solidFill>
-                  <a:schemeClr val="accent5">
-                    <a:lumMod val="60000"/>
-                    <a:lumOff val="40000"/>
-                  </a:schemeClr>
-                </a:solidFill>
-              </a:ln>
-            </p:spPr>
-            <p:style>
-              <a:lnRef idx="2">
-                <a:schemeClr val="accent1">
-                  <a:shade val="50000"/>
-                </a:schemeClr>
-              </a:lnRef>
-              <a:fillRef idx="1">
-                <a:schemeClr val="accent1"/>
-              </a:fillRef>
-              <a:effectRef idx="0">
-                <a:schemeClr val="accent1"/>
-              </a:effectRef>
-              <a:fontRef idx="minor">
-                <a:schemeClr val="lt1"/>
-              </a:fontRef>
-            </p:style>
-            <p:txBody>
-              <a:bodyPr rtlCol="1" anchor="ctr"/>
-              <a:lstStyle/>
-              <a:p>
-                <a:pPr algn="ctr"/>
-                <a:endParaRPr lang="he-IL"/>
-              </a:p>
-            </p:txBody>
-          </p:sp>
-        </p:grpSp>
-      </p:grpSp>
-      <p:grpSp>
-        <p:nvGrpSpPr>
-          <p:cNvPr id="23" name="Group 22">
-            <a:extLst>
-              <a:ext uri="{FF2B5EF4-FFF2-40B4-BE49-F238E27FC236}">
-                <a16:creationId xmlns:a16="http://schemas.microsoft.com/office/drawing/2014/main" id="{B7F13E07-1873-4084-8782-FC38F3DAEF5A}"/>
-              </a:ext>
-            </a:extLst>
-          </p:cNvPr>
-          <p:cNvGrpSpPr/>
-          <p:nvPr/>
-        </p:nvGrpSpPr>
-        <p:grpSpPr>
-          <a:xfrm>
-            <a:off x="3365560" y="672400"/>
-            <a:ext cx="2706872" cy="1182255"/>
-            <a:chOff x="3365560" y="672400"/>
-            <a:chExt cx="2706872" cy="1182255"/>
-          </a:xfrm>
-        </p:grpSpPr>
-        <p:grpSp>
-          <p:nvGrpSpPr>
-            <p:cNvPr id="44" name="Group 43">
-              <a:extLst>
-                <a:ext uri="{FF2B5EF4-FFF2-40B4-BE49-F238E27FC236}">
-                  <a16:creationId xmlns:a16="http://schemas.microsoft.com/office/drawing/2014/main" id="{3AF95988-D8FC-4B58-B8BC-9B0E4AF018F0}"/>
-                </a:ext>
-              </a:extLst>
-            </p:cNvPr>
-            <p:cNvGrpSpPr/>
-            <p:nvPr/>
-          </p:nvGrpSpPr>
-          <p:grpSpPr>
-            <a:xfrm>
-              <a:off x="3434279" y="672400"/>
-              <a:ext cx="2290619" cy="1182255"/>
-              <a:chOff x="1487053" y="2456872"/>
-              <a:chExt cx="2290619" cy="1182255"/>
-            </a:xfrm>
-          </p:grpSpPr>
-          <p:sp>
-            <p:nvSpPr>
-              <p:cNvPr id="16" name="Rectangle: Rounded Corners 15">
-                <a:extLst>
-                  <a:ext uri="{FF2B5EF4-FFF2-40B4-BE49-F238E27FC236}">
-                    <a16:creationId xmlns:a16="http://schemas.microsoft.com/office/drawing/2014/main" id="{EE03A158-CBB5-431D-AF38-87047E6FB136}"/>
-                  </a:ext>
-                </a:extLst>
-              </p:cNvPr>
-              <p:cNvSpPr/>
-              <p:nvPr/>
-            </p:nvSpPr>
-            <p:spPr>
-              <a:xfrm>
-                <a:off x="1487053" y="2456872"/>
-                <a:ext cx="2290619" cy="1182255"/>
-              </a:xfrm>
-              <a:prstGeom prst="roundRect">
-                <a:avLst/>
-              </a:prstGeom>
-              <a:solidFill>
-                <a:schemeClr val="bg1"/>
-              </a:solidFill>
-              <a:ln w="28575">
-                <a:solidFill>
-                  <a:schemeClr val="tx1"/>
-                </a:solidFill>
-              </a:ln>
-            </p:spPr>
-            <p:style>
-              <a:lnRef idx="2">
-                <a:schemeClr val="accent1">
-                  <a:shade val="50000"/>
-                </a:schemeClr>
-              </a:lnRef>
-              <a:fillRef idx="1">
-                <a:schemeClr val="accent1"/>
-              </a:fillRef>
-              <a:effectRef idx="0">
-                <a:schemeClr val="accent1"/>
-              </a:effectRef>
-              <a:fontRef idx="minor">
-                <a:schemeClr val="lt1"/>
-              </a:fontRef>
-            </p:style>
-            <p:txBody>
-              <a:bodyPr rtlCol="1" anchor="ctr"/>
-              <a:lstStyle/>
-              <a:p>
-                <a:pPr algn="ctr"/>
-                <a:endParaRPr lang="he-IL"/>
-              </a:p>
-            </p:txBody>
-          </p:sp>
-          <p:sp>
-            <p:nvSpPr>
-              <p:cNvPr id="20" name="Rectangle 19">
-                <a:extLst>
-                  <a:ext uri="{FF2B5EF4-FFF2-40B4-BE49-F238E27FC236}">
-                    <a16:creationId xmlns:a16="http://schemas.microsoft.com/office/drawing/2014/main" id="{A7300674-1D92-481E-9A18-D84EEDDAAF68}"/>
-                  </a:ext>
-                </a:extLst>
-              </p:cNvPr>
-              <p:cNvSpPr/>
-              <p:nvPr/>
-            </p:nvSpPr>
-            <p:spPr>
-              <a:xfrm>
-                <a:off x="1959700" y="2855911"/>
-                <a:ext cx="192088" cy="192088"/>
-              </a:xfrm>
-              <a:prstGeom prst="rect">
-                <a:avLst/>
-              </a:prstGeom>
-              <a:noFill/>
-              <a:ln w="28575">
-                <a:solidFill>
-                  <a:schemeClr val="tx1"/>
-                </a:solidFill>
-              </a:ln>
-            </p:spPr>
-            <p:style>
-              <a:lnRef idx="2">
-                <a:schemeClr val="accent1">
-                  <a:shade val="50000"/>
-                </a:schemeClr>
-              </a:lnRef>
-              <a:fillRef idx="1">
-                <a:schemeClr val="accent1"/>
-              </a:fillRef>
-              <a:effectRef idx="0">
-                <a:schemeClr val="accent1"/>
-              </a:effectRef>
-              <a:fontRef idx="minor">
-                <a:schemeClr val="lt1"/>
-              </a:fontRef>
-            </p:style>
-            <p:txBody>
-              <a:bodyPr rtlCol="1" anchor="ctr"/>
-              <a:lstStyle/>
-              <a:p>
-                <a:pPr algn="ctr"/>
-                <a:endParaRPr lang="he-IL"/>
-              </a:p>
-            </p:txBody>
-          </p:sp>
-          <p:sp>
-            <p:nvSpPr>
-              <p:cNvPr id="21" name="Rectangle 20">
-                <a:extLst>
-                  <a:ext uri="{FF2B5EF4-FFF2-40B4-BE49-F238E27FC236}">
-                    <a16:creationId xmlns:a16="http://schemas.microsoft.com/office/drawing/2014/main" id="{467CD0BA-4A75-4975-8ED2-BE4F2454023C}"/>
-                  </a:ext>
-                </a:extLst>
-              </p:cNvPr>
-              <p:cNvSpPr/>
-              <p:nvPr/>
-            </p:nvSpPr>
-            <p:spPr>
-              <a:xfrm>
-                <a:off x="2296250" y="2951955"/>
-                <a:ext cx="192088" cy="192088"/>
-              </a:xfrm>
-              <a:prstGeom prst="rect">
-                <a:avLst/>
-              </a:prstGeom>
-              <a:noFill/>
-              <a:ln w="28575">
-                <a:solidFill>
-                  <a:schemeClr val="tx1"/>
-                </a:solidFill>
-              </a:ln>
-            </p:spPr>
-            <p:style>
-              <a:lnRef idx="2">
-                <a:schemeClr val="accent1">
-                  <a:shade val="50000"/>
-                </a:schemeClr>
-              </a:lnRef>
-              <a:fillRef idx="1">
-                <a:schemeClr val="accent1"/>
-              </a:fillRef>
-              <a:effectRef idx="0">
-                <a:schemeClr val="accent1"/>
-              </a:effectRef>
-              <a:fontRef idx="minor">
-                <a:schemeClr val="lt1"/>
-              </a:fontRef>
-            </p:style>
-            <p:txBody>
-              <a:bodyPr rtlCol="1" anchor="ctr"/>
-              <a:lstStyle/>
-              <a:p>
-                <a:pPr algn="ctr"/>
-                <a:endParaRPr lang="he-IL"/>
-              </a:p>
-            </p:txBody>
-          </p:sp>
-          <p:sp>
-            <p:nvSpPr>
-              <p:cNvPr id="22" name="Rectangle 21">
-                <a:extLst>
-                  <a:ext uri="{FF2B5EF4-FFF2-40B4-BE49-F238E27FC236}">
-                    <a16:creationId xmlns:a16="http://schemas.microsoft.com/office/drawing/2014/main" id="{29CAABD7-0362-4028-8F19-193AB43EC79A}"/>
-                  </a:ext>
-                </a:extLst>
-              </p:cNvPr>
-              <p:cNvSpPr/>
-              <p:nvPr/>
-            </p:nvSpPr>
-            <p:spPr>
-              <a:xfrm>
-                <a:off x="2604367" y="2818605"/>
-                <a:ext cx="192088" cy="192088"/>
-              </a:xfrm>
-              <a:prstGeom prst="rect">
-                <a:avLst/>
-              </a:prstGeom>
-              <a:noFill/>
-              <a:ln w="28575">
-                <a:solidFill>
-                  <a:schemeClr val="tx1"/>
-                </a:solidFill>
-              </a:ln>
-            </p:spPr>
-            <p:style>
-              <a:lnRef idx="2">
-                <a:schemeClr val="accent1">
-                  <a:shade val="50000"/>
-                </a:schemeClr>
-              </a:lnRef>
-              <a:fillRef idx="1">
-                <a:schemeClr val="accent1"/>
-              </a:fillRef>
-              <a:effectRef idx="0">
-                <a:schemeClr val="accent1"/>
-              </a:effectRef>
-              <a:fontRef idx="minor">
-                <a:schemeClr val="lt1"/>
-              </a:fontRef>
-            </p:style>
-            <p:txBody>
-              <a:bodyPr rtlCol="1" anchor="ctr"/>
-              <a:lstStyle/>
-              <a:p>
-                <a:pPr algn="ctr"/>
-                <a:endParaRPr lang="he-IL"/>
-              </a:p>
-            </p:txBody>
-          </p:sp>
-          <p:sp>
-            <p:nvSpPr>
-              <p:cNvPr id="24" name="Rectangle 23">
-                <a:extLst>
-                  <a:ext uri="{FF2B5EF4-FFF2-40B4-BE49-F238E27FC236}">
-                    <a16:creationId xmlns:a16="http://schemas.microsoft.com/office/drawing/2014/main" id="{6835791F-56FD-4298-80B5-A88C4370A92A}"/>
-                  </a:ext>
-                </a:extLst>
-              </p:cNvPr>
-              <p:cNvSpPr/>
-              <p:nvPr/>
-            </p:nvSpPr>
-            <p:spPr>
-              <a:xfrm>
-                <a:off x="2546352" y="2977355"/>
-                <a:ext cx="192088" cy="192088"/>
-              </a:xfrm>
-              <a:prstGeom prst="rect">
-                <a:avLst/>
-              </a:prstGeom>
-              <a:noFill/>
-              <a:ln w="28575">
-                <a:solidFill>
-                  <a:schemeClr val="tx1"/>
-                </a:solidFill>
-              </a:ln>
-            </p:spPr>
-            <p:style>
-              <a:lnRef idx="2">
-                <a:schemeClr val="accent1">
-                  <a:shade val="50000"/>
-                </a:schemeClr>
-              </a:lnRef>
-              <a:fillRef idx="1">
-                <a:schemeClr val="accent1"/>
-              </a:fillRef>
-              <a:effectRef idx="0">
-                <a:schemeClr val="accent1"/>
-              </a:effectRef>
-              <a:fontRef idx="minor">
-                <a:schemeClr val="lt1"/>
-              </a:fontRef>
-            </p:style>
-            <p:txBody>
-              <a:bodyPr rtlCol="1" anchor="ctr"/>
-              <a:lstStyle/>
-              <a:p>
-                <a:pPr algn="ctr"/>
-                <a:endParaRPr lang="he-IL"/>
-              </a:p>
-            </p:txBody>
-          </p:sp>
-          <p:sp>
-            <p:nvSpPr>
-              <p:cNvPr id="25" name="Rectangle 24">
-                <a:extLst>
-                  <a:ext uri="{FF2B5EF4-FFF2-40B4-BE49-F238E27FC236}">
-                    <a16:creationId xmlns:a16="http://schemas.microsoft.com/office/drawing/2014/main" id="{3F4DC10A-3C74-4635-ABEA-EFBD82C760CF}"/>
-                  </a:ext>
-                </a:extLst>
-              </p:cNvPr>
-              <p:cNvSpPr/>
-              <p:nvPr/>
-            </p:nvSpPr>
-            <p:spPr>
-              <a:xfrm>
-                <a:off x="2903975" y="3047999"/>
-                <a:ext cx="192088" cy="192088"/>
-              </a:xfrm>
-              <a:prstGeom prst="rect">
-                <a:avLst/>
-              </a:prstGeom>
-              <a:noFill/>
-              <a:ln w="28575">
-                <a:solidFill>
-                  <a:schemeClr val="tx1"/>
-                </a:solidFill>
-              </a:ln>
-            </p:spPr>
-            <p:style>
-              <a:lnRef idx="2">
-                <a:schemeClr val="accent1">
-                  <a:shade val="50000"/>
-                </a:schemeClr>
-              </a:lnRef>
-              <a:fillRef idx="1">
-                <a:schemeClr val="accent1"/>
-              </a:fillRef>
-              <a:effectRef idx="0">
-                <a:schemeClr val="accent1"/>
-              </a:effectRef>
-              <a:fontRef idx="minor">
-                <a:schemeClr val="lt1"/>
-              </a:fontRef>
-            </p:style>
-            <p:txBody>
-              <a:bodyPr rtlCol="1" anchor="ctr"/>
-              <a:lstStyle/>
-              <a:p>
-                <a:pPr algn="ctr"/>
-                <a:endParaRPr lang="he-IL"/>
-              </a:p>
-            </p:txBody>
-          </p:sp>
-          <p:sp>
-            <p:nvSpPr>
-              <p:cNvPr id="26" name="Rectangle 25">
-                <a:extLst>
-                  <a:ext uri="{FF2B5EF4-FFF2-40B4-BE49-F238E27FC236}">
-                    <a16:creationId xmlns:a16="http://schemas.microsoft.com/office/drawing/2014/main" id="{09003908-B167-4419-B89E-7D1F674DAA7E}"/>
-                  </a:ext>
-                </a:extLst>
-              </p:cNvPr>
-              <p:cNvSpPr/>
-              <p:nvPr/>
-            </p:nvSpPr>
-            <p:spPr>
-              <a:xfrm>
-                <a:off x="2960985" y="2831304"/>
-                <a:ext cx="192088" cy="192088"/>
-              </a:xfrm>
-              <a:prstGeom prst="rect">
-                <a:avLst/>
-              </a:prstGeom>
-              <a:noFill/>
-              <a:ln w="28575">
-                <a:solidFill>
-                  <a:schemeClr val="tx1"/>
-                </a:solidFill>
-              </a:ln>
-            </p:spPr>
-            <p:style>
-              <a:lnRef idx="2">
-                <a:schemeClr val="accent1">
-                  <a:shade val="50000"/>
-                </a:schemeClr>
-              </a:lnRef>
-              <a:fillRef idx="1">
-                <a:schemeClr val="accent1"/>
-              </a:fillRef>
-              <a:effectRef idx="0">
-                <a:schemeClr val="accent1"/>
-              </a:effectRef>
-              <a:fontRef idx="minor">
-                <a:schemeClr val="lt1"/>
-              </a:fontRef>
-            </p:style>
-            <p:txBody>
-              <a:bodyPr rtlCol="1" anchor="ctr"/>
-              <a:lstStyle/>
-              <a:p>
-                <a:pPr algn="ctr"/>
-                <a:endParaRPr lang="he-IL"/>
-              </a:p>
-            </p:txBody>
-          </p:sp>
-          <p:sp>
-            <p:nvSpPr>
-              <p:cNvPr id="27" name="Rectangle 26">
-                <a:extLst>
-                  <a:ext uri="{FF2B5EF4-FFF2-40B4-BE49-F238E27FC236}">
-                    <a16:creationId xmlns:a16="http://schemas.microsoft.com/office/drawing/2014/main" id="{785E905F-EBBB-4319-9E34-5F2F624EEBB2}"/>
-                  </a:ext>
-                </a:extLst>
-              </p:cNvPr>
-              <p:cNvSpPr/>
-              <p:nvPr/>
-            </p:nvSpPr>
-            <p:spPr>
-              <a:xfrm>
-                <a:off x="1991746" y="3144043"/>
-                <a:ext cx="192088" cy="192088"/>
-              </a:xfrm>
-              <a:prstGeom prst="rect">
-                <a:avLst/>
-              </a:prstGeom>
-              <a:noFill/>
-              <a:ln w="28575">
-                <a:solidFill>
-                  <a:schemeClr val="tx1"/>
-                </a:solidFill>
-              </a:ln>
-            </p:spPr>
-            <p:style>
-              <a:lnRef idx="2">
-                <a:schemeClr val="accent1">
-                  <a:shade val="50000"/>
-                </a:schemeClr>
-              </a:lnRef>
-              <a:fillRef idx="1">
-                <a:schemeClr val="accent1"/>
-              </a:fillRef>
-              <a:effectRef idx="0">
-                <a:schemeClr val="accent1"/>
-              </a:effectRef>
-              <a:fontRef idx="minor">
-                <a:schemeClr val="lt1"/>
-              </a:fontRef>
-            </p:style>
-            <p:txBody>
-              <a:bodyPr rtlCol="1" anchor="ctr"/>
-              <a:lstStyle/>
-              <a:p>
-                <a:pPr algn="ctr"/>
-                <a:endParaRPr lang="he-IL"/>
-              </a:p>
-            </p:txBody>
-          </p:sp>
-          <p:sp>
-            <p:nvSpPr>
-              <p:cNvPr id="28" name="Rectangle 27">
-                <a:extLst>
-                  <a:ext uri="{FF2B5EF4-FFF2-40B4-BE49-F238E27FC236}">
-                    <a16:creationId xmlns:a16="http://schemas.microsoft.com/office/drawing/2014/main" id="{783AF7C7-6157-4D9A-BFBB-9277F0C64DE5}"/>
-                  </a:ext>
-                </a:extLst>
-              </p:cNvPr>
-              <p:cNvSpPr/>
-              <p:nvPr/>
-            </p:nvSpPr>
-            <p:spPr>
-              <a:xfrm>
-                <a:off x="2414314" y="3132822"/>
-                <a:ext cx="192088" cy="192088"/>
-              </a:xfrm>
-              <a:prstGeom prst="rect">
-                <a:avLst/>
-              </a:prstGeom>
-              <a:noFill/>
-              <a:ln w="28575">
-                <a:solidFill>
-                  <a:schemeClr val="tx1"/>
-                </a:solidFill>
-              </a:ln>
-            </p:spPr>
-            <p:style>
-              <a:lnRef idx="2">
-                <a:schemeClr val="accent1">
-                  <a:shade val="50000"/>
-                </a:schemeClr>
-              </a:lnRef>
-              <a:fillRef idx="1">
-                <a:schemeClr val="accent1"/>
-              </a:fillRef>
-              <a:effectRef idx="0">
-                <a:schemeClr val="accent1"/>
-              </a:effectRef>
-              <a:fontRef idx="minor">
-                <a:schemeClr val="lt1"/>
-              </a:fontRef>
-            </p:style>
-            <p:txBody>
-              <a:bodyPr rtlCol="1" anchor="ctr"/>
-              <a:lstStyle/>
-              <a:p>
-                <a:pPr algn="ctr"/>
-                <a:endParaRPr lang="he-IL"/>
-              </a:p>
-            </p:txBody>
-          </p:sp>
-          <p:sp>
-            <p:nvSpPr>
-              <p:cNvPr id="29" name="Rectangle 28">
-                <a:extLst>
-                  <a:ext uri="{FF2B5EF4-FFF2-40B4-BE49-F238E27FC236}">
-                    <a16:creationId xmlns:a16="http://schemas.microsoft.com/office/drawing/2014/main" id="{2266A37A-2ED7-446C-82C3-BF011B595564}"/>
-                  </a:ext>
-                </a:extLst>
-              </p:cNvPr>
-              <p:cNvSpPr/>
-              <p:nvPr/>
-            </p:nvSpPr>
-            <p:spPr>
-              <a:xfrm rot="2700000">
-                <a:off x="2354265" y="2796488"/>
-                <a:ext cx="192088" cy="192088"/>
-              </a:xfrm>
-              <a:prstGeom prst="rect">
-                <a:avLst/>
-              </a:prstGeom>
-              <a:noFill/>
-              <a:ln w="28575">
-                <a:solidFill>
-                  <a:schemeClr val="tx1"/>
-                </a:solidFill>
-              </a:ln>
-            </p:spPr>
-            <p:style>
-              <a:lnRef idx="2">
-                <a:schemeClr val="accent1">
-                  <a:shade val="50000"/>
-                </a:schemeClr>
-              </a:lnRef>
-              <a:fillRef idx="1">
-                <a:schemeClr val="accent1"/>
-              </a:fillRef>
-              <a:effectRef idx="0">
-                <a:schemeClr val="accent1"/>
-              </a:effectRef>
-              <a:fontRef idx="minor">
-                <a:schemeClr val="lt1"/>
-              </a:fontRef>
-            </p:style>
-            <p:txBody>
-              <a:bodyPr rtlCol="1" anchor="ctr"/>
-              <a:lstStyle/>
-              <a:p>
-                <a:pPr algn="ctr"/>
-                <a:endParaRPr lang="he-IL"/>
-              </a:p>
-            </p:txBody>
-          </p:sp>
-          <p:sp>
-            <p:nvSpPr>
-              <p:cNvPr id="30" name="Rectangle 29">
-                <a:extLst>
-                  <a:ext uri="{FF2B5EF4-FFF2-40B4-BE49-F238E27FC236}">
-                    <a16:creationId xmlns:a16="http://schemas.microsoft.com/office/drawing/2014/main" id="{17672995-DBA3-40E9-802F-286010C54CE8}"/>
-                  </a:ext>
-                </a:extLst>
-              </p:cNvPr>
-              <p:cNvSpPr/>
-              <p:nvPr/>
-            </p:nvSpPr>
-            <p:spPr>
-              <a:xfrm rot="2700000">
-                <a:off x="2773043" y="2931714"/>
-                <a:ext cx="192088" cy="192088"/>
-              </a:xfrm>
-              <a:prstGeom prst="rect">
-                <a:avLst/>
-              </a:prstGeom>
-              <a:noFill/>
-              <a:ln w="28575">
-                <a:solidFill>
-                  <a:schemeClr val="tx1"/>
-                </a:solidFill>
-              </a:ln>
-            </p:spPr>
-            <p:style>
-              <a:lnRef idx="2">
-                <a:schemeClr val="accent1">
-                  <a:shade val="50000"/>
-                </a:schemeClr>
-              </a:lnRef>
-              <a:fillRef idx="1">
-                <a:schemeClr val="accent1"/>
-              </a:fillRef>
-              <a:effectRef idx="0">
-                <a:schemeClr val="accent1"/>
-              </a:effectRef>
-              <a:fontRef idx="minor">
-                <a:schemeClr val="lt1"/>
-              </a:fontRef>
-            </p:style>
-            <p:txBody>
-              <a:bodyPr rtlCol="1" anchor="ctr"/>
-              <a:lstStyle/>
-              <a:p>
-                <a:pPr algn="ctr"/>
-                <a:endParaRPr lang="he-IL"/>
-              </a:p>
-            </p:txBody>
-          </p:sp>
-          <p:sp>
-            <p:nvSpPr>
-              <p:cNvPr id="31" name="Rectangle 30">
-                <a:extLst>
-                  <a:ext uri="{FF2B5EF4-FFF2-40B4-BE49-F238E27FC236}">
-                    <a16:creationId xmlns:a16="http://schemas.microsoft.com/office/drawing/2014/main" id="{A05294D9-A561-4805-B516-9294894EC1D9}"/>
-                  </a:ext>
-                </a:extLst>
-              </p:cNvPr>
-              <p:cNvSpPr/>
-              <p:nvPr/>
-            </p:nvSpPr>
-            <p:spPr>
-              <a:xfrm>
-                <a:off x="2272448" y="2914450"/>
-                <a:ext cx="192088" cy="192088"/>
-              </a:xfrm>
-              <a:prstGeom prst="rect">
-                <a:avLst/>
-              </a:prstGeom>
-              <a:noFill/>
-              <a:ln w="28575">
-                <a:solidFill>
-                  <a:schemeClr val="tx1"/>
-                </a:solidFill>
-              </a:ln>
-            </p:spPr>
-            <p:style>
-              <a:lnRef idx="2">
-                <a:schemeClr val="accent1">
-                  <a:shade val="50000"/>
-                </a:schemeClr>
-              </a:lnRef>
-              <a:fillRef idx="1">
-                <a:schemeClr val="accent1"/>
-              </a:fillRef>
-              <a:effectRef idx="0">
-                <a:schemeClr val="accent1"/>
-              </a:effectRef>
-              <a:fontRef idx="minor">
-                <a:schemeClr val="lt1"/>
-              </a:fontRef>
-            </p:style>
-            <p:txBody>
-              <a:bodyPr rtlCol="1" anchor="ctr"/>
-              <a:lstStyle/>
-              <a:p>
-                <a:pPr algn="ctr"/>
-                <a:endParaRPr lang="he-IL"/>
-              </a:p>
-            </p:txBody>
-          </p:sp>
-          <p:sp>
-            <p:nvSpPr>
-              <p:cNvPr id="32" name="Rectangle 31">
-                <a:extLst>
-                  <a:ext uri="{FF2B5EF4-FFF2-40B4-BE49-F238E27FC236}">
-                    <a16:creationId xmlns:a16="http://schemas.microsoft.com/office/drawing/2014/main" id="{ACCA50EB-4EB1-46B3-B716-276121C265DB}"/>
-                  </a:ext>
-                </a:extLst>
-              </p:cNvPr>
-              <p:cNvSpPr/>
-              <p:nvPr/>
-            </p:nvSpPr>
-            <p:spPr>
-              <a:xfrm rot="2700000">
-                <a:off x="2084506" y="3014860"/>
-                <a:ext cx="192088" cy="192088"/>
-              </a:xfrm>
-              <a:prstGeom prst="rect">
-                <a:avLst/>
-              </a:prstGeom>
-              <a:noFill/>
-              <a:ln w="28575">
-                <a:solidFill>
-                  <a:schemeClr val="tx1"/>
-                </a:solidFill>
-              </a:ln>
-            </p:spPr>
-            <p:style>
-              <a:lnRef idx="2">
-                <a:schemeClr val="accent1">
-                  <a:shade val="50000"/>
-                </a:schemeClr>
-              </a:lnRef>
-              <a:fillRef idx="1">
-                <a:schemeClr val="accent1"/>
-              </a:fillRef>
-              <a:effectRef idx="0">
-                <a:schemeClr val="accent1"/>
-              </a:effectRef>
-              <a:fontRef idx="minor">
-                <a:schemeClr val="lt1"/>
-              </a:fontRef>
-            </p:style>
-            <p:txBody>
-              <a:bodyPr rtlCol="1" anchor="ctr"/>
-              <a:lstStyle/>
-              <a:p>
-                <a:pPr algn="ctr"/>
-                <a:endParaRPr lang="he-IL"/>
-              </a:p>
-            </p:txBody>
-          </p:sp>
-          <p:sp>
-            <p:nvSpPr>
-              <p:cNvPr id="35" name="Rectangle 34">
-                <a:extLst>
-                  <a:ext uri="{FF2B5EF4-FFF2-40B4-BE49-F238E27FC236}">
-                    <a16:creationId xmlns:a16="http://schemas.microsoft.com/office/drawing/2014/main" id="{CCB06ABA-55AD-4322-A99C-E54438242876}"/>
-                  </a:ext>
-                </a:extLst>
-              </p:cNvPr>
-              <p:cNvSpPr/>
-              <p:nvPr/>
-            </p:nvSpPr>
-            <p:spPr>
-              <a:xfrm rot="2700000">
-                <a:off x="2554040" y="3096323"/>
-                <a:ext cx="192088" cy="192088"/>
-              </a:xfrm>
-              <a:prstGeom prst="rect">
-                <a:avLst/>
-              </a:prstGeom>
-              <a:noFill/>
-              <a:ln w="28575">
-                <a:solidFill>
-                  <a:schemeClr val="tx1"/>
-                </a:solidFill>
-              </a:ln>
-            </p:spPr>
-            <p:style>
-              <a:lnRef idx="2">
-                <a:schemeClr val="accent1">
-                  <a:shade val="50000"/>
-                </a:schemeClr>
-              </a:lnRef>
-              <a:fillRef idx="1">
-                <a:schemeClr val="accent1"/>
-              </a:fillRef>
-              <a:effectRef idx="0">
-                <a:schemeClr val="accent1"/>
-              </a:effectRef>
-              <a:fontRef idx="minor">
-                <a:schemeClr val="lt1"/>
-              </a:fontRef>
-            </p:style>
-            <p:txBody>
-              <a:bodyPr rtlCol="1" anchor="ctr"/>
-              <a:lstStyle/>
-              <a:p>
-                <a:pPr algn="ctr"/>
-                <a:endParaRPr lang="he-IL"/>
-              </a:p>
-            </p:txBody>
-          </p:sp>
-          <p:sp>
-            <p:nvSpPr>
-              <p:cNvPr id="36" name="Rectangle 35">
-                <a:extLst>
-                  <a:ext uri="{FF2B5EF4-FFF2-40B4-BE49-F238E27FC236}">
-                    <a16:creationId xmlns:a16="http://schemas.microsoft.com/office/drawing/2014/main" id="{13D3D8EF-8BB1-460F-AB16-0041E214A9C9}"/>
-                  </a:ext>
-                </a:extLst>
-              </p:cNvPr>
-              <p:cNvSpPr/>
-              <p:nvPr/>
-            </p:nvSpPr>
-            <p:spPr>
-              <a:xfrm rot="2700000">
-                <a:off x="2972818" y="2987974"/>
-                <a:ext cx="192088" cy="192088"/>
-              </a:xfrm>
-              <a:prstGeom prst="rect">
-                <a:avLst/>
-              </a:prstGeom>
-              <a:noFill/>
-              <a:ln w="28575">
-                <a:solidFill>
-                  <a:schemeClr val="tx1"/>
-                </a:solidFill>
-              </a:ln>
-            </p:spPr>
-            <p:style>
-              <a:lnRef idx="2">
-                <a:schemeClr val="accent1">
-                  <a:shade val="50000"/>
-                </a:schemeClr>
-              </a:lnRef>
-              <a:fillRef idx="1">
-                <a:schemeClr val="accent1"/>
-              </a:fillRef>
-              <a:effectRef idx="0">
-                <a:schemeClr val="accent1"/>
-              </a:effectRef>
-              <a:fontRef idx="minor">
-                <a:schemeClr val="lt1"/>
-              </a:fontRef>
-            </p:style>
-            <p:txBody>
-              <a:bodyPr rtlCol="1" anchor="ctr"/>
-              <a:lstStyle/>
-              <a:p>
-                <a:pPr algn="ctr"/>
-                <a:endParaRPr lang="he-IL"/>
-              </a:p>
-            </p:txBody>
-          </p:sp>
-          <p:sp>
-            <p:nvSpPr>
-              <p:cNvPr id="37" name="Rectangle 36">
-                <a:extLst>
-                  <a:ext uri="{FF2B5EF4-FFF2-40B4-BE49-F238E27FC236}">
-                    <a16:creationId xmlns:a16="http://schemas.microsoft.com/office/drawing/2014/main" id="{CF6B0F7E-E920-4C9D-9576-DEF20926DD14}"/>
-                  </a:ext>
-                </a:extLst>
-              </p:cNvPr>
-              <p:cNvSpPr/>
-              <p:nvPr/>
-            </p:nvSpPr>
-            <p:spPr>
-              <a:xfrm rot="2700000">
-                <a:off x="2262148" y="3051481"/>
-                <a:ext cx="192088" cy="192088"/>
-              </a:xfrm>
-              <a:prstGeom prst="rect">
-                <a:avLst/>
-              </a:prstGeom>
-              <a:noFill/>
-              <a:ln w="28575">
-                <a:solidFill>
-                  <a:schemeClr val="tx1"/>
-                </a:solidFill>
-              </a:ln>
-            </p:spPr>
-            <p:style>
-              <a:lnRef idx="2">
-                <a:schemeClr val="accent1">
-                  <a:shade val="50000"/>
-                </a:schemeClr>
-              </a:lnRef>
-              <a:fillRef idx="1">
-                <a:schemeClr val="accent1"/>
-              </a:fillRef>
-              <a:effectRef idx="0">
-                <a:schemeClr val="accent1"/>
-              </a:effectRef>
-              <a:fontRef idx="minor">
-                <a:schemeClr val="lt1"/>
-              </a:fontRef>
-            </p:style>
-            <p:txBody>
-              <a:bodyPr rtlCol="1" anchor="ctr"/>
-              <a:lstStyle/>
-              <a:p>
-                <a:pPr algn="ctr"/>
-                <a:endParaRPr lang="he-IL"/>
-              </a:p>
-            </p:txBody>
-          </p:sp>
-          <p:sp>
-            <p:nvSpPr>
-              <p:cNvPr id="38" name="Rectangle 37">
-                <a:extLst>
-                  <a:ext uri="{FF2B5EF4-FFF2-40B4-BE49-F238E27FC236}">
-                    <a16:creationId xmlns:a16="http://schemas.microsoft.com/office/drawing/2014/main" id="{5E3417D2-62CC-4AFF-8B1A-52FF4D258540}"/>
-                  </a:ext>
-                </a:extLst>
-              </p:cNvPr>
-              <p:cNvSpPr/>
-              <p:nvPr/>
-            </p:nvSpPr>
-            <p:spPr>
-              <a:xfrm rot="2700000">
-                <a:off x="2612344" y="2901053"/>
-                <a:ext cx="192088" cy="192088"/>
-              </a:xfrm>
-              <a:prstGeom prst="rect">
-                <a:avLst/>
-              </a:prstGeom>
-              <a:noFill/>
-              <a:ln w="28575">
-                <a:solidFill>
-                  <a:schemeClr val="tx1"/>
-                </a:solidFill>
-              </a:ln>
-            </p:spPr>
-            <p:style>
-              <a:lnRef idx="2">
-                <a:schemeClr val="accent1">
-                  <a:shade val="50000"/>
-                </a:schemeClr>
-              </a:lnRef>
-              <a:fillRef idx="1">
-                <a:schemeClr val="accent1"/>
-              </a:fillRef>
-              <a:effectRef idx="0">
-                <a:schemeClr val="accent1"/>
-              </a:effectRef>
-              <a:fontRef idx="minor">
-                <a:schemeClr val="lt1"/>
-              </a:fontRef>
-            </p:style>
-            <p:txBody>
-              <a:bodyPr rtlCol="1" anchor="ctr"/>
-              <a:lstStyle/>
-              <a:p>
-                <a:pPr algn="ctr"/>
-                <a:endParaRPr lang="he-IL"/>
-              </a:p>
-            </p:txBody>
-          </p:sp>
-          <p:sp>
-            <p:nvSpPr>
-              <p:cNvPr id="41" name="Rectangle 40">
-                <a:extLst>
-                  <a:ext uri="{FF2B5EF4-FFF2-40B4-BE49-F238E27FC236}">
-                    <a16:creationId xmlns:a16="http://schemas.microsoft.com/office/drawing/2014/main" id="{FF97C26D-7FD3-44EB-B928-91A8548E57AB}"/>
-                  </a:ext>
-                </a:extLst>
-              </p:cNvPr>
-              <p:cNvSpPr/>
-              <p:nvPr/>
-            </p:nvSpPr>
-            <p:spPr>
-              <a:xfrm rot="2700000">
-                <a:off x="2742495" y="3077663"/>
-                <a:ext cx="192088" cy="192088"/>
-              </a:xfrm>
-              <a:prstGeom prst="rect">
-                <a:avLst/>
-              </a:prstGeom>
-              <a:noFill/>
-              <a:ln w="28575">
-                <a:solidFill>
-                  <a:schemeClr val="tx1"/>
-                </a:solidFill>
-              </a:ln>
-            </p:spPr>
-            <p:style>
-              <a:lnRef idx="2">
-                <a:schemeClr val="accent1">
-                  <a:shade val="50000"/>
-                </a:schemeClr>
-              </a:lnRef>
-              <a:fillRef idx="1">
-                <a:schemeClr val="accent1"/>
-              </a:fillRef>
-              <a:effectRef idx="0">
-                <a:schemeClr val="accent1"/>
-              </a:effectRef>
-              <a:fontRef idx="minor">
-                <a:schemeClr val="lt1"/>
-              </a:fontRef>
-            </p:style>
-            <p:txBody>
-              <a:bodyPr rtlCol="1" anchor="ctr"/>
-              <a:lstStyle/>
-              <a:p>
-                <a:pPr algn="ctr"/>
-                <a:endParaRPr lang="he-IL"/>
-              </a:p>
-            </p:txBody>
-          </p:sp>
-        </p:grpSp>
-        <p:sp>
-          <p:nvSpPr>
-            <p:cNvPr id="128" name="TextBox 127">
-              <a:extLst>
-                <a:ext uri="{FF2B5EF4-FFF2-40B4-BE49-F238E27FC236}">
-                  <a16:creationId xmlns:a16="http://schemas.microsoft.com/office/drawing/2014/main" id="{0CF47E50-0112-4EF6-AA9C-FF823ED318B1}"/>
-                </a:ext>
-              </a:extLst>
-            </p:cNvPr>
-            <p:cNvSpPr txBox="1"/>
-            <p:nvPr/>
-          </p:nvSpPr>
-          <p:spPr>
-            <a:xfrm>
-              <a:off x="3365560" y="693854"/>
-              <a:ext cx="2706872" cy="307777"/>
-            </a:xfrm>
-            <a:prstGeom prst="rect">
-              <a:avLst/>
-            </a:prstGeom>
-            <a:noFill/>
-          </p:spPr>
-          <p:txBody>
-            <a:bodyPr wrap="square" rtlCol="1">
-              <a:spAutoFit/>
-            </a:bodyPr>
-            <a:lstStyle/>
-            <a:p>
-              <a:r>
-                <a:rPr lang="en-US" sz="1400" dirty="0"/>
-                <a:t>    </a:t>
-              </a:r>
-              <a:r>
-                <a:rPr lang="en-US" sz="1400" dirty="0" err="1"/>
-                <a:t>Artficial</a:t>
-              </a:r>
-              <a:r>
-                <a:rPr lang="en-US" sz="1400" dirty="0"/>
-                <a:t>                      Natural</a:t>
-              </a:r>
-              <a:endParaRPr lang="he-IL" sz="1400" dirty="0"/>
-            </a:p>
-          </p:txBody>
-        </p:sp>
-        <p:sp>
-          <p:nvSpPr>
-            <p:cNvPr id="129" name="Oval 128">
-              <a:extLst>
-                <a:ext uri="{FF2B5EF4-FFF2-40B4-BE49-F238E27FC236}">
-                  <a16:creationId xmlns:a16="http://schemas.microsoft.com/office/drawing/2014/main" id="{EE296648-DEC5-471B-A38E-532DF304F7D4}"/>
-                </a:ext>
-              </a:extLst>
-            </p:cNvPr>
-            <p:cNvSpPr/>
-            <p:nvPr/>
-          </p:nvSpPr>
-          <p:spPr>
-            <a:xfrm>
-              <a:off x="5380829" y="1245759"/>
-              <a:ext cx="180871" cy="183550"/>
-            </a:xfrm>
-            <a:prstGeom prst="ellipse">
-              <a:avLst/>
-            </a:prstGeom>
-            <a:noFill/>
-            <a:ln w="57150">
-              <a:solidFill>
-                <a:schemeClr val="accent5">
-                  <a:lumMod val="60000"/>
-                  <a:lumOff val="40000"/>
-                </a:schemeClr>
-              </a:solidFill>
-            </a:ln>
-          </p:spPr>
-          <p:style>
-            <a:lnRef idx="2">
-              <a:schemeClr val="accent1">
-                <a:shade val="50000"/>
-              </a:schemeClr>
-            </a:lnRef>
-            <a:fillRef idx="1">
-              <a:schemeClr val="accent1"/>
-            </a:fillRef>
-            <a:effectRef idx="0">
-              <a:schemeClr val="accent1"/>
-            </a:effectRef>
-            <a:fontRef idx="minor">
-              <a:schemeClr val="lt1"/>
-            </a:fontRef>
-          </p:style>
-          <p:txBody>
-            <a:bodyPr rtlCol="1" anchor="ctr"/>
-            <a:lstStyle/>
-            <a:p>
-              <a:pPr algn="ctr"/>
-              <a:endParaRPr lang="he-IL"/>
-            </a:p>
-          </p:txBody>
-        </p:sp>
-        <p:sp>
-          <p:nvSpPr>
-            <p:cNvPr id="135" name="Oval 134">
-              <a:extLst>
-                <a:ext uri="{FF2B5EF4-FFF2-40B4-BE49-F238E27FC236}">
-                  <a16:creationId xmlns:a16="http://schemas.microsoft.com/office/drawing/2014/main" id="{0C5BE2E4-6D3D-48C6-9E09-76F376A4C1D2}"/>
-                </a:ext>
-              </a:extLst>
-            </p:cNvPr>
-            <p:cNvSpPr/>
-            <p:nvPr/>
-          </p:nvSpPr>
-          <p:spPr>
-            <a:xfrm>
-              <a:off x="3582233" y="1245759"/>
-              <a:ext cx="180871" cy="183550"/>
-            </a:xfrm>
-            <a:prstGeom prst="ellipse">
-              <a:avLst/>
-            </a:prstGeom>
-            <a:noFill/>
-            <a:ln w="57150">
-              <a:solidFill>
-                <a:schemeClr val="accent5">
-                  <a:lumMod val="60000"/>
-                  <a:lumOff val="40000"/>
-                </a:schemeClr>
-              </a:solidFill>
-            </a:ln>
-          </p:spPr>
-          <p:style>
-            <a:lnRef idx="2">
-              <a:schemeClr val="accent1">
-                <a:shade val="50000"/>
-              </a:schemeClr>
-            </a:lnRef>
-            <a:fillRef idx="1">
-              <a:schemeClr val="accent1"/>
-            </a:fillRef>
-            <a:effectRef idx="0">
-              <a:schemeClr val="accent1"/>
-            </a:effectRef>
-            <a:fontRef idx="minor">
-              <a:schemeClr val="lt1"/>
-            </a:fontRef>
-          </p:style>
-          <p:txBody>
-            <a:bodyPr rtlCol="1" anchor="ctr"/>
-            <a:lstStyle/>
-            <a:p>
-              <a:pPr algn="ctr"/>
-              <a:endParaRPr lang="he-IL"/>
-            </a:p>
-          </p:txBody>
-        </p:sp>
-      </p:grpSp>
-      <p:grpSp>
-        <p:nvGrpSpPr>
-          <p:cNvPr id="34" name="Group 33">
-            <a:extLst>
-              <a:ext uri="{FF2B5EF4-FFF2-40B4-BE49-F238E27FC236}">
-                <a16:creationId xmlns:a16="http://schemas.microsoft.com/office/drawing/2014/main" id="{F1A437BB-79D4-4591-9197-B94F54D5BE39}"/>
-              </a:ext>
-            </a:extLst>
-          </p:cNvPr>
-          <p:cNvGrpSpPr/>
-          <p:nvPr/>
-        </p:nvGrpSpPr>
-        <p:grpSpPr>
-          <a:xfrm>
-            <a:off x="4199735" y="1247385"/>
-            <a:ext cx="2706872" cy="1199235"/>
-            <a:chOff x="4199735" y="1247385"/>
-            <a:chExt cx="2706872" cy="1199235"/>
-          </a:xfrm>
-        </p:grpSpPr>
-        <p:grpSp>
-          <p:nvGrpSpPr>
-            <p:cNvPr id="61" name="Group 60">
-              <a:extLst>
-                <a:ext uri="{FF2B5EF4-FFF2-40B4-BE49-F238E27FC236}">
-                  <a16:creationId xmlns:a16="http://schemas.microsoft.com/office/drawing/2014/main" id="{6B9C2F58-80B4-464D-9D38-7FD55292CA8D}"/>
-                </a:ext>
-              </a:extLst>
-            </p:cNvPr>
-            <p:cNvGrpSpPr/>
-            <p:nvPr/>
-          </p:nvGrpSpPr>
-          <p:grpSpPr>
-            <a:xfrm>
-              <a:off x="4320957" y="1264365"/>
-              <a:ext cx="2290619" cy="1182255"/>
-              <a:chOff x="1487053" y="2456872"/>
-              <a:chExt cx="2290619" cy="1182255"/>
-            </a:xfrm>
-          </p:grpSpPr>
-          <p:sp>
-            <p:nvSpPr>
-              <p:cNvPr id="62" name="Rectangle: Rounded Corners 61">
-                <a:extLst>
-                  <a:ext uri="{FF2B5EF4-FFF2-40B4-BE49-F238E27FC236}">
-                    <a16:creationId xmlns:a16="http://schemas.microsoft.com/office/drawing/2014/main" id="{11EC7DEA-2500-4474-B029-983787E9D54E}"/>
-                  </a:ext>
-                </a:extLst>
-              </p:cNvPr>
-              <p:cNvSpPr/>
-              <p:nvPr/>
-            </p:nvSpPr>
-            <p:spPr>
-              <a:xfrm>
-                <a:off x="1487053" y="2456872"/>
-                <a:ext cx="2290619" cy="1182255"/>
-              </a:xfrm>
-              <a:prstGeom prst="roundRect">
-                <a:avLst/>
-              </a:prstGeom>
-              <a:solidFill>
-                <a:schemeClr val="bg1"/>
-              </a:solidFill>
-              <a:ln w="28575">
-                <a:solidFill>
-                  <a:schemeClr val="tx1"/>
-                </a:solidFill>
-              </a:ln>
-            </p:spPr>
-            <p:style>
-              <a:lnRef idx="2">
-                <a:schemeClr val="accent1">
-                  <a:shade val="50000"/>
-                </a:schemeClr>
-              </a:lnRef>
-              <a:fillRef idx="1">
-                <a:schemeClr val="accent1"/>
-              </a:fillRef>
-              <a:effectRef idx="0">
-                <a:schemeClr val="accent1"/>
-              </a:effectRef>
-              <a:fontRef idx="minor">
-                <a:schemeClr val="lt1"/>
-              </a:fontRef>
-            </p:style>
-            <p:txBody>
-              <a:bodyPr rtlCol="1" anchor="ctr"/>
-              <a:lstStyle/>
-              <a:p>
-                <a:pPr algn="ctr"/>
-                <a:endParaRPr lang="he-IL"/>
-              </a:p>
-            </p:txBody>
-          </p:sp>
-          <p:sp>
-            <p:nvSpPr>
-              <p:cNvPr id="63" name="Rectangle 62">
-                <a:extLst>
-                  <a:ext uri="{FF2B5EF4-FFF2-40B4-BE49-F238E27FC236}">
-                    <a16:creationId xmlns:a16="http://schemas.microsoft.com/office/drawing/2014/main" id="{1A9B822D-7676-4C65-A0A5-CD3D1CFECE7A}"/>
-                  </a:ext>
-                </a:extLst>
-              </p:cNvPr>
-              <p:cNvSpPr/>
-              <p:nvPr/>
-            </p:nvSpPr>
-            <p:spPr>
-              <a:xfrm>
-                <a:off x="1959700" y="2855911"/>
-                <a:ext cx="192088" cy="192088"/>
-              </a:xfrm>
-              <a:prstGeom prst="rect">
-                <a:avLst/>
-              </a:prstGeom>
-              <a:noFill/>
-              <a:ln w="28575">
-                <a:solidFill>
-                  <a:schemeClr val="tx1"/>
-                </a:solidFill>
-              </a:ln>
-            </p:spPr>
-            <p:style>
-              <a:lnRef idx="2">
-                <a:schemeClr val="accent1">
-                  <a:shade val="50000"/>
-                </a:schemeClr>
-              </a:lnRef>
-              <a:fillRef idx="1">
-                <a:schemeClr val="accent1"/>
-              </a:fillRef>
-              <a:effectRef idx="0">
-                <a:schemeClr val="accent1"/>
-              </a:effectRef>
-              <a:fontRef idx="minor">
-                <a:schemeClr val="lt1"/>
-              </a:fontRef>
-            </p:style>
-            <p:txBody>
-              <a:bodyPr rtlCol="1" anchor="ctr"/>
-              <a:lstStyle/>
-              <a:p>
-                <a:pPr algn="ctr"/>
-                <a:endParaRPr lang="he-IL"/>
-              </a:p>
-            </p:txBody>
-          </p:sp>
-          <p:sp>
-            <p:nvSpPr>
-              <p:cNvPr id="64" name="Rectangle 63">
-                <a:extLst>
-                  <a:ext uri="{FF2B5EF4-FFF2-40B4-BE49-F238E27FC236}">
-                    <a16:creationId xmlns:a16="http://schemas.microsoft.com/office/drawing/2014/main" id="{DC576779-2220-405F-8A27-60F0EE504F49}"/>
-                  </a:ext>
-                </a:extLst>
-              </p:cNvPr>
-              <p:cNvSpPr/>
-              <p:nvPr/>
-            </p:nvSpPr>
-            <p:spPr>
-              <a:xfrm>
-                <a:off x="2296250" y="2951955"/>
-                <a:ext cx="192088" cy="192088"/>
-              </a:xfrm>
-              <a:prstGeom prst="rect">
-                <a:avLst/>
-              </a:prstGeom>
-              <a:noFill/>
-              <a:ln w="28575">
-                <a:solidFill>
-                  <a:schemeClr val="tx1"/>
-                </a:solidFill>
-              </a:ln>
-            </p:spPr>
-            <p:style>
-              <a:lnRef idx="2">
-                <a:schemeClr val="accent1">
-                  <a:shade val="50000"/>
-                </a:schemeClr>
-              </a:lnRef>
-              <a:fillRef idx="1">
-                <a:schemeClr val="accent1"/>
-              </a:fillRef>
-              <a:effectRef idx="0">
-                <a:schemeClr val="accent1"/>
-              </a:effectRef>
-              <a:fontRef idx="minor">
-                <a:schemeClr val="lt1"/>
-              </a:fontRef>
-            </p:style>
-            <p:txBody>
-              <a:bodyPr rtlCol="1" anchor="ctr"/>
-              <a:lstStyle/>
-              <a:p>
-                <a:pPr algn="ctr"/>
-                <a:endParaRPr lang="he-IL"/>
-              </a:p>
-            </p:txBody>
-          </p:sp>
-          <p:sp>
-            <p:nvSpPr>
-              <p:cNvPr id="65" name="Rectangle 64">
-                <a:extLst>
-                  <a:ext uri="{FF2B5EF4-FFF2-40B4-BE49-F238E27FC236}">
-                    <a16:creationId xmlns:a16="http://schemas.microsoft.com/office/drawing/2014/main" id="{2DD53479-53BD-4E05-B74D-FD2F4D467570}"/>
-                  </a:ext>
-                </a:extLst>
-              </p:cNvPr>
-              <p:cNvSpPr/>
-              <p:nvPr/>
-            </p:nvSpPr>
-            <p:spPr>
-              <a:xfrm>
-                <a:off x="2604367" y="2818605"/>
-                <a:ext cx="192088" cy="192088"/>
-              </a:xfrm>
-              <a:prstGeom prst="rect">
-                <a:avLst/>
-              </a:prstGeom>
-              <a:noFill/>
-              <a:ln w="28575">
-                <a:solidFill>
-                  <a:schemeClr val="tx1"/>
-                </a:solidFill>
-              </a:ln>
-            </p:spPr>
-            <p:style>
-              <a:lnRef idx="2">
-                <a:schemeClr val="accent1">
-                  <a:shade val="50000"/>
-                </a:schemeClr>
-              </a:lnRef>
-              <a:fillRef idx="1">
-                <a:schemeClr val="accent1"/>
-              </a:fillRef>
-              <a:effectRef idx="0">
-                <a:schemeClr val="accent1"/>
-              </a:effectRef>
-              <a:fontRef idx="minor">
-                <a:schemeClr val="lt1"/>
-              </a:fontRef>
-            </p:style>
-            <p:txBody>
-              <a:bodyPr rtlCol="1" anchor="ctr"/>
-              <a:lstStyle/>
-              <a:p>
-                <a:pPr algn="ctr"/>
-                <a:endParaRPr lang="he-IL"/>
-              </a:p>
-            </p:txBody>
-          </p:sp>
-          <p:sp>
-            <p:nvSpPr>
-              <p:cNvPr id="66" name="Rectangle 65">
-                <a:extLst>
-                  <a:ext uri="{FF2B5EF4-FFF2-40B4-BE49-F238E27FC236}">
-                    <a16:creationId xmlns:a16="http://schemas.microsoft.com/office/drawing/2014/main" id="{FC32B86E-1788-4674-B53B-EFE60C83AE89}"/>
-                  </a:ext>
-                </a:extLst>
-              </p:cNvPr>
-              <p:cNvSpPr/>
-              <p:nvPr/>
-            </p:nvSpPr>
-            <p:spPr>
-              <a:xfrm>
-                <a:off x="2546352" y="2977355"/>
-                <a:ext cx="192088" cy="192088"/>
-              </a:xfrm>
-              <a:prstGeom prst="rect">
-                <a:avLst/>
-              </a:prstGeom>
-              <a:noFill/>
-              <a:ln w="28575">
-                <a:solidFill>
-                  <a:schemeClr val="tx1"/>
-                </a:solidFill>
-              </a:ln>
-            </p:spPr>
-            <p:style>
-              <a:lnRef idx="2">
-                <a:schemeClr val="accent1">
-                  <a:shade val="50000"/>
-                </a:schemeClr>
-              </a:lnRef>
-              <a:fillRef idx="1">
-                <a:schemeClr val="accent1"/>
-              </a:fillRef>
-              <a:effectRef idx="0">
-                <a:schemeClr val="accent1"/>
-              </a:effectRef>
-              <a:fontRef idx="minor">
-                <a:schemeClr val="lt1"/>
-              </a:fontRef>
-            </p:style>
-            <p:txBody>
-              <a:bodyPr rtlCol="1" anchor="ctr"/>
-              <a:lstStyle/>
-              <a:p>
-                <a:pPr algn="ctr"/>
-                <a:endParaRPr lang="he-IL"/>
-              </a:p>
-            </p:txBody>
-          </p:sp>
-          <p:sp>
-            <p:nvSpPr>
-              <p:cNvPr id="67" name="Rectangle 66">
-                <a:extLst>
-                  <a:ext uri="{FF2B5EF4-FFF2-40B4-BE49-F238E27FC236}">
-                    <a16:creationId xmlns:a16="http://schemas.microsoft.com/office/drawing/2014/main" id="{6B743592-E747-47F2-B4F6-9AFF3A3DD969}"/>
-                  </a:ext>
-                </a:extLst>
-              </p:cNvPr>
-              <p:cNvSpPr/>
-              <p:nvPr/>
-            </p:nvSpPr>
-            <p:spPr>
-              <a:xfrm>
-                <a:off x="2903975" y="3047999"/>
-                <a:ext cx="192088" cy="192088"/>
-              </a:xfrm>
-              <a:prstGeom prst="rect">
-                <a:avLst/>
-              </a:prstGeom>
-              <a:noFill/>
-              <a:ln w="28575">
-                <a:solidFill>
-                  <a:schemeClr val="tx1"/>
-                </a:solidFill>
-              </a:ln>
-            </p:spPr>
-            <p:style>
-              <a:lnRef idx="2">
-                <a:schemeClr val="accent1">
-                  <a:shade val="50000"/>
-                </a:schemeClr>
-              </a:lnRef>
-              <a:fillRef idx="1">
-                <a:schemeClr val="accent1"/>
-              </a:fillRef>
-              <a:effectRef idx="0">
-                <a:schemeClr val="accent1"/>
-              </a:effectRef>
-              <a:fontRef idx="minor">
-                <a:schemeClr val="lt1"/>
-              </a:fontRef>
-            </p:style>
-            <p:txBody>
-              <a:bodyPr rtlCol="1" anchor="ctr"/>
-              <a:lstStyle/>
-              <a:p>
-                <a:pPr algn="ctr"/>
-                <a:endParaRPr lang="he-IL"/>
-              </a:p>
-            </p:txBody>
-          </p:sp>
-          <p:sp>
-            <p:nvSpPr>
-              <p:cNvPr id="68" name="Rectangle 67">
-                <a:extLst>
-                  <a:ext uri="{FF2B5EF4-FFF2-40B4-BE49-F238E27FC236}">
-                    <a16:creationId xmlns:a16="http://schemas.microsoft.com/office/drawing/2014/main" id="{6AF3F031-BC51-4ADC-ABF9-91853DFF3071}"/>
-                  </a:ext>
-                </a:extLst>
-              </p:cNvPr>
-              <p:cNvSpPr/>
-              <p:nvPr/>
-            </p:nvSpPr>
-            <p:spPr>
-              <a:xfrm>
-                <a:off x="2960985" y="2831304"/>
-                <a:ext cx="192088" cy="192088"/>
-              </a:xfrm>
-              <a:prstGeom prst="rect">
-                <a:avLst/>
-              </a:prstGeom>
-              <a:noFill/>
-              <a:ln w="28575">
-                <a:solidFill>
-                  <a:schemeClr val="tx1"/>
-                </a:solidFill>
-              </a:ln>
-            </p:spPr>
-            <p:style>
-              <a:lnRef idx="2">
-                <a:schemeClr val="accent1">
-                  <a:shade val="50000"/>
-                </a:schemeClr>
-              </a:lnRef>
-              <a:fillRef idx="1">
-                <a:schemeClr val="accent1"/>
-              </a:fillRef>
-              <a:effectRef idx="0">
-                <a:schemeClr val="accent1"/>
-              </a:effectRef>
-              <a:fontRef idx="minor">
-                <a:schemeClr val="lt1"/>
-              </a:fontRef>
-            </p:style>
-            <p:txBody>
-              <a:bodyPr rtlCol="1" anchor="ctr"/>
-              <a:lstStyle/>
-              <a:p>
-                <a:pPr algn="ctr"/>
-                <a:endParaRPr lang="he-IL"/>
-              </a:p>
-            </p:txBody>
-          </p:sp>
-          <p:sp>
-            <p:nvSpPr>
-              <p:cNvPr id="69" name="Rectangle 68">
-                <a:extLst>
-                  <a:ext uri="{FF2B5EF4-FFF2-40B4-BE49-F238E27FC236}">
-                    <a16:creationId xmlns:a16="http://schemas.microsoft.com/office/drawing/2014/main" id="{1E7F4071-D4A1-455A-8B49-5D17D4D3AB08}"/>
-                  </a:ext>
-                </a:extLst>
-              </p:cNvPr>
-              <p:cNvSpPr/>
-              <p:nvPr/>
-            </p:nvSpPr>
-            <p:spPr>
-              <a:xfrm>
-                <a:off x="1991746" y="3144043"/>
-                <a:ext cx="192088" cy="192088"/>
-              </a:xfrm>
-              <a:prstGeom prst="rect">
-                <a:avLst/>
-              </a:prstGeom>
-              <a:noFill/>
-              <a:ln w="28575">
-                <a:solidFill>
-                  <a:schemeClr val="tx1"/>
-                </a:solidFill>
-              </a:ln>
-            </p:spPr>
-            <p:style>
-              <a:lnRef idx="2">
-                <a:schemeClr val="accent1">
-                  <a:shade val="50000"/>
-                </a:schemeClr>
-              </a:lnRef>
-              <a:fillRef idx="1">
-                <a:schemeClr val="accent1"/>
-              </a:fillRef>
-              <a:effectRef idx="0">
-                <a:schemeClr val="accent1"/>
-              </a:effectRef>
-              <a:fontRef idx="minor">
-                <a:schemeClr val="lt1"/>
-              </a:fontRef>
-            </p:style>
-            <p:txBody>
-              <a:bodyPr rtlCol="1" anchor="ctr"/>
-              <a:lstStyle/>
-              <a:p>
-                <a:pPr algn="ctr"/>
-                <a:endParaRPr lang="he-IL"/>
-              </a:p>
-            </p:txBody>
-          </p:sp>
-          <p:sp>
-            <p:nvSpPr>
-              <p:cNvPr id="70" name="Rectangle 69">
-                <a:extLst>
-                  <a:ext uri="{FF2B5EF4-FFF2-40B4-BE49-F238E27FC236}">
-                    <a16:creationId xmlns:a16="http://schemas.microsoft.com/office/drawing/2014/main" id="{9E095A23-0835-4F1D-8E42-60EA353640A5}"/>
-                  </a:ext>
-                </a:extLst>
-              </p:cNvPr>
-              <p:cNvSpPr/>
-              <p:nvPr/>
-            </p:nvSpPr>
-            <p:spPr>
-              <a:xfrm>
-                <a:off x="2414314" y="3132822"/>
-                <a:ext cx="192088" cy="192088"/>
-              </a:xfrm>
-              <a:prstGeom prst="rect">
-                <a:avLst/>
-              </a:prstGeom>
-              <a:noFill/>
-              <a:ln w="28575">
-                <a:solidFill>
-                  <a:schemeClr val="tx1"/>
-                </a:solidFill>
-              </a:ln>
-            </p:spPr>
-            <p:style>
-              <a:lnRef idx="2">
-                <a:schemeClr val="accent1">
-                  <a:shade val="50000"/>
-                </a:schemeClr>
-              </a:lnRef>
-              <a:fillRef idx="1">
-                <a:schemeClr val="accent1"/>
-              </a:fillRef>
-              <a:effectRef idx="0">
-                <a:schemeClr val="accent1"/>
-              </a:effectRef>
-              <a:fontRef idx="minor">
-                <a:schemeClr val="lt1"/>
-              </a:fontRef>
-            </p:style>
-            <p:txBody>
-              <a:bodyPr rtlCol="1" anchor="ctr"/>
-              <a:lstStyle/>
-              <a:p>
-                <a:pPr algn="ctr"/>
-                <a:endParaRPr lang="he-IL"/>
-              </a:p>
-            </p:txBody>
-          </p:sp>
-          <p:sp>
-            <p:nvSpPr>
-              <p:cNvPr id="71" name="Rectangle 70">
-                <a:extLst>
-                  <a:ext uri="{FF2B5EF4-FFF2-40B4-BE49-F238E27FC236}">
-                    <a16:creationId xmlns:a16="http://schemas.microsoft.com/office/drawing/2014/main" id="{E612BB59-BF30-4318-ADA7-DE0556F3A21B}"/>
-                  </a:ext>
-                </a:extLst>
-              </p:cNvPr>
-              <p:cNvSpPr/>
-              <p:nvPr/>
-            </p:nvSpPr>
-            <p:spPr>
-              <a:xfrm rot="2700000">
-                <a:off x="2354265" y="2796488"/>
-                <a:ext cx="192088" cy="192088"/>
-              </a:xfrm>
-              <a:prstGeom prst="rect">
-                <a:avLst/>
-              </a:prstGeom>
-              <a:noFill/>
-              <a:ln w="28575">
-                <a:solidFill>
-                  <a:schemeClr val="tx1"/>
-                </a:solidFill>
-              </a:ln>
-            </p:spPr>
-            <p:style>
-              <a:lnRef idx="2">
-                <a:schemeClr val="accent1">
-                  <a:shade val="50000"/>
-                </a:schemeClr>
-              </a:lnRef>
-              <a:fillRef idx="1">
-                <a:schemeClr val="accent1"/>
-              </a:fillRef>
-              <a:effectRef idx="0">
-                <a:schemeClr val="accent1"/>
-              </a:effectRef>
-              <a:fontRef idx="minor">
-                <a:schemeClr val="lt1"/>
-              </a:fontRef>
-            </p:style>
-            <p:txBody>
-              <a:bodyPr rtlCol="1" anchor="ctr"/>
-              <a:lstStyle/>
-              <a:p>
-                <a:pPr algn="ctr"/>
-                <a:endParaRPr lang="he-IL"/>
-              </a:p>
-            </p:txBody>
-          </p:sp>
-          <p:sp>
-            <p:nvSpPr>
-              <p:cNvPr id="72" name="Rectangle 71">
-                <a:extLst>
-                  <a:ext uri="{FF2B5EF4-FFF2-40B4-BE49-F238E27FC236}">
-                    <a16:creationId xmlns:a16="http://schemas.microsoft.com/office/drawing/2014/main" id="{FF23630E-C37A-471E-BE7C-D2150502F590}"/>
-                  </a:ext>
-                </a:extLst>
-              </p:cNvPr>
-              <p:cNvSpPr/>
-              <p:nvPr/>
-            </p:nvSpPr>
-            <p:spPr>
-              <a:xfrm rot="2700000">
-                <a:off x="2773043" y="2931714"/>
-                <a:ext cx="192088" cy="192088"/>
-              </a:xfrm>
-              <a:prstGeom prst="rect">
-                <a:avLst/>
-              </a:prstGeom>
-              <a:noFill/>
-              <a:ln w="28575">
-                <a:solidFill>
-                  <a:schemeClr val="tx1"/>
-                </a:solidFill>
-              </a:ln>
-            </p:spPr>
-            <p:style>
-              <a:lnRef idx="2">
-                <a:schemeClr val="accent1">
-                  <a:shade val="50000"/>
-                </a:schemeClr>
-              </a:lnRef>
-              <a:fillRef idx="1">
-                <a:schemeClr val="accent1"/>
-              </a:fillRef>
-              <a:effectRef idx="0">
-                <a:schemeClr val="accent1"/>
-              </a:effectRef>
-              <a:fontRef idx="minor">
-                <a:schemeClr val="lt1"/>
-              </a:fontRef>
-            </p:style>
-            <p:txBody>
-              <a:bodyPr rtlCol="1" anchor="ctr"/>
-              <a:lstStyle/>
-              <a:p>
-                <a:pPr algn="ctr"/>
-                <a:endParaRPr lang="he-IL"/>
-              </a:p>
-            </p:txBody>
-          </p:sp>
-          <p:sp>
-            <p:nvSpPr>
-              <p:cNvPr id="73" name="Rectangle 72">
-                <a:extLst>
-                  <a:ext uri="{FF2B5EF4-FFF2-40B4-BE49-F238E27FC236}">
-                    <a16:creationId xmlns:a16="http://schemas.microsoft.com/office/drawing/2014/main" id="{BDC746B2-E3AD-401B-87B6-1D086A79157F}"/>
-                  </a:ext>
-                </a:extLst>
-              </p:cNvPr>
-              <p:cNvSpPr/>
-              <p:nvPr/>
-            </p:nvSpPr>
-            <p:spPr>
-              <a:xfrm>
-                <a:off x="2272448" y="2914450"/>
-                <a:ext cx="192088" cy="192088"/>
-              </a:xfrm>
-              <a:prstGeom prst="rect">
-                <a:avLst/>
-              </a:prstGeom>
-              <a:noFill/>
-              <a:ln w="28575">
-                <a:solidFill>
-                  <a:schemeClr val="tx1"/>
-                </a:solidFill>
-              </a:ln>
-            </p:spPr>
-            <p:style>
-              <a:lnRef idx="2">
-                <a:schemeClr val="accent1">
-                  <a:shade val="50000"/>
-                </a:schemeClr>
-              </a:lnRef>
-              <a:fillRef idx="1">
-                <a:schemeClr val="accent1"/>
-              </a:fillRef>
-              <a:effectRef idx="0">
-                <a:schemeClr val="accent1"/>
-              </a:effectRef>
-              <a:fontRef idx="minor">
-                <a:schemeClr val="lt1"/>
-              </a:fontRef>
-            </p:style>
-            <p:txBody>
-              <a:bodyPr rtlCol="1" anchor="ctr"/>
-              <a:lstStyle/>
-              <a:p>
-                <a:pPr algn="ctr"/>
-                <a:endParaRPr lang="he-IL"/>
-              </a:p>
-            </p:txBody>
-          </p:sp>
-          <p:sp>
-            <p:nvSpPr>
-              <p:cNvPr id="74" name="Rectangle 73">
-                <a:extLst>
-                  <a:ext uri="{FF2B5EF4-FFF2-40B4-BE49-F238E27FC236}">
-                    <a16:creationId xmlns:a16="http://schemas.microsoft.com/office/drawing/2014/main" id="{D77232D9-A8E1-4B6D-BE75-406822C5D660}"/>
-                  </a:ext>
-                </a:extLst>
-              </p:cNvPr>
-              <p:cNvSpPr/>
-              <p:nvPr/>
-            </p:nvSpPr>
-            <p:spPr>
-              <a:xfrm rot="2700000">
-                <a:off x="2084506" y="3014860"/>
-                <a:ext cx="192088" cy="192088"/>
-              </a:xfrm>
-              <a:prstGeom prst="rect">
-                <a:avLst/>
-              </a:prstGeom>
-              <a:noFill/>
-              <a:ln w="28575">
-                <a:solidFill>
-                  <a:schemeClr val="tx1"/>
-                </a:solidFill>
-              </a:ln>
-            </p:spPr>
-            <p:style>
-              <a:lnRef idx="2">
-                <a:schemeClr val="accent1">
-                  <a:shade val="50000"/>
-                </a:schemeClr>
-              </a:lnRef>
-              <a:fillRef idx="1">
-                <a:schemeClr val="accent1"/>
-              </a:fillRef>
-              <a:effectRef idx="0">
-                <a:schemeClr val="accent1"/>
-              </a:effectRef>
-              <a:fontRef idx="minor">
-                <a:schemeClr val="lt1"/>
-              </a:fontRef>
-            </p:style>
-            <p:txBody>
-              <a:bodyPr rtlCol="1" anchor="ctr"/>
-              <a:lstStyle/>
-              <a:p>
-                <a:pPr algn="ctr"/>
-                <a:endParaRPr lang="he-IL"/>
-              </a:p>
-            </p:txBody>
-          </p:sp>
-          <p:sp>
-            <p:nvSpPr>
-              <p:cNvPr id="75" name="Rectangle 74">
-                <a:extLst>
-                  <a:ext uri="{FF2B5EF4-FFF2-40B4-BE49-F238E27FC236}">
-                    <a16:creationId xmlns:a16="http://schemas.microsoft.com/office/drawing/2014/main" id="{BA1CF94C-20DF-4700-BCDB-319FB8FEF915}"/>
-                  </a:ext>
-                </a:extLst>
-              </p:cNvPr>
-              <p:cNvSpPr/>
-              <p:nvPr/>
-            </p:nvSpPr>
-            <p:spPr>
-              <a:xfrm rot="2700000">
-                <a:off x="2554040" y="3096323"/>
-                <a:ext cx="192088" cy="192088"/>
-              </a:xfrm>
-              <a:prstGeom prst="rect">
-                <a:avLst/>
-              </a:prstGeom>
-              <a:noFill/>
-              <a:ln w="28575">
-                <a:solidFill>
-                  <a:schemeClr val="tx1"/>
-                </a:solidFill>
-              </a:ln>
-            </p:spPr>
-            <p:style>
-              <a:lnRef idx="2">
-                <a:schemeClr val="accent1">
-                  <a:shade val="50000"/>
-                </a:schemeClr>
-              </a:lnRef>
-              <a:fillRef idx="1">
-                <a:schemeClr val="accent1"/>
-              </a:fillRef>
-              <a:effectRef idx="0">
-                <a:schemeClr val="accent1"/>
-              </a:effectRef>
-              <a:fontRef idx="minor">
-                <a:schemeClr val="lt1"/>
-              </a:fontRef>
-            </p:style>
-            <p:txBody>
-              <a:bodyPr rtlCol="1" anchor="ctr"/>
-              <a:lstStyle/>
-              <a:p>
-                <a:pPr algn="ctr"/>
-                <a:endParaRPr lang="he-IL"/>
-              </a:p>
-            </p:txBody>
-          </p:sp>
-          <p:sp>
-            <p:nvSpPr>
-              <p:cNvPr id="76" name="Rectangle 75">
-                <a:extLst>
-                  <a:ext uri="{FF2B5EF4-FFF2-40B4-BE49-F238E27FC236}">
-                    <a16:creationId xmlns:a16="http://schemas.microsoft.com/office/drawing/2014/main" id="{54F9654D-7A66-4D74-872E-68A1A5A6B5D3}"/>
-                  </a:ext>
-                </a:extLst>
-              </p:cNvPr>
-              <p:cNvSpPr/>
-              <p:nvPr/>
-            </p:nvSpPr>
-            <p:spPr>
-              <a:xfrm rot="2700000">
-                <a:off x="2972818" y="2987974"/>
-                <a:ext cx="192088" cy="192088"/>
-              </a:xfrm>
-              <a:prstGeom prst="rect">
-                <a:avLst/>
-              </a:prstGeom>
-              <a:noFill/>
-              <a:ln w="28575">
-                <a:solidFill>
-                  <a:schemeClr val="tx1"/>
-                </a:solidFill>
-              </a:ln>
-            </p:spPr>
-            <p:style>
-              <a:lnRef idx="2">
-                <a:schemeClr val="accent1">
-                  <a:shade val="50000"/>
-                </a:schemeClr>
-              </a:lnRef>
-              <a:fillRef idx="1">
-                <a:schemeClr val="accent1"/>
-              </a:fillRef>
-              <a:effectRef idx="0">
-                <a:schemeClr val="accent1"/>
-              </a:effectRef>
-              <a:fontRef idx="minor">
-                <a:schemeClr val="lt1"/>
-              </a:fontRef>
-            </p:style>
-            <p:txBody>
-              <a:bodyPr rtlCol="1" anchor="ctr"/>
-              <a:lstStyle/>
-              <a:p>
-                <a:pPr algn="ctr"/>
-                <a:endParaRPr lang="he-IL"/>
-              </a:p>
-            </p:txBody>
-          </p:sp>
-          <p:sp>
-            <p:nvSpPr>
-              <p:cNvPr id="77" name="Rectangle 76">
-                <a:extLst>
-                  <a:ext uri="{FF2B5EF4-FFF2-40B4-BE49-F238E27FC236}">
-                    <a16:creationId xmlns:a16="http://schemas.microsoft.com/office/drawing/2014/main" id="{162F508F-83B6-4D63-8A2B-A5D7FD30D191}"/>
-                  </a:ext>
-                </a:extLst>
-              </p:cNvPr>
-              <p:cNvSpPr/>
-              <p:nvPr/>
-            </p:nvSpPr>
-            <p:spPr>
-              <a:xfrm rot="2700000">
-                <a:off x="2262148" y="3051481"/>
-                <a:ext cx="192088" cy="192088"/>
-              </a:xfrm>
-              <a:prstGeom prst="rect">
-                <a:avLst/>
-              </a:prstGeom>
-              <a:noFill/>
-              <a:ln w="28575">
-                <a:solidFill>
-                  <a:schemeClr val="tx1"/>
-                </a:solidFill>
-              </a:ln>
-            </p:spPr>
-            <p:style>
-              <a:lnRef idx="2">
-                <a:schemeClr val="accent1">
-                  <a:shade val="50000"/>
-                </a:schemeClr>
-              </a:lnRef>
-              <a:fillRef idx="1">
-                <a:schemeClr val="accent1"/>
-              </a:fillRef>
-              <a:effectRef idx="0">
-                <a:schemeClr val="accent1"/>
-              </a:effectRef>
-              <a:fontRef idx="minor">
-                <a:schemeClr val="lt1"/>
-              </a:fontRef>
-            </p:style>
-            <p:txBody>
-              <a:bodyPr rtlCol="1" anchor="ctr"/>
-              <a:lstStyle/>
-              <a:p>
-                <a:pPr algn="ctr"/>
-                <a:endParaRPr lang="he-IL"/>
-              </a:p>
-            </p:txBody>
-          </p:sp>
-          <p:sp>
-            <p:nvSpPr>
-              <p:cNvPr id="78" name="Rectangle 77">
-                <a:extLst>
-                  <a:ext uri="{FF2B5EF4-FFF2-40B4-BE49-F238E27FC236}">
-                    <a16:creationId xmlns:a16="http://schemas.microsoft.com/office/drawing/2014/main" id="{95CE5E66-D541-4F1D-9AC2-58EA76A2D6D9}"/>
-                  </a:ext>
-                </a:extLst>
-              </p:cNvPr>
-              <p:cNvSpPr/>
-              <p:nvPr/>
-            </p:nvSpPr>
-            <p:spPr>
-              <a:xfrm rot="2700000">
-                <a:off x="2612344" y="2901053"/>
-                <a:ext cx="192088" cy="192088"/>
-              </a:xfrm>
-              <a:prstGeom prst="rect">
-                <a:avLst/>
-              </a:prstGeom>
-              <a:noFill/>
-              <a:ln w="28575">
-                <a:solidFill>
-                  <a:schemeClr val="tx1"/>
-                </a:solidFill>
-              </a:ln>
-            </p:spPr>
-            <p:style>
-              <a:lnRef idx="2">
-                <a:schemeClr val="accent1">
-                  <a:shade val="50000"/>
-                </a:schemeClr>
-              </a:lnRef>
-              <a:fillRef idx="1">
-                <a:schemeClr val="accent1"/>
-              </a:fillRef>
-              <a:effectRef idx="0">
-                <a:schemeClr val="accent1"/>
-              </a:effectRef>
-              <a:fontRef idx="minor">
-                <a:schemeClr val="lt1"/>
-              </a:fontRef>
-            </p:style>
-            <p:txBody>
-              <a:bodyPr rtlCol="1" anchor="ctr"/>
-              <a:lstStyle/>
-              <a:p>
-                <a:pPr algn="ctr"/>
-                <a:endParaRPr lang="he-IL"/>
-              </a:p>
-            </p:txBody>
-          </p:sp>
-          <p:sp>
-            <p:nvSpPr>
-              <p:cNvPr id="79" name="Rectangle 78">
-                <a:extLst>
-                  <a:ext uri="{FF2B5EF4-FFF2-40B4-BE49-F238E27FC236}">
-                    <a16:creationId xmlns:a16="http://schemas.microsoft.com/office/drawing/2014/main" id="{CE97C343-0363-440A-AB6A-D25A0706A3FA}"/>
-                  </a:ext>
-                </a:extLst>
-              </p:cNvPr>
-              <p:cNvSpPr/>
-              <p:nvPr/>
-            </p:nvSpPr>
-            <p:spPr>
-              <a:xfrm rot="2700000">
-                <a:off x="2742495" y="3077663"/>
-                <a:ext cx="192088" cy="192088"/>
-              </a:xfrm>
-              <a:prstGeom prst="rect">
-                <a:avLst/>
-              </a:prstGeom>
-              <a:noFill/>
-              <a:ln w="28575">
-                <a:solidFill>
-                  <a:schemeClr val="tx1"/>
-                </a:solidFill>
-              </a:ln>
-            </p:spPr>
-            <p:style>
-              <a:lnRef idx="2">
-                <a:schemeClr val="accent1">
-                  <a:shade val="50000"/>
-                </a:schemeClr>
-              </a:lnRef>
-              <a:fillRef idx="1">
-                <a:schemeClr val="accent1"/>
-              </a:fillRef>
-              <a:effectRef idx="0">
-                <a:schemeClr val="accent1"/>
-              </a:effectRef>
-              <a:fontRef idx="minor">
-                <a:schemeClr val="lt1"/>
-              </a:fontRef>
-            </p:style>
-            <p:txBody>
-              <a:bodyPr rtlCol="1" anchor="ctr"/>
-              <a:lstStyle/>
-              <a:p>
-                <a:pPr algn="ctr"/>
-                <a:endParaRPr lang="he-IL"/>
-              </a:p>
-            </p:txBody>
-          </p:sp>
-        </p:grpSp>
-        <p:sp>
-          <p:nvSpPr>
-            <p:cNvPr id="140" name="TextBox 139">
-              <a:extLst>
-                <a:ext uri="{FF2B5EF4-FFF2-40B4-BE49-F238E27FC236}">
-                  <a16:creationId xmlns:a16="http://schemas.microsoft.com/office/drawing/2014/main" id="{54439584-3BE1-46CF-A248-667AE0750F1E}"/>
-                </a:ext>
-              </a:extLst>
-            </p:cNvPr>
-            <p:cNvSpPr txBox="1"/>
-            <p:nvPr/>
-          </p:nvSpPr>
-          <p:spPr>
-            <a:xfrm>
-              <a:off x="4199735" y="1247385"/>
-              <a:ext cx="2706872" cy="307777"/>
-            </a:xfrm>
-            <a:prstGeom prst="rect">
-              <a:avLst/>
-            </a:prstGeom>
-            <a:noFill/>
-          </p:spPr>
-          <p:txBody>
-            <a:bodyPr wrap="square" rtlCol="1">
-              <a:spAutoFit/>
-            </a:bodyPr>
-            <a:lstStyle/>
-            <a:p>
-              <a:r>
-                <a:rPr lang="en-US" sz="1400" dirty="0"/>
-                <a:t>     </a:t>
-              </a:r>
-              <a:r>
-                <a:rPr lang="en-US" sz="1400" dirty="0" err="1"/>
-                <a:t>Artficial</a:t>
-              </a:r>
-              <a:r>
-                <a:rPr lang="en-US" sz="1400" dirty="0"/>
-                <a:t>                      Natural</a:t>
-              </a:r>
-              <a:endParaRPr lang="he-IL" sz="1400" dirty="0"/>
-            </a:p>
-          </p:txBody>
-        </p:sp>
-        <p:sp>
-          <p:nvSpPr>
-            <p:cNvPr id="141" name="Oval 140">
-              <a:extLst>
-                <a:ext uri="{FF2B5EF4-FFF2-40B4-BE49-F238E27FC236}">
-                  <a16:creationId xmlns:a16="http://schemas.microsoft.com/office/drawing/2014/main" id="{D42815DF-D2C1-4415-8AA9-842C68178CDE}"/>
-                </a:ext>
-              </a:extLst>
-            </p:cNvPr>
-            <p:cNvSpPr/>
-            <p:nvPr/>
-          </p:nvSpPr>
-          <p:spPr>
-            <a:xfrm>
-              <a:off x="6251948" y="1799290"/>
-              <a:ext cx="180871" cy="183550"/>
-            </a:xfrm>
-            <a:prstGeom prst="ellipse">
-              <a:avLst/>
-            </a:prstGeom>
-            <a:noFill/>
-            <a:ln w="57150">
-              <a:solidFill>
-                <a:schemeClr val="accent5">
-                  <a:lumMod val="60000"/>
-                  <a:lumOff val="40000"/>
-                </a:schemeClr>
-              </a:solidFill>
-            </a:ln>
-          </p:spPr>
-          <p:style>
-            <a:lnRef idx="2">
-              <a:schemeClr val="accent1">
-                <a:shade val="50000"/>
-              </a:schemeClr>
-            </a:lnRef>
-            <a:fillRef idx="1">
-              <a:schemeClr val="accent1"/>
-            </a:fillRef>
-            <a:effectRef idx="0">
-              <a:schemeClr val="accent1"/>
-            </a:effectRef>
-            <a:fontRef idx="minor">
-              <a:schemeClr val="lt1"/>
-            </a:fontRef>
-          </p:style>
-          <p:txBody>
-            <a:bodyPr rtlCol="1" anchor="ctr"/>
-            <a:lstStyle/>
-            <a:p>
-              <a:pPr algn="ctr"/>
-              <a:endParaRPr lang="he-IL"/>
-            </a:p>
-          </p:txBody>
-        </p:sp>
-        <p:sp>
-          <p:nvSpPr>
-            <p:cNvPr id="142" name="Oval 141">
-              <a:extLst>
-                <a:ext uri="{FF2B5EF4-FFF2-40B4-BE49-F238E27FC236}">
-                  <a16:creationId xmlns:a16="http://schemas.microsoft.com/office/drawing/2014/main" id="{45B4C170-96AA-413B-9C7A-2ED515E83A7A}"/>
-                </a:ext>
-              </a:extLst>
-            </p:cNvPr>
-            <p:cNvSpPr/>
-            <p:nvPr/>
-          </p:nvSpPr>
-          <p:spPr>
-            <a:xfrm>
-              <a:off x="4453352" y="1799290"/>
-              <a:ext cx="180871" cy="183550"/>
-            </a:xfrm>
-            <a:prstGeom prst="ellipse">
-              <a:avLst/>
-            </a:prstGeom>
-            <a:noFill/>
-            <a:ln w="57150">
-              <a:solidFill>
-                <a:schemeClr val="accent5">
-                  <a:lumMod val="60000"/>
-                  <a:lumOff val="40000"/>
-                </a:schemeClr>
-              </a:solidFill>
-            </a:ln>
-          </p:spPr>
-          <p:style>
-            <a:lnRef idx="2">
-              <a:schemeClr val="accent1">
-                <a:shade val="50000"/>
-              </a:schemeClr>
-            </a:lnRef>
-            <a:fillRef idx="1">
-              <a:schemeClr val="accent1"/>
-            </a:fillRef>
-            <a:effectRef idx="0">
-              <a:schemeClr val="accent1"/>
-            </a:effectRef>
-            <a:fontRef idx="minor">
-              <a:schemeClr val="lt1"/>
-            </a:fontRef>
-          </p:style>
-          <p:txBody>
-            <a:bodyPr rtlCol="1" anchor="ctr"/>
-            <a:lstStyle/>
-            <a:p>
-              <a:pPr algn="ctr"/>
-              <a:endParaRPr lang="he-IL"/>
-            </a:p>
-          </p:txBody>
-        </p:sp>
-      </p:grpSp>
-      <p:grpSp>
-        <p:nvGrpSpPr>
-          <p:cNvPr id="39" name="Group 38">
-            <a:extLst>
-              <a:ext uri="{FF2B5EF4-FFF2-40B4-BE49-F238E27FC236}">
-                <a16:creationId xmlns:a16="http://schemas.microsoft.com/office/drawing/2014/main" id="{1B7BCAC4-2C27-4B29-85F3-1D45FFEBE13E}"/>
-              </a:ext>
-            </a:extLst>
-          </p:cNvPr>
-          <p:cNvGrpSpPr/>
-          <p:nvPr/>
-        </p:nvGrpSpPr>
-        <p:grpSpPr>
-          <a:xfrm>
-            <a:off x="5004211" y="1930156"/>
-            <a:ext cx="2706872" cy="1184902"/>
-            <a:chOff x="5004211" y="1930156"/>
-            <a:chExt cx="2706872" cy="1184902"/>
-          </a:xfrm>
-        </p:grpSpPr>
-        <p:grpSp>
-          <p:nvGrpSpPr>
-            <p:cNvPr id="56" name="Group 55">
-              <a:extLst>
-                <a:ext uri="{FF2B5EF4-FFF2-40B4-BE49-F238E27FC236}">
-                  <a16:creationId xmlns:a16="http://schemas.microsoft.com/office/drawing/2014/main" id="{F7AE56BE-6055-4097-B561-0C693C5D0F2D}"/>
-                </a:ext>
-              </a:extLst>
-            </p:cNvPr>
-            <p:cNvGrpSpPr/>
-            <p:nvPr/>
-          </p:nvGrpSpPr>
-          <p:grpSpPr>
-            <a:xfrm>
-              <a:off x="5119493" y="1932803"/>
-              <a:ext cx="2290619" cy="1182255"/>
-              <a:chOff x="4322616" y="2456872"/>
-              <a:chExt cx="2290619" cy="1182255"/>
-            </a:xfrm>
-          </p:grpSpPr>
-          <p:sp>
-            <p:nvSpPr>
-              <p:cNvPr id="42" name="Rectangle: Rounded Corners 41">
-                <a:extLst>
-                  <a:ext uri="{FF2B5EF4-FFF2-40B4-BE49-F238E27FC236}">
-                    <a16:creationId xmlns:a16="http://schemas.microsoft.com/office/drawing/2014/main" id="{F7405CA7-8111-40C0-BE24-2006A6FD5E7B}"/>
-                  </a:ext>
-                </a:extLst>
-              </p:cNvPr>
-              <p:cNvSpPr/>
-              <p:nvPr/>
-            </p:nvSpPr>
-            <p:spPr>
-              <a:xfrm>
-                <a:off x="4322616" y="2456872"/>
-                <a:ext cx="2290619" cy="1182255"/>
-              </a:xfrm>
-              <a:prstGeom prst="roundRect">
-                <a:avLst/>
-              </a:prstGeom>
-              <a:solidFill>
-                <a:schemeClr val="bg1"/>
-              </a:solidFill>
-              <a:ln w="28575">
-                <a:solidFill>
-                  <a:schemeClr val="tx1"/>
-                </a:solidFill>
-              </a:ln>
-            </p:spPr>
-            <p:style>
-              <a:lnRef idx="2">
-                <a:schemeClr val="accent1">
-                  <a:shade val="50000"/>
-                </a:schemeClr>
-              </a:lnRef>
-              <a:fillRef idx="1">
-                <a:schemeClr val="accent1"/>
-              </a:fillRef>
-              <a:effectRef idx="0">
-                <a:schemeClr val="accent1"/>
-              </a:effectRef>
-              <a:fontRef idx="minor">
-                <a:schemeClr val="lt1"/>
-              </a:fontRef>
-            </p:style>
-            <p:txBody>
-              <a:bodyPr rtlCol="1" anchor="ctr"/>
-              <a:lstStyle/>
-              <a:p>
-                <a:pPr algn="ctr"/>
-                <a:endParaRPr lang="he-IL"/>
-              </a:p>
-            </p:txBody>
-          </p:sp>
-          <p:sp>
-            <p:nvSpPr>
-              <p:cNvPr id="43" name="TextBox 42">
-                <a:extLst>
-                  <a:ext uri="{FF2B5EF4-FFF2-40B4-BE49-F238E27FC236}">
-                    <a16:creationId xmlns:a16="http://schemas.microsoft.com/office/drawing/2014/main" id="{30918611-BCC0-4B74-8BDB-5981F0F57201}"/>
-                  </a:ext>
-                </a:extLst>
-              </p:cNvPr>
-              <p:cNvSpPr txBox="1"/>
-              <p:nvPr/>
-            </p:nvSpPr>
-            <p:spPr>
-              <a:xfrm>
-                <a:off x="4479634" y="2794930"/>
-                <a:ext cx="1976582" cy="523220"/>
-              </a:xfrm>
-              <a:prstGeom prst="rect">
-                <a:avLst/>
-              </a:prstGeom>
-              <a:noFill/>
-            </p:spPr>
-            <p:txBody>
-              <a:bodyPr wrap="square" rtlCol="1">
-                <a:spAutoFit/>
-              </a:bodyPr>
-              <a:lstStyle/>
-              <a:p>
-                <a:pPr algn="ctr"/>
-                <a:r>
-                  <a:rPr lang="en-US" sz="2800" dirty="0"/>
-                  <a:t>CLOUD       </a:t>
-                </a:r>
-                <a:endParaRPr lang="he-IL" sz="2800" dirty="0"/>
-              </a:p>
-            </p:txBody>
-          </p:sp>
-        </p:grpSp>
-        <p:sp>
-          <p:nvSpPr>
-            <p:cNvPr id="143" name="TextBox 142">
-              <a:extLst>
-                <a:ext uri="{FF2B5EF4-FFF2-40B4-BE49-F238E27FC236}">
-                  <a16:creationId xmlns:a16="http://schemas.microsoft.com/office/drawing/2014/main" id="{88041EBE-9796-459E-833D-7C2D65378650}"/>
-                </a:ext>
-              </a:extLst>
-            </p:cNvPr>
-            <p:cNvSpPr txBox="1"/>
-            <p:nvPr/>
-          </p:nvSpPr>
-          <p:spPr>
-            <a:xfrm>
-              <a:off x="5004211" y="1930156"/>
-              <a:ext cx="2706872" cy="307777"/>
-            </a:xfrm>
-            <a:prstGeom prst="rect">
-              <a:avLst/>
-            </a:prstGeom>
-            <a:noFill/>
-          </p:spPr>
-          <p:txBody>
-            <a:bodyPr wrap="square" rtlCol="1">
-              <a:spAutoFit/>
-            </a:bodyPr>
-            <a:lstStyle/>
-            <a:p>
-              <a:r>
-                <a:rPr lang="en-US" sz="1400" dirty="0"/>
-                <a:t>    </a:t>
-              </a:r>
-              <a:r>
-                <a:rPr lang="en-US" sz="1400" dirty="0" err="1"/>
-                <a:t>Artficial</a:t>
-              </a:r>
-              <a:r>
-                <a:rPr lang="en-US" sz="1400" dirty="0"/>
-                <a:t>                      Natural</a:t>
-              </a:r>
-              <a:endParaRPr lang="he-IL" sz="1400" dirty="0"/>
-            </a:p>
-          </p:txBody>
-        </p:sp>
-        <p:sp>
-          <p:nvSpPr>
-            <p:cNvPr id="144" name="Oval 143">
-              <a:extLst>
-                <a:ext uri="{FF2B5EF4-FFF2-40B4-BE49-F238E27FC236}">
-                  <a16:creationId xmlns:a16="http://schemas.microsoft.com/office/drawing/2014/main" id="{0B65616D-8DD2-4F78-A00F-F88589B4AFD8}"/>
-                </a:ext>
-              </a:extLst>
-            </p:cNvPr>
-            <p:cNvSpPr/>
-            <p:nvPr/>
-          </p:nvSpPr>
-          <p:spPr>
-            <a:xfrm>
-              <a:off x="7056424" y="2482061"/>
-              <a:ext cx="180871" cy="183550"/>
-            </a:xfrm>
-            <a:prstGeom prst="ellipse">
-              <a:avLst/>
-            </a:prstGeom>
-            <a:noFill/>
-            <a:ln w="57150">
-              <a:solidFill>
-                <a:schemeClr val="accent5">
-                  <a:lumMod val="60000"/>
-                  <a:lumOff val="40000"/>
-                </a:schemeClr>
-              </a:solidFill>
-            </a:ln>
-          </p:spPr>
-          <p:style>
-            <a:lnRef idx="2">
-              <a:schemeClr val="accent1">
-                <a:shade val="50000"/>
-              </a:schemeClr>
-            </a:lnRef>
-            <a:fillRef idx="1">
-              <a:schemeClr val="accent1"/>
-            </a:fillRef>
-            <a:effectRef idx="0">
-              <a:schemeClr val="accent1"/>
-            </a:effectRef>
-            <a:fontRef idx="minor">
-              <a:schemeClr val="lt1"/>
-            </a:fontRef>
-          </p:style>
-          <p:txBody>
-            <a:bodyPr rtlCol="1" anchor="ctr"/>
-            <a:lstStyle/>
-            <a:p>
-              <a:pPr algn="ctr"/>
-              <a:endParaRPr lang="he-IL"/>
-            </a:p>
-          </p:txBody>
-        </p:sp>
-        <p:sp>
-          <p:nvSpPr>
-            <p:cNvPr id="145" name="Oval 144">
-              <a:extLst>
-                <a:ext uri="{FF2B5EF4-FFF2-40B4-BE49-F238E27FC236}">
-                  <a16:creationId xmlns:a16="http://schemas.microsoft.com/office/drawing/2014/main" id="{27C244F6-8420-4597-AED1-7F952D220E36}"/>
-                </a:ext>
-              </a:extLst>
-            </p:cNvPr>
-            <p:cNvSpPr/>
-            <p:nvPr/>
-          </p:nvSpPr>
-          <p:spPr>
-            <a:xfrm>
-              <a:off x="5257828" y="2482061"/>
-              <a:ext cx="180871" cy="183550"/>
-            </a:xfrm>
-            <a:prstGeom prst="ellipse">
-              <a:avLst/>
-            </a:prstGeom>
-            <a:noFill/>
-            <a:ln w="57150">
-              <a:solidFill>
-                <a:schemeClr val="accent5">
-                  <a:lumMod val="60000"/>
-                  <a:lumOff val="40000"/>
-                </a:schemeClr>
-              </a:solidFill>
-            </a:ln>
-          </p:spPr>
-          <p:style>
-            <a:lnRef idx="2">
-              <a:schemeClr val="accent1">
-                <a:shade val="50000"/>
-              </a:schemeClr>
-            </a:lnRef>
-            <a:fillRef idx="1">
-              <a:schemeClr val="accent1"/>
-            </a:fillRef>
-            <a:effectRef idx="0">
-              <a:schemeClr val="accent1"/>
-            </a:effectRef>
-            <a:fontRef idx="minor">
-              <a:schemeClr val="lt1"/>
-            </a:fontRef>
-          </p:style>
-          <p:txBody>
-            <a:bodyPr rtlCol="1" anchor="ctr"/>
-            <a:lstStyle/>
-            <a:p>
-              <a:pPr algn="ctr"/>
-              <a:endParaRPr lang="he-IL"/>
-            </a:p>
-          </p:txBody>
-        </p:sp>
-      </p:grpSp>
-      <p:grpSp>
-        <p:nvGrpSpPr>
-          <p:cNvPr id="40" name="Group 39">
-            <a:extLst>
-              <a:ext uri="{FF2B5EF4-FFF2-40B4-BE49-F238E27FC236}">
-                <a16:creationId xmlns:a16="http://schemas.microsoft.com/office/drawing/2014/main" id="{9C625FDD-02FC-4908-BFC7-A1A5BCD86168}"/>
-              </a:ext>
-            </a:extLst>
-          </p:cNvPr>
-          <p:cNvGrpSpPr/>
-          <p:nvPr/>
-        </p:nvGrpSpPr>
-        <p:grpSpPr>
-          <a:xfrm>
-            <a:off x="5887799" y="2644522"/>
-            <a:ext cx="2706872" cy="1185208"/>
-            <a:chOff x="5887799" y="2644522"/>
-            <a:chExt cx="2706872" cy="1185208"/>
-          </a:xfrm>
-        </p:grpSpPr>
-        <p:grpSp>
-          <p:nvGrpSpPr>
-            <p:cNvPr id="80" name="Group 79">
-              <a:extLst>
-                <a:ext uri="{FF2B5EF4-FFF2-40B4-BE49-F238E27FC236}">
-                  <a16:creationId xmlns:a16="http://schemas.microsoft.com/office/drawing/2014/main" id="{BC66198C-F334-4FDB-8D22-DE8040DDA814}"/>
-                </a:ext>
-              </a:extLst>
-            </p:cNvPr>
-            <p:cNvGrpSpPr/>
-            <p:nvPr/>
-          </p:nvGrpSpPr>
-          <p:grpSpPr>
-            <a:xfrm>
-              <a:off x="5994833" y="2647475"/>
-              <a:ext cx="2290619" cy="1182255"/>
-              <a:chOff x="1487053" y="2456872"/>
-              <a:chExt cx="2290619" cy="1182255"/>
-            </a:xfrm>
-          </p:grpSpPr>
-          <p:sp>
-            <p:nvSpPr>
-              <p:cNvPr id="81" name="Rectangle: Rounded Corners 80">
-                <a:extLst>
-                  <a:ext uri="{FF2B5EF4-FFF2-40B4-BE49-F238E27FC236}">
-                    <a16:creationId xmlns:a16="http://schemas.microsoft.com/office/drawing/2014/main" id="{2E405BD2-8812-48F4-A139-62E1F70C3F90}"/>
-                  </a:ext>
-                </a:extLst>
-              </p:cNvPr>
-              <p:cNvSpPr/>
-              <p:nvPr/>
-            </p:nvSpPr>
-            <p:spPr>
-              <a:xfrm>
-                <a:off x="1487053" y="2456872"/>
-                <a:ext cx="2290619" cy="1182255"/>
-              </a:xfrm>
-              <a:prstGeom prst="roundRect">
-                <a:avLst/>
-              </a:prstGeom>
-              <a:solidFill>
-                <a:schemeClr val="bg1"/>
-              </a:solidFill>
-              <a:ln w="28575">
-                <a:solidFill>
-                  <a:schemeClr val="tx1"/>
-                </a:solidFill>
-              </a:ln>
-            </p:spPr>
-            <p:style>
-              <a:lnRef idx="2">
-                <a:schemeClr val="accent1">
-                  <a:shade val="50000"/>
-                </a:schemeClr>
-              </a:lnRef>
-              <a:fillRef idx="1">
-                <a:schemeClr val="accent1"/>
-              </a:fillRef>
-              <a:effectRef idx="0">
-                <a:schemeClr val="accent1"/>
-              </a:effectRef>
-              <a:fontRef idx="minor">
-                <a:schemeClr val="lt1"/>
-              </a:fontRef>
-            </p:style>
-            <p:txBody>
-              <a:bodyPr rtlCol="1" anchor="ctr"/>
-              <a:lstStyle/>
-              <a:p>
-                <a:pPr algn="ctr"/>
-                <a:endParaRPr lang="he-IL"/>
-              </a:p>
-            </p:txBody>
-          </p:sp>
-          <p:sp>
-            <p:nvSpPr>
-              <p:cNvPr id="82" name="Rectangle 81">
-                <a:extLst>
-                  <a:ext uri="{FF2B5EF4-FFF2-40B4-BE49-F238E27FC236}">
-                    <a16:creationId xmlns:a16="http://schemas.microsoft.com/office/drawing/2014/main" id="{866A37D2-ECDF-468B-BC97-EBB54A93F45E}"/>
-                  </a:ext>
-                </a:extLst>
-              </p:cNvPr>
-              <p:cNvSpPr/>
-              <p:nvPr/>
-            </p:nvSpPr>
-            <p:spPr>
-              <a:xfrm>
-                <a:off x="1959700" y="2855911"/>
-                <a:ext cx="192088" cy="192088"/>
-              </a:xfrm>
-              <a:prstGeom prst="rect">
-                <a:avLst/>
-              </a:prstGeom>
-              <a:noFill/>
-              <a:ln w="28575">
-                <a:solidFill>
-                  <a:schemeClr val="tx1"/>
-                </a:solidFill>
-              </a:ln>
-            </p:spPr>
-            <p:style>
-              <a:lnRef idx="2">
-                <a:schemeClr val="accent1">
-                  <a:shade val="50000"/>
-                </a:schemeClr>
-              </a:lnRef>
-              <a:fillRef idx="1">
-                <a:schemeClr val="accent1"/>
-              </a:fillRef>
-              <a:effectRef idx="0">
-                <a:schemeClr val="accent1"/>
-              </a:effectRef>
-              <a:fontRef idx="minor">
-                <a:schemeClr val="lt1"/>
-              </a:fontRef>
-            </p:style>
-            <p:txBody>
-              <a:bodyPr rtlCol="1" anchor="ctr"/>
-              <a:lstStyle/>
-              <a:p>
-                <a:pPr algn="ctr"/>
-                <a:endParaRPr lang="he-IL"/>
-              </a:p>
-            </p:txBody>
-          </p:sp>
-          <p:sp>
-            <p:nvSpPr>
-              <p:cNvPr id="83" name="Rectangle 82">
-                <a:extLst>
-                  <a:ext uri="{FF2B5EF4-FFF2-40B4-BE49-F238E27FC236}">
-                    <a16:creationId xmlns:a16="http://schemas.microsoft.com/office/drawing/2014/main" id="{E9644929-8E54-45A9-8256-DCEFB0B507AC}"/>
-                  </a:ext>
-                </a:extLst>
-              </p:cNvPr>
-              <p:cNvSpPr/>
-              <p:nvPr/>
-            </p:nvSpPr>
-            <p:spPr>
-              <a:xfrm>
-                <a:off x="2296250" y="2951955"/>
-                <a:ext cx="192088" cy="192088"/>
-              </a:xfrm>
-              <a:prstGeom prst="rect">
-                <a:avLst/>
-              </a:prstGeom>
-              <a:noFill/>
-              <a:ln w="28575">
-                <a:solidFill>
-                  <a:schemeClr val="tx1"/>
-                </a:solidFill>
-              </a:ln>
-            </p:spPr>
-            <p:style>
-              <a:lnRef idx="2">
-                <a:schemeClr val="accent1">
-                  <a:shade val="50000"/>
-                </a:schemeClr>
-              </a:lnRef>
-              <a:fillRef idx="1">
-                <a:schemeClr val="accent1"/>
-              </a:fillRef>
-              <a:effectRef idx="0">
-                <a:schemeClr val="accent1"/>
-              </a:effectRef>
-              <a:fontRef idx="minor">
-                <a:schemeClr val="lt1"/>
-              </a:fontRef>
-            </p:style>
-            <p:txBody>
-              <a:bodyPr rtlCol="1" anchor="ctr"/>
-              <a:lstStyle/>
-              <a:p>
-                <a:pPr algn="ctr"/>
-                <a:endParaRPr lang="he-IL"/>
-              </a:p>
-            </p:txBody>
-          </p:sp>
-          <p:sp>
-            <p:nvSpPr>
-              <p:cNvPr id="84" name="Rectangle 83">
-                <a:extLst>
-                  <a:ext uri="{FF2B5EF4-FFF2-40B4-BE49-F238E27FC236}">
-                    <a16:creationId xmlns:a16="http://schemas.microsoft.com/office/drawing/2014/main" id="{067DEBF7-2BEE-4149-B6B9-03A4C7D271DF}"/>
-                  </a:ext>
-                </a:extLst>
-              </p:cNvPr>
-              <p:cNvSpPr/>
-              <p:nvPr/>
-            </p:nvSpPr>
-            <p:spPr>
-              <a:xfrm>
-                <a:off x="2604367" y="2818605"/>
-                <a:ext cx="192088" cy="192088"/>
-              </a:xfrm>
-              <a:prstGeom prst="rect">
-                <a:avLst/>
-              </a:prstGeom>
-              <a:noFill/>
-              <a:ln w="28575">
-                <a:solidFill>
-                  <a:schemeClr val="tx1"/>
-                </a:solidFill>
-              </a:ln>
-            </p:spPr>
-            <p:style>
-              <a:lnRef idx="2">
-                <a:schemeClr val="accent1">
-                  <a:shade val="50000"/>
-                </a:schemeClr>
-              </a:lnRef>
-              <a:fillRef idx="1">
-                <a:schemeClr val="accent1"/>
-              </a:fillRef>
-              <a:effectRef idx="0">
-                <a:schemeClr val="accent1"/>
-              </a:effectRef>
-              <a:fontRef idx="minor">
-                <a:schemeClr val="lt1"/>
-              </a:fontRef>
-            </p:style>
-            <p:txBody>
-              <a:bodyPr rtlCol="1" anchor="ctr"/>
-              <a:lstStyle/>
-              <a:p>
-                <a:pPr algn="ctr"/>
-                <a:endParaRPr lang="he-IL"/>
-              </a:p>
-            </p:txBody>
-          </p:sp>
-          <p:sp>
-            <p:nvSpPr>
-              <p:cNvPr id="85" name="Rectangle 84">
-                <a:extLst>
-                  <a:ext uri="{FF2B5EF4-FFF2-40B4-BE49-F238E27FC236}">
-                    <a16:creationId xmlns:a16="http://schemas.microsoft.com/office/drawing/2014/main" id="{ACACBBAB-6543-4673-9922-B65913683303}"/>
-                  </a:ext>
-                </a:extLst>
-              </p:cNvPr>
-              <p:cNvSpPr/>
-              <p:nvPr/>
-            </p:nvSpPr>
-            <p:spPr>
-              <a:xfrm>
-                <a:off x="2546352" y="2977355"/>
-                <a:ext cx="192088" cy="192088"/>
-              </a:xfrm>
-              <a:prstGeom prst="rect">
-                <a:avLst/>
-              </a:prstGeom>
-              <a:noFill/>
-              <a:ln w="28575">
-                <a:solidFill>
-                  <a:schemeClr val="tx1"/>
-                </a:solidFill>
-              </a:ln>
-            </p:spPr>
-            <p:style>
-              <a:lnRef idx="2">
-                <a:schemeClr val="accent1">
-                  <a:shade val="50000"/>
-                </a:schemeClr>
-              </a:lnRef>
-              <a:fillRef idx="1">
-                <a:schemeClr val="accent1"/>
-              </a:fillRef>
-              <a:effectRef idx="0">
-                <a:schemeClr val="accent1"/>
-              </a:effectRef>
-              <a:fontRef idx="minor">
-                <a:schemeClr val="lt1"/>
-              </a:fontRef>
-            </p:style>
-            <p:txBody>
-              <a:bodyPr rtlCol="1" anchor="ctr"/>
-              <a:lstStyle/>
-              <a:p>
-                <a:pPr algn="ctr"/>
-                <a:endParaRPr lang="he-IL"/>
-              </a:p>
-            </p:txBody>
-          </p:sp>
-          <p:sp>
-            <p:nvSpPr>
-              <p:cNvPr id="86" name="Rectangle 85">
-                <a:extLst>
-                  <a:ext uri="{FF2B5EF4-FFF2-40B4-BE49-F238E27FC236}">
-                    <a16:creationId xmlns:a16="http://schemas.microsoft.com/office/drawing/2014/main" id="{B399DDBB-5853-4477-BBA7-BC8BCAB69BC0}"/>
-                  </a:ext>
-                </a:extLst>
-              </p:cNvPr>
-              <p:cNvSpPr/>
-              <p:nvPr/>
-            </p:nvSpPr>
-            <p:spPr>
-              <a:xfrm>
-                <a:off x="2903975" y="3047999"/>
-                <a:ext cx="192088" cy="192088"/>
-              </a:xfrm>
-              <a:prstGeom prst="rect">
-                <a:avLst/>
-              </a:prstGeom>
-              <a:noFill/>
-              <a:ln w="28575">
-                <a:solidFill>
-                  <a:schemeClr val="tx1"/>
-                </a:solidFill>
-              </a:ln>
-            </p:spPr>
-            <p:style>
-              <a:lnRef idx="2">
-                <a:schemeClr val="accent1">
-                  <a:shade val="50000"/>
-                </a:schemeClr>
-              </a:lnRef>
-              <a:fillRef idx="1">
-                <a:schemeClr val="accent1"/>
-              </a:fillRef>
-              <a:effectRef idx="0">
-                <a:schemeClr val="accent1"/>
-              </a:effectRef>
-              <a:fontRef idx="minor">
-                <a:schemeClr val="lt1"/>
-              </a:fontRef>
-            </p:style>
-            <p:txBody>
-              <a:bodyPr rtlCol="1" anchor="ctr"/>
-              <a:lstStyle/>
-              <a:p>
-                <a:pPr algn="ctr"/>
-                <a:endParaRPr lang="he-IL"/>
-              </a:p>
-            </p:txBody>
-          </p:sp>
-          <p:sp>
-            <p:nvSpPr>
-              <p:cNvPr id="87" name="Rectangle 86">
-                <a:extLst>
-                  <a:ext uri="{FF2B5EF4-FFF2-40B4-BE49-F238E27FC236}">
-                    <a16:creationId xmlns:a16="http://schemas.microsoft.com/office/drawing/2014/main" id="{5F9B5CB5-E143-4B22-962E-123DE784465E}"/>
-                  </a:ext>
-                </a:extLst>
-              </p:cNvPr>
-              <p:cNvSpPr/>
-              <p:nvPr/>
-            </p:nvSpPr>
-            <p:spPr>
-              <a:xfrm>
-                <a:off x="2960985" y="2831304"/>
-                <a:ext cx="192088" cy="192088"/>
-              </a:xfrm>
-              <a:prstGeom prst="rect">
-                <a:avLst/>
-              </a:prstGeom>
-              <a:noFill/>
-              <a:ln w="28575">
-                <a:solidFill>
-                  <a:schemeClr val="tx1"/>
-                </a:solidFill>
-              </a:ln>
-            </p:spPr>
-            <p:style>
-              <a:lnRef idx="2">
-                <a:schemeClr val="accent1">
-                  <a:shade val="50000"/>
-                </a:schemeClr>
-              </a:lnRef>
-              <a:fillRef idx="1">
-                <a:schemeClr val="accent1"/>
-              </a:fillRef>
-              <a:effectRef idx="0">
-                <a:schemeClr val="accent1"/>
-              </a:effectRef>
-              <a:fontRef idx="minor">
-                <a:schemeClr val="lt1"/>
-              </a:fontRef>
-            </p:style>
-            <p:txBody>
-              <a:bodyPr rtlCol="1" anchor="ctr"/>
-              <a:lstStyle/>
-              <a:p>
-                <a:pPr algn="ctr"/>
-                <a:endParaRPr lang="he-IL"/>
-              </a:p>
-            </p:txBody>
-          </p:sp>
-          <p:sp>
-            <p:nvSpPr>
-              <p:cNvPr id="88" name="Rectangle 87">
-                <a:extLst>
-                  <a:ext uri="{FF2B5EF4-FFF2-40B4-BE49-F238E27FC236}">
-                    <a16:creationId xmlns:a16="http://schemas.microsoft.com/office/drawing/2014/main" id="{D41AC330-9652-4182-8215-1387218DFFE8}"/>
-                  </a:ext>
-                </a:extLst>
-              </p:cNvPr>
-              <p:cNvSpPr/>
-              <p:nvPr/>
-            </p:nvSpPr>
-            <p:spPr>
-              <a:xfrm>
-                <a:off x="1991746" y="3144043"/>
-                <a:ext cx="192088" cy="192088"/>
-              </a:xfrm>
-              <a:prstGeom prst="rect">
-                <a:avLst/>
-              </a:prstGeom>
-              <a:noFill/>
-              <a:ln w="28575">
-                <a:solidFill>
-                  <a:schemeClr val="tx1"/>
-                </a:solidFill>
-              </a:ln>
-            </p:spPr>
-            <p:style>
-              <a:lnRef idx="2">
-                <a:schemeClr val="accent1">
-                  <a:shade val="50000"/>
-                </a:schemeClr>
-              </a:lnRef>
-              <a:fillRef idx="1">
-                <a:schemeClr val="accent1"/>
-              </a:fillRef>
-              <a:effectRef idx="0">
-                <a:schemeClr val="accent1"/>
-              </a:effectRef>
-              <a:fontRef idx="minor">
-                <a:schemeClr val="lt1"/>
-              </a:fontRef>
-            </p:style>
-            <p:txBody>
-              <a:bodyPr rtlCol="1" anchor="ctr"/>
-              <a:lstStyle/>
-              <a:p>
-                <a:pPr algn="ctr"/>
-                <a:endParaRPr lang="he-IL"/>
-              </a:p>
-            </p:txBody>
-          </p:sp>
-          <p:sp>
-            <p:nvSpPr>
-              <p:cNvPr id="89" name="Rectangle 88">
-                <a:extLst>
-                  <a:ext uri="{FF2B5EF4-FFF2-40B4-BE49-F238E27FC236}">
-                    <a16:creationId xmlns:a16="http://schemas.microsoft.com/office/drawing/2014/main" id="{8DF133AA-1CFA-4090-A86B-38D156C2EFAA}"/>
-                  </a:ext>
-                </a:extLst>
-              </p:cNvPr>
-              <p:cNvSpPr/>
-              <p:nvPr/>
-            </p:nvSpPr>
-            <p:spPr>
-              <a:xfrm>
-                <a:off x="2414314" y="3132822"/>
-                <a:ext cx="192088" cy="192088"/>
-              </a:xfrm>
-              <a:prstGeom prst="rect">
-                <a:avLst/>
-              </a:prstGeom>
-              <a:noFill/>
-              <a:ln w="28575">
-                <a:solidFill>
-                  <a:schemeClr val="tx1"/>
-                </a:solidFill>
-              </a:ln>
-            </p:spPr>
-            <p:style>
-              <a:lnRef idx="2">
-                <a:schemeClr val="accent1">
-                  <a:shade val="50000"/>
-                </a:schemeClr>
-              </a:lnRef>
-              <a:fillRef idx="1">
-                <a:schemeClr val="accent1"/>
-              </a:fillRef>
-              <a:effectRef idx="0">
-                <a:schemeClr val="accent1"/>
-              </a:effectRef>
-              <a:fontRef idx="minor">
-                <a:schemeClr val="lt1"/>
-              </a:fontRef>
-            </p:style>
-            <p:txBody>
-              <a:bodyPr rtlCol="1" anchor="ctr"/>
-              <a:lstStyle/>
-              <a:p>
-                <a:pPr algn="ctr"/>
-                <a:endParaRPr lang="he-IL"/>
-              </a:p>
-            </p:txBody>
-          </p:sp>
-          <p:sp>
-            <p:nvSpPr>
-              <p:cNvPr id="90" name="Rectangle 89">
-                <a:extLst>
-                  <a:ext uri="{FF2B5EF4-FFF2-40B4-BE49-F238E27FC236}">
-                    <a16:creationId xmlns:a16="http://schemas.microsoft.com/office/drawing/2014/main" id="{52C1058C-D652-47A8-B38B-90580087ADAB}"/>
-                  </a:ext>
-                </a:extLst>
-              </p:cNvPr>
-              <p:cNvSpPr/>
-              <p:nvPr/>
-            </p:nvSpPr>
-            <p:spPr>
-              <a:xfrm rot="2700000">
-                <a:off x="2354265" y="2796488"/>
-                <a:ext cx="192088" cy="192088"/>
-              </a:xfrm>
-              <a:prstGeom prst="rect">
-                <a:avLst/>
-              </a:prstGeom>
-              <a:noFill/>
-              <a:ln w="28575">
-                <a:solidFill>
-                  <a:schemeClr val="tx1"/>
-                </a:solidFill>
-              </a:ln>
-            </p:spPr>
-            <p:style>
-              <a:lnRef idx="2">
-                <a:schemeClr val="accent1">
-                  <a:shade val="50000"/>
-                </a:schemeClr>
-              </a:lnRef>
-              <a:fillRef idx="1">
-                <a:schemeClr val="accent1"/>
-              </a:fillRef>
-              <a:effectRef idx="0">
-                <a:schemeClr val="accent1"/>
-              </a:effectRef>
-              <a:fontRef idx="minor">
-                <a:schemeClr val="lt1"/>
-              </a:fontRef>
-            </p:style>
-            <p:txBody>
-              <a:bodyPr rtlCol="1" anchor="ctr"/>
-              <a:lstStyle/>
-              <a:p>
-                <a:pPr algn="ctr"/>
-                <a:endParaRPr lang="he-IL"/>
-              </a:p>
-            </p:txBody>
-          </p:sp>
-          <p:sp>
-            <p:nvSpPr>
-              <p:cNvPr id="91" name="Rectangle 90">
-                <a:extLst>
-                  <a:ext uri="{FF2B5EF4-FFF2-40B4-BE49-F238E27FC236}">
-                    <a16:creationId xmlns:a16="http://schemas.microsoft.com/office/drawing/2014/main" id="{E208C02A-7CB6-4C29-AF43-0D7E24D29F4B}"/>
-                  </a:ext>
-                </a:extLst>
-              </p:cNvPr>
-              <p:cNvSpPr/>
-              <p:nvPr/>
-            </p:nvSpPr>
-            <p:spPr>
-              <a:xfrm rot="2700000">
-                <a:off x="2773043" y="2931714"/>
-                <a:ext cx="192088" cy="192088"/>
-              </a:xfrm>
-              <a:prstGeom prst="rect">
-                <a:avLst/>
-              </a:prstGeom>
-              <a:noFill/>
-              <a:ln w="28575">
-                <a:solidFill>
-                  <a:schemeClr val="tx1"/>
-                </a:solidFill>
-              </a:ln>
-            </p:spPr>
-            <p:style>
-              <a:lnRef idx="2">
-                <a:schemeClr val="accent1">
-                  <a:shade val="50000"/>
-                </a:schemeClr>
-              </a:lnRef>
-              <a:fillRef idx="1">
-                <a:schemeClr val="accent1"/>
-              </a:fillRef>
-              <a:effectRef idx="0">
-                <a:schemeClr val="accent1"/>
-              </a:effectRef>
-              <a:fontRef idx="minor">
-                <a:schemeClr val="lt1"/>
-              </a:fontRef>
-            </p:style>
-            <p:txBody>
-              <a:bodyPr rtlCol="1" anchor="ctr"/>
-              <a:lstStyle/>
-              <a:p>
-                <a:pPr algn="ctr"/>
-                <a:endParaRPr lang="he-IL"/>
-              </a:p>
-            </p:txBody>
-          </p:sp>
-          <p:sp>
-            <p:nvSpPr>
-              <p:cNvPr id="92" name="Rectangle 91">
-                <a:extLst>
-                  <a:ext uri="{FF2B5EF4-FFF2-40B4-BE49-F238E27FC236}">
-                    <a16:creationId xmlns:a16="http://schemas.microsoft.com/office/drawing/2014/main" id="{01AE9C16-DEDC-4B60-8459-B80885A873CD}"/>
-                  </a:ext>
-                </a:extLst>
-              </p:cNvPr>
-              <p:cNvSpPr/>
-              <p:nvPr/>
-            </p:nvSpPr>
-            <p:spPr>
-              <a:xfrm>
-                <a:off x="2272448" y="2914450"/>
-                <a:ext cx="192088" cy="192088"/>
-              </a:xfrm>
-              <a:prstGeom prst="rect">
-                <a:avLst/>
-              </a:prstGeom>
-              <a:noFill/>
-              <a:ln w="28575">
-                <a:solidFill>
-                  <a:schemeClr val="tx1"/>
-                </a:solidFill>
-              </a:ln>
-            </p:spPr>
-            <p:style>
-              <a:lnRef idx="2">
-                <a:schemeClr val="accent1">
-                  <a:shade val="50000"/>
-                </a:schemeClr>
-              </a:lnRef>
-              <a:fillRef idx="1">
-                <a:schemeClr val="accent1"/>
-              </a:fillRef>
-              <a:effectRef idx="0">
-                <a:schemeClr val="accent1"/>
-              </a:effectRef>
-              <a:fontRef idx="minor">
-                <a:schemeClr val="lt1"/>
-              </a:fontRef>
-            </p:style>
-            <p:txBody>
-              <a:bodyPr rtlCol="1" anchor="ctr"/>
-              <a:lstStyle/>
-              <a:p>
-                <a:pPr algn="ctr"/>
-                <a:endParaRPr lang="he-IL"/>
-              </a:p>
-            </p:txBody>
-          </p:sp>
-          <p:sp>
-            <p:nvSpPr>
-              <p:cNvPr id="93" name="Rectangle 92">
-                <a:extLst>
-                  <a:ext uri="{FF2B5EF4-FFF2-40B4-BE49-F238E27FC236}">
-                    <a16:creationId xmlns:a16="http://schemas.microsoft.com/office/drawing/2014/main" id="{769E3875-1CF3-4D66-B5B1-E066046C9008}"/>
-                  </a:ext>
-                </a:extLst>
-              </p:cNvPr>
-              <p:cNvSpPr/>
-              <p:nvPr/>
-            </p:nvSpPr>
-            <p:spPr>
-              <a:xfrm rot="2700000">
-                <a:off x="2084506" y="3014860"/>
-                <a:ext cx="192088" cy="192088"/>
-              </a:xfrm>
-              <a:prstGeom prst="rect">
-                <a:avLst/>
-              </a:prstGeom>
-              <a:noFill/>
-              <a:ln w="28575">
-                <a:solidFill>
-                  <a:schemeClr val="tx1"/>
-                </a:solidFill>
-              </a:ln>
-            </p:spPr>
-            <p:style>
-              <a:lnRef idx="2">
-                <a:schemeClr val="accent1">
-                  <a:shade val="50000"/>
-                </a:schemeClr>
-              </a:lnRef>
-              <a:fillRef idx="1">
-                <a:schemeClr val="accent1"/>
-              </a:fillRef>
-              <a:effectRef idx="0">
-                <a:schemeClr val="accent1"/>
-              </a:effectRef>
-              <a:fontRef idx="minor">
-                <a:schemeClr val="lt1"/>
-              </a:fontRef>
-            </p:style>
-            <p:txBody>
-              <a:bodyPr rtlCol="1" anchor="ctr"/>
-              <a:lstStyle/>
-              <a:p>
-                <a:pPr algn="ctr"/>
-                <a:endParaRPr lang="he-IL"/>
-              </a:p>
-            </p:txBody>
-          </p:sp>
-          <p:sp>
-            <p:nvSpPr>
-              <p:cNvPr id="94" name="Rectangle 93">
-                <a:extLst>
-                  <a:ext uri="{FF2B5EF4-FFF2-40B4-BE49-F238E27FC236}">
-                    <a16:creationId xmlns:a16="http://schemas.microsoft.com/office/drawing/2014/main" id="{8E9C5D3F-6D2B-4605-A87E-EB759F6DAB07}"/>
-                  </a:ext>
-                </a:extLst>
-              </p:cNvPr>
-              <p:cNvSpPr/>
-              <p:nvPr/>
-            </p:nvSpPr>
-            <p:spPr>
-              <a:xfrm rot="2700000">
-                <a:off x="2554040" y="3096323"/>
-                <a:ext cx="192088" cy="192088"/>
-              </a:xfrm>
-              <a:prstGeom prst="rect">
-                <a:avLst/>
-              </a:prstGeom>
-              <a:noFill/>
-              <a:ln w="28575">
-                <a:solidFill>
-                  <a:schemeClr val="tx1"/>
-                </a:solidFill>
-              </a:ln>
-            </p:spPr>
-            <p:style>
-              <a:lnRef idx="2">
-                <a:schemeClr val="accent1">
-                  <a:shade val="50000"/>
-                </a:schemeClr>
-              </a:lnRef>
-              <a:fillRef idx="1">
-                <a:schemeClr val="accent1"/>
-              </a:fillRef>
-              <a:effectRef idx="0">
-                <a:schemeClr val="accent1"/>
-              </a:effectRef>
-              <a:fontRef idx="minor">
-                <a:schemeClr val="lt1"/>
-              </a:fontRef>
-            </p:style>
-            <p:txBody>
-              <a:bodyPr rtlCol="1" anchor="ctr"/>
-              <a:lstStyle/>
-              <a:p>
-                <a:pPr algn="ctr"/>
-                <a:endParaRPr lang="he-IL"/>
-              </a:p>
-            </p:txBody>
-          </p:sp>
-          <p:sp>
-            <p:nvSpPr>
-              <p:cNvPr id="95" name="Rectangle 94">
-                <a:extLst>
-                  <a:ext uri="{FF2B5EF4-FFF2-40B4-BE49-F238E27FC236}">
-                    <a16:creationId xmlns:a16="http://schemas.microsoft.com/office/drawing/2014/main" id="{8B569914-D87A-4DC8-B1E8-74619DAD573C}"/>
-                  </a:ext>
-                </a:extLst>
-              </p:cNvPr>
-              <p:cNvSpPr/>
-              <p:nvPr/>
-            </p:nvSpPr>
-            <p:spPr>
-              <a:xfrm rot="2700000">
-                <a:off x="2972818" y="2987974"/>
-                <a:ext cx="192088" cy="192088"/>
-              </a:xfrm>
-              <a:prstGeom prst="rect">
-                <a:avLst/>
-              </a:prstGeom>
-              <a:noFill/>
-              <a:ln w="28575">
-                <a:solidFill>
-                  <a:schemeClr val="tx1"/>
-                </a:solidFill>
-              </a:ln>
-            </p:spPr>
-            <p:style>
-              <a:lnRef idx="2">
-                <a:schemeClr val="accent1">
-                  <a:shade val="50000"/>
-                </a:schemeClr>
-              </a:lnRef>
-              <a:fillRef idx="1">
-                <a:schemeClr val="accent1"/>
-              </a:fillRef>
-              <a:effectRef idx="0">
-                <a:schemeClr val="accent1"/>
-              </a:effectRef>
-              <a:fontRef idx="minor">
-                <a:schemeClr val="lt1"/>
-              </a:fontRef>
-            </p:style>
-            <p:txBody>
-              <a:bodyPr rtlCol="1" anchor="ctr"/>
-              <a:lstStyle/>
-              <a:p>
-                <a:pPr algn="ctr"/>
-                <a:endParaRPr lang="he-IL"/>
-              </a:p>
-            </p:txBody>
-          </p:sp>
-          <p:sp>
-            <p:nvSpPr>
-              <p:cNvPr id="96" name="Rectangle 95">
-                <a:extLst>
-                  <a:ext uri="{FF2B5EF4-FFF2-40B4-BE49-F238E27FC236}">
-                    <a16:creationId xmlns:a16="http://schemas.microsoft.com/office/drawing/2014/main" id="{32F948C8-1DAE-4EA8-9516-9D6BACC9F8ED}"/>
-                  </a:ext>
-                </a:extLst>
-              </p:cNvPr>
-              <p:cNvSpPr/>
-              <p:nvPr/>
-            </p:nvSpPr>
-            <p:spPr>
-              <a:xfrm rot="2700000">
-                <a:off x="2262148" y="3051481"/>
-                <a:ext cx="192088" cy="192088"/>
-              </a:xfrm>
-              <a:prstGeom prst="rect">
-                <a:avLst/>
-              </a:prstGeom>
-              <a:noFill/>
-              <a:ln w="28575">
-                <a:solidFill>
-                  <a:schemeClr val="tx1"/>
-                </a:solidFill>
-              </a:ln>
-            </p:spPr>
-            <p:style>
-              <a:lnRef idx="2">
-                <a:schemeClr val="accent1">
-                  <a:shade val="50000"/>
-                </a:schemeClr>
-              </a:lnRef>
-              <a:fillRef idx="1">
-                <a:schemeClr val="accent1"/>
-              </a:fillRef>
-              <a:effectRef idx="0">
-                <a:schemeClr val="accent1"/>
-              </a:effectRef>
-              <a:fontRef idx="minor">
-                <a:schemeClr val="lt1"/>
-              </a:fontRef>
-            </p:style>
-            <p:txBody>
-              <a:bodyPr rtlCol="1" anchor="ctr"/>
-              <a:lstStyle/>
-              <a:p>
-                <a:pPr algn="ctr"/>
-                <a:endParaRPr lang="he-IL"/>
-              </a:p>
-            </p:txBody>
-          </p:sp>
-          <p:sp>
-            <p:nvSpPr>
-              <p:cNvPr id="97" name="Rectangle 96">
-                <a:extLst>
-                  <a:ext uri="{FF2B5EF4-FFF2-40B4-BE49-F238E27FC236}">
-                    <a16:creationId xmlns:a16="http://schemas.microsoft.com/office/drawing/2014/main" id="{C7137670-258D-4E43-8A87-A5FCC1AF87D7}"/>
-                  </a:ext>
-                </a:extLst>
-              </p:cNvPr>
-              <p:cNvSpPr/>
-              <p:nvPr/>
-            </p:nvSpPr>
-            <p:spPr>
-              <a:xfrm rot="2700000">
-                <a:off x="2612344" y="2901053"/>
-                <a:ext cx="192088" cy="192088"/>
-              </a:xfrm>
-              <a:prstGeom prst="rect">
-                <a:avLst/>
-              </a:prstGeom>
-              <a:noFill/>
-              <a:ln w="28575">
-                <a:solidFill>
-                  <a:schemeClr val="tx1"/>
-                </a:solidFill>
-              </a:ln>
-            </p:spPr>
-            <p:style>
-              <a:lnRef idx="2">
-                <a:schemeClr val="accent1">
-                  <a:shade val="50000"/>
-                </a:schemeClr>
-              </a:lnRef>
-              <a:fillRef idx="1">
-                <a:schemeClr val="accent1"/>
-              </a:fillRef>
-              <a:effectRef idx="0">
-                <a:schemeClr val="accent1"/>
-              </a:effectRef>
-              <a:fontRef idx="minor">
-                <a:schemeClr val="lt1"/>
-              </a:fontRef>
-            </p:style>
-            <p:txBody>
-              <a:bodyPr rtlCol="1" anchor="ctr"/>
-              <a:lstStyle/>
-              <a:p>
-                <a:pPr algn="ctr"/>
-                <a:endParaRPr lang="he-IL"/>
-              </a:p>
-            </p:txBody>
-          </p:sp>
-          <p:sp>
-            <p:nvSpPr>
-              <p:cNvPr id="98" name="Rectangle 97">
-                <a:extLst>
-                  <a:ext uri="{FF2B5EF4-FFF2-40B4-BE49-F238E27FC236}">
-                    <a16:creationId xmlns:a16="http://schemas.microsoft.com/office/drawing/2014/main" id="{4E880BDA-92ED-4097-8B52-F050D360E678}"/>
-                  </a:ext>
-                </a:extLst>
-              </p:cNvPr>
-              <p:cNvSpPr/>
-              <p:nvPr/>
-            </p:nvSpPr>
-            <p:spPr>
-              <a:xfrm rot="2700000">
-                <a:off x="2742495" y="3077663"/>
-                <a:ext cx="192088" cy="192088"/>
-              </a:xfrm>
-              <a:prstGeom prst="rect">
-                <a:avLst/>
-              </a:prstGeom>
-              <a:noFill/>
-              <a:ln w="28575">
-                <a:solidFill>
-                  <a:schemeClr val="tx1"/>
-                </a:solidFill>
-              </a:ln>
-            </p:spPr>
-            <p:style>
-              <a:lnRef idx="2">
-                <a:schemeClr val="accent1">
-                  <a:shade val="50000"/>
-                </a:schemeClr>
-              </a:lnRef>
-              <a:fillRef idx="1">
-                <a:schemeClr val="accent1"/>
-              </a:fillRef>
-              <a:effectRef idx="0">
-                <a:schemeClr val="accent1"/>
-              </a:effectRef>
-              <a:fontRef idx="minor">
-                <a:schemeClr val="lt1"/>
-              </a:fontRef>
-            </p:style>
-            <p:txBody>
-              <a:bodyPr rtlCol="1" anchor="ctr"/>
-              <a:lstStyle/>
-              <a:p>
-                <a:pPr algn="ctr"/>
-                <a:endParaRPr lang="he-IL"/>
-              </a:p>
-            </p:txBody>
-          </p:sp>
-        </p:grpSp>
-        <p:sp>
-          <p:nvSpPr>
-            <p:cNvPr id="146" name="TextBox 145">
-              <a:extLst>
-                <a:ext uri="{FF2B5EF4-FFF2-40B4-BE49-F238E27FC236}">
-                  <a16:creationId xmlns:a16="http://schemas.microsoft.com/office/drawing/2014/main" id="{FEEB564B-7268-47F7-A54B-AB27A9721B68}"/>
-                </a:ext>
-              </a:extLst>
-            </p:cNvPr>
-            <p:cNvSpPr txBox="1"/>
-            <p:nvPr/>
-          </p:nvSpPr>
-          <p:spPr>
-            <a:xfrm>
-              <a:off x="5887799" y="2644522"/>
-              <a:ext cx="2706872" cy="307777"/>
-            </a:xfrm>
-            <a:prstGeom prst="rect">
-              <a:avLst/>
-            </a:prstGeom>
-            <a:noFill/>
-          </p:spPr>
-          <p:txBody>
-            <a:bodyPr wrap="square" rtlCol="1">
-              <a:spAutoFit/>
-            </a:bodyPr>
-            <a:lstStyle/>
-            <a:p>
-              <a:r>
-                <a:rPr lang="en-US" sz="1400" dirty="0"/>
                 <a:t>    </a:t>
               </a:r>
               <a:r>

--- a/presentation/design figure.pptx
+++ b/presentation/design figure.pptx
@@ -273,7 +273,7 @@
           <a:p>
             <a:fld id="{A1208381-D324-4E16-878A-260944863543}" type="datetimeFigureOut">
               <a:rPr lang="he-IL" smtClean="0"/>
-              <a:t>כ'/תמוז/תשפ"ב</a:t>
+              <a:t>ו'/תשרי/תשפ"ג</a:t>
             </a:fld>
             <a:endParaRPr lang="he-IL"/>
           </a:p>
@@ -473,7 +473,7 @@
           <a:p>
             <a:fld id="{A1208381-D324-4E16-878A-260944863543}" type="datetimeFigureOut">
               <a:rPr lang="he-IL" smtClean="0"/>
-              <a:t>כ'/תמוז/תשפ"ב</a:t>
+              <a:t>ו'/תשרי/תשפ"ג</a:t>
             </a:fld>
             <a:endParaRPr lang="he-IL"/>
           </a:p>
@@ -683,7 +683,7 @@
           <a:p>
             <a:fld id="{A1208381-D324-4E16-878A-260944863543}" type="datetimeFigureOut">
               <a:rPr lang="he-IL" smtClean="0"/>
-              <a:t>כ'/תמוז/תשפ"ב</a:t>
+              <a:t>ו'/תשרי/תשפ"ג</a:t>
             </a:fld>
             <a:endParaRPr lang="he-IL"/>
           </a:p>
@@ -883,7 +883,7 @@
           <a:p>
             <a:fld id="{A1208381-D324-4E16-878A-260944863543}" type="datetimeFigureOut">
               <a:rPr lang="he-IL" smtClean="0"/>
-              <a:t>כ'/תמוז/תשפ"ב</a:t>
+              <a:t>ו'/תשרי/תשפ"ג</a:t>
             </a:fld>
             <a:endParaRPr lang="he-IL"/>
           </a:p>
@@ -1159,7 +1159,7 @@
           <a:p>
             <a:fld id="{A1208381-D324-4E16-878A-260944863543}" type="datetimeFigureOut">
               <a:rPr lang="he-IL" smtClean="0"/>
-              <a:t>כ'/תמוז/תשפ"ב</a:t>
+              <a:t>ו'/תשרי/תשפ"ג</a:t>
             </a:fld>
             <a:endParaRPr lang="he-IL"/>
           </a:p>
@@ -1427,7 +1427,7 @@
           <a:p>
             <a:fld id="{A1208381-D324-4E16-878A-260944863543}" type="datetimeFigureOut">
               <a:rPr lang="he-IL" smtClean="0"/>
-              <a:t>כ'/תמוז/תשפ"ב</a:t>
+              <a:t>ו'/תשרי/תשפ"ג</a:t>
             </a:fld>
             <a:endParaRPr lang="he-IL"/>
           </a:p>
@@ -1842,7 +1842,7 @@
           <a:p>
             <a:fld id="{A1208381-D324-4E16-878A-260944863543}" type="datetimeFigureOut">
               <a:rPr lang="he-IL" smtClean="0"/>
-              <a:t>כ'/תמוז/תשפ"ב</a:t>
+              <a:t>ו'/תשרי/תשפ"ג</a:t>
             </a:fld>
             <a:endParaRPr lang="he-IL"/>
           </a:p>
@@ -1984,7 +1984,7 @@
           <a:p>
             <a:fld id="{A1208381-D324-4E16-878A-260944863543}" type="datetimeFigureOut">
               <a:rPr lang="he-IL" smtClean="0"/>
-              <a:t>כ'/תמוז/תשפ"ב</a:t>
+              <a:t>ו'/תשרי/תשפ"ג</a:t>
             </a:fld>
             <a:endParaRPr lang="he-IL"/>
           </a:p>
@@ -2097,7 +2097,7 @@
           <a:p>
             <a:fld id="{A1208381-D324-4E16-878A-260944863543}" type="datetimeFigureOut">
               <a:rPr lang="he-IL" smtClean="0"/>
-              <a:t>כ'/תמוז/תשפ"ב</a:t>
+              <a:t>ו'/תשרי/תשפ"ג</a:t>
             </a:fld>
             <a:endParaRPr lang="he-IL"/>
           </a:p>
@@ -2410,7 +2410,7 @@
           <a:p>
             <a:fld id="{A1208381-D324-4E16-878A-260944863543}" type="datetimeFigureOut">
               <a:rPr lang="he-IL" smtClean="0"/>
-              <a:t>כ'/תמוז/תשפ"ב</a:t>
+              <a:t>ו'/תשרי/תשפ"ג</a:t>
             </a:fld>
             <a:endParaRPr lang="he-IL"/>
           </a:p>
@@ -2699,7 +2699,7 @@
           <a:p>
             <a:fld id="{A1208381-D324-4E16-878A-260944863543}" type="datetimeFigureOut">
               <a:rPr lang="he-IL" smtClean="0"/>
-              <a:t>כ'/תמוז/תשפ"ב</a:t>
+              <a:t>ו'/תשרי/תשפ"ג</a:t>
             </a:fld>
             <a:endParaRPr lang="he-IL"/>
           </a:p>
@@ -2942,7 +2942,7 @@
           <a:p>
             <a:fld id="{A1208381-D324-4E16-878A-260944863543}" type="datetimeFigureOut">
               <a:rPr lang="he-IL" smtClean="0"/>
-              <a:t>כ'/תמוז/תשפ"ב</a:t>
+              <a:t>ו'/תשרי/תשפ"ג</a:t>
             </a:fld>
             <a:endParaRPr lang="he-IL"/>
           </a:p>
@@ -29678,7 +29678,7 @@
                 <a:pPr algn="ctr"/>
                 <a:r>
                   <a:rPr lang="en-US" sz="2800" dirty="0"/>
-                  <a:t>RADIO    PHONE</a:t>
+                  <a:t>RADIO  PHONE</a:t>
                 </a:r>
                 <a:endParaRPr lang="he-IL" sz="2800" dirty="0"/>
               </a:p>
@@ -33975,7 +33975,7 @@
                 <a:pPr algn="ctr"/>
                 <a:r>
                   <a:rPr lang="en-US" sz="2800" dirty="0"/>
-                  <a:t>RADIO    PHONE</a:t>
+                  <a:t>RADIO  PHONE</a:t>
                 </a:r>
                 <a:endParaRPr lang="he-IL" sz="2800" dirty="0"/>
               </a:p>
@@ -39128,7 +39128,7 @@
                 <a:pPr algn="ctr"/>
                 <a:r>
                   <a:rPr lang="en-US" sz="2800" dirty="0"/>
-                  <a:t>RADIO    PHONE</a:t>
+                  <a:t>RADIO  PHONE</a:t>
                 </a:r>
                 <a:endParaRPr lang="he-IL" sz="2800" dirty="0"/>
               </a:p>
@@ -44281,7 +44281,7 @@
                 <a:pPr algn="ctr"/>
                 <a:r>
                   <a:rPr lang="en-US" sz="2800" dirty="0"/>
-                  <a:t>RADIO    PHONE</a:t>
+                  <a:t>RADIO  PHONE</a:t>
                 </a:r>
                 <a:endParaRPr lang="he-IL" sz="2800" dirty="0"/>
               </a:p>
